--- a/markdown/files/slides/lecture3_analysis2_inka.pptx
+++ b/markdown/files/slides/lecture3_analysis2_inka.pptx
@@ -5,7 +5,7 @@
     <p:sldMasterId id="2147483648" r:id="rId1"/>
   </p:sldMasterIdLst>
   <p:notesMasterIdLst>
-    <p:notesMasterId r:id="rId34"/>
+    <p:notesMasterId r:id="rId35"/>
   </p:notesMasterIdLst>
   <p:sldIdLst>
     <p:sldId id="256" r:id="rId2"/>
@@ -17,43 +17,44 @@
     <p:sldId id="394" r:id="rId8"/>
     <p:sldId id="398" r:id="rId9"/>
     <p:sldId id="436" r:id="rId10"/>
-    <p:sldId id="434" r:id="rId11"/>
-    <p:sldId id="431" r:id="rId12"/>
-    <p:sldId id="432" r:id="rId13"/>
-    <p:sldId id="407" r:id="rId14"/>
-    <p:sldId id="411" r:id="rId15"/>
-    <p:sldId id="426" r:id="rId16"/>
-    <p:sldId id="427" r:id="rId17"/>
-    <p:sldId id="412" r:id="rId18"/>
-    <p:sldId id="413" r:id="rId19"/>
-    <p:sldId id="414" r:id="rId20"/>
-    <p:sldId id="415" r:id="rId21"/>
-    <p:sldId id="429" r:id="rId22"/>
-    <p:sldId id="416" r:id="rId23"/>
-    <p:sldId id="417" r:id="rId24"/>
-    <p:sldId id="418" r:id="rId25"/>
-    <p:sldId id="419" r:id="rId26"/>
-    <p:sldId id="420" r:id="rId27"/>
-    <p:sldId id="421" r:id="rId28"/>
-    <p:sldId id="422" r:id="rId29"/>
-    <p:sldId id="423" r:id="rId30"/>
-    <p:sldId id="409" r:id="rId31"/>
-    <p:sldId id="410" r:id="rId32"/>
-    <p:sldId id="428" r:id="rId33"/>
+    <p:sldId id="437" r:id="rId11"/>
+    <p:sldId id="434" r:id="rId12"/>
+    <p:sldId id="431" r:id="rId13"/>
+    <p:sldId id="432" r:id="rId14"/>
+    <p:sldId id="407" r:id="rId15"/>
+    <p:sldId id="411" r:id="rId16"/>
+    <p:sldId id="426" r:id="rId17"/>
+    <p:sldId id="427" r:id="rId18"/>
+    <p:sldId id="412" r:id="rId19"/>
+    <p:sldId id="413" r:id="rId20"/>
+    <p:sldId id="414" r:id="rId21"/>
+    <p:sldId id="415" r:id="rId22"/>
+    <p:sldId id="429" r:id="rId23"/>
+    <p:sldId id="416" r:id="rId24"/>
+    <p:sldId id="417" r:id="rId25"/>
+    <p:sldId id="418" r:id="rId26"/>
+    <p:sldId id="419" r:id="rId27"/>
+    <p:sldId id="420" r:id="rId28"/>
+    <p:sldId id="421" r:id="rId29"/>
+    <p:sldId id="422" r:id="rId30"/>
+    <p:sldId id="423" r:id="rId31"/>
+    <p:sldId id="409" r:id="rId32"/>
+    <p:sldId id="410" r:id="rId33"/>
+    <p:sldId id="428" r:id="rId34"/>
   </p:sldIdLst>
   <p:sldSz cx="12192000" cy="6858000"/>
   <p:notesSz cx="6858000" cy="9144000"/>
   <p:embeddedFontLst>
     <p:embeddedFont>
       <p:font typeface="Cambria Math" panose="02040503050406030204" pitchFamily="18" charset="0"/>
-      <p:regular r:id="rId35"/>
+      <p:regular r:id="rId36"/>
     </p:embeddedFont>
     <p:embeddedFont>
       <p:font typeface="Consolas" panose="020B0609020204030204" pitchFamily="49" charset="0"/>
-      <p:regular r:id="rId36"/>
-      <p:bold r:id="rId37"/>
-      <p:italic r:id="rId38"/>
-      <p:boldItalic r:id="rId39"/>
+      <p:regular r:id="rId37"/>
+      <p:bold r:id="rId38"/>
+      <p:italic r:id="rId39"/>
+      <p:boldItalic r:id="rId40"/>
     </p:embeddedFont>
   </p:embeddedFontLst>
   <p:defaultTextStyle>
@@ -181,7 +182,7 @@
           <inkml:channelProperty channel="T" name="resolution" value="1" units="1/dev"/>
         </inkml:channelProperties>
       </inkml:inkSource>
-      <inkml:timestamp xml:id="ts0" timeString="2026-01-09T21:08:28.010"/>
+      <inkml:timestamp xml:id="ts0" timeString="2026-01-10T00:10:03.305"/>
     </inkml:context>
     <inkml:brush xml:id="br0">
       <inkml:brushProperty name="width" value="0.05292" units="cm"/>
@@ -189,41 +190,22 @@
       <inkml:brushProperty name="color" value="#FF0000"/>
     </inkml:brush>
   </inkml:definitions>
-  <inkml:trace contextRef="#ctx0" brushRef="#br0">24982 7254 0,'0'0'0,"0"0"0,0 0 16,-9-8-1,1-1-15,-9 1 16,-9 8-16,-8 0 16,-34 17-1,-26 17 1,0 8-1,-9 26-15,-8 0 16,18-8-16,-10-1 16,18-7-1,42-10 1,18 1-16,33-1 16,26-8-1,52-17-15,7-17 16,1-34-1,26-8-15,16-18 16,-8-8-16,-34 0 16,-42 17-1,-18 17 1,-17 17-16,-9 0 16,1 17-1,-1 0-15,-8 8 16,17 26-1,-8 34-15,-9 52 16,-9 58 0,-16-42-16,8-68 15,17-17 1,0-8-16,8-18 16,1-16-1</inkml:trace>
-  <inkml:trace contextRef="#ctx0" brushRef="#br0" timeOffset="430.26">25733 7629 0,'0'0'0,"-17"8"0,-17 35 16,0 33 0,8 1-16,9-9 15,0-17-15,0-17 16,8-9 0,9-16-1,0-1-15,0-8 16,26 0-1,25 0-15,17 0 16,18 17 0,-18 0-16,-25 9 15,-9 8-15,-9 34 16,-16 42 0,-18 1-1,-8-18-15,-8-42 16,-1-25-1,-8-9-15,17-8 16</inkml:trace>
-  <inkml:trace contextRef="#ctx0" brushRef="#br0" timeOffset="657.39">26091 7356 0,'0'0'0,"0"26"0,0 8 0,9 8 32,8-8-32,17 0 0,34 0 15,77-8 1,163 25-1</inkml:trace>
-  <inkml:trace contextRef="#ctx0" brushRef="#br0" timeOffset="1055.33">27423 8096 0,'-9'0'0,"-25"26"0,-17 8 16,17 8-1,8 18 1,9 33-16,9 1 15,25-18-15,51-7 16,60-10-16,43-16 31,16-26-31,10-26 16,-27-33 0,-42-9-16,-42-9 15,-26-17 1,-43-33-16,-77-18 0,-171 18 31,-127 25-31</inkml:trace>
-  <inkml:trace contextRef="#ctx0" brushRef="#br0" timeOffset="4695.63">25016 8972 0,'0'0'0,"-9"0"0,1 0 15,-1 0 1,1 0-16,-18 9 15,1 8 1,-10 0-16,-7 8 16,-1 1-1,9-1-15,0 1 16,17-9-16,0 0 16,0 0-1,17 0 1,0 0-16,17 0 15,25 0-15,18 8 16,0 1 0,-17-18-16,-1 9 15,35 0 1,0-8-16,-9-1 16,9-8-1,0 0-15,-18-8 16,-16-1-1,-26 1 1</inkml:trace>
-  <inkml:trace contextRef="#ctx0" brushRef="#br0" timeOffset="4919.17">25170 9236 0,'0'0'0,"0"0"16,0 17-16,0 25 0,-9 35 16,0-1-1,1 1 1,-9 0 0,0-9-16,0-26 0,8 1 31,18-1-31,-1-25 0</inkml:trace>
-  <inkml:trace contextRef="#ctx0" brushRef="#br0" timeOffset="5331">26134 9372 0,'0'0'0,"0"0"16,-9 0-16,1 17 16,-18 8-1,1 9-15,8-8 16,0-1 0,0-16-16,8-1 15,0 1 1,9 0-16,9 8 15,8 8 1,17 9-16,9 0 16,8 17-1,-17 9-15,-17 25 16,-25 25 0,-9-8-16,0-25 15,-9-18 1,9-25-16,0-17 15,8-8 1,9-9-16</inkml:trace>
-  <inkml:trace contextRef="#ctx0" brushRef="#br0" timeOffset="5584.94">26271 9151 0,'0'0'0,"0"0"15,0 0-15,0 0 16,25 25 0,26 9-1,35 17-15,8-8 16,25-9-1,9 8-15,9-25 16,144 9-16</inkml:trace>
-  <inkml:trace contextRef="#ctx0" brushRef="#br0" timeOffset="5919.32">27756 9678 0,'0'0'0,"-17"9"15,-18 33-15,-33 9 16,0 17 0,-17 9-1,8-1-15,17 9 16,34-8-1,26-9-15,43-9 0,42-8 16,35-25 0,42-26-16,26-34 15,-43-34 1,-43-9 0,-33 1-16,-35-9 15,-51-9 1,-154-25-16,-153-25 15</inkml:trace>
-  <inkml:trace contextRef="#ctx0" brushRef="#br0" timeOffset="12822.89">23420 10282 0,'0'0'0,"0"0"15,0 0-15,0 0 16,0 0-16,0 0 16,0 0-1,0 8 1,0 18-16,0 16 16,0 18-1,8 25-15,18 9 16,8-9-1,17-17-15,26 0 16,9-17-16,-44-26 16</inkml:trace>
-  <inkml:trace contextRef="#ctx0" brushRef="#br0" timeOffset="13092.14">24504 10512 0,'0'0'0,"0"0"16,0 0-16,-9 0 16,-33 25-1,-69 43-15,-34 43 16,17 8-1,-35 51-15,-16 8 16,51-59 0,51 18-16,18 41 0,-44 128 15</inkml:trace>
-  <inkml:trace contextRef="#ctx0" brushRef="#br0" timeOffset="13521.53">24734 11030 0,'0'0'0,"0"0"0,-17 26 16,-8 25 0,-18 8-16,-8 9 0,17 9 31,-1-9-31,1-8 16,17-1-1,0-8-15,17-8 16,0-18-1,17 1-15,52-1 16,76-25 0,0-17-16,0-17 15,17-17 1,-43 17-16,-25 17 16,-42 0-1,-10 9-15,-25-1 16</inkml:trace>
-  <inkml:trace contextRef="#ctx0" brushRef="#br0" timeOffset="13722.91">25050 11387 0,'0'9'0,"0"42"15,0 94-15,17 76 16,17 25 0,9 1-16,-17 42 15,8 77 1</inkml:trace>
-  <inkml:trace contextRef="#ctx0" brushRef="#br0" timeOffset="19640.55">19630 9244 0,'0'0'0,"0"0"0,0 0 15,0 0-15</inkml:trace>
-  <inkml:trace contextRef="#ctx0" brushRef="#br0" timeOffset="20712.72">19673 9363 0,'0'0'0,"0"0"0,0 0 0,0 0 31,0 0-31,-8-8 16,-10-1-1,-7 1-15,-26-18 16,-18 9 0,-33 9-16,-35 33 15,-8 18 1,-8 25-16,-10 25 16,-16 44-1,9 7 1,33-8-16,18 9 15,8-1-15,25 1 16,26 0 0,26-1-16,34 1 15,26-1 1,25 1 0,43-9-16,51-17 15,43 0 1,34-8-16,8-9 15,26-26-15,17-8 16,18 0 0,16 0-16,26-8 15,34 8 1,17 8-16,8 1 16,35-1-1,-43 1-15,-34-26 16,34 0-1,-8-8 1,-1-18-16,-25-8 16,9-8-16,-9-18 15,0 1 1,-18-9 0,-50-9-16,-34-25 15,-18-8 1,-51-10-16,-25-16 15,-9-17-15,-43 0 16,-33-8 0,-35-1-16,-26-8 15,-59-51 1,-68-26-16,-52 18 16,-77-35-1,-42 9 1,-26 43-16,-42-18 15,-9 9 1,-26 42-16,-50 18 16,-44-9-1,-16-17-15,-27 8 16,1 52 0,9 24-16,-44 1 15,1 26 1,8 8-16,17 17 0,1 17 15,-44 8 1,10 52 0,41 42-16,138-17 15</inkml:trace>
-  <inkml:trace contextRef="#ctx0" brushRef="#br0" timeOffset="37004.64">8228 7382 0,'0'0'0,"0"0"0,-9 0 0,1 0 15,-9 17 1,-9 0-16,-17 8 15,-16 26 1,-27 26-16,-8 8 16,17 0-16,26-8 15,9-1 1,7 1-16,27-1 16,8-25-1,34 0 1,34 9-16,60-1 15,17-16-15,52-9 16,33-17-16,26-17 16,9-9-1,-35 1 1,-25-1-16,-77 1 16,-43-9-1,-33-9-15,-10-16 16,-25-35-16,-34-25 31,-68-42-31,-111-52 16,-103 17-1,-102 60-15,-128 94 0,-111 93 16,17 128 0,238-9-1</inkml:trace>
-  <inkml:trace contextRef="#ctx0" brushRef="#br0" timeOffset="42713.93">9030 7161 0,'0'0'0,"0"0"0,0 0 15,-9 0-15,-8 8 16,-25 9-16,-18-8 16,-25-1-1,-9 9 1,-17-8-16,-9 8 16,1 17-1,-1 17-15,9 17 16,17 8-16,-8 1 15,0 51 1,16 42-16,27-9 16,24 26-1,10 26 1,33-9-16,44 26 16,33-52-1,34-42-15,61 9 16,33-26-1,26-43-15,8-59 16,-8-59-16,-8-43 16,-18-9-1,-51-42 1,-25-42-16,-60 8 16,-43-51-1,-51-9-15,-60-8 16,-77-9-16,-127 26 15,-112 51 1,-59 76-16,51 52 16</inkml:trace>
-  <inkml:trace contextRef="#ctx0" brushRef="#br0" timeOffset="47678.77">7442 11192 0,'0'0'0,"0"0"0,77-26 15,137-42 1,136-8 0,119 16-16,94 18 15,129-1 1,-266 18-16</inkml:trace>
-  <inkml:trace contextRef="#ctx0" brushRef="#br0" timeOffset="62389.3">8313 13148 0,'0'0'0,"0"0"0,0 8 15,-8 18 1,-10 42-1,-16 34-15,-17 34 16,8 34-16,1-8 16,8-35-1,17-8-15,-1 0 16,10 1 0,8-61-1</inkml:trace>
-  <inkml:trace contextRef="#ctx0" brushRef="#br0" timeOffset="63090.35">9030 13803 0,'0'0'0,"0"0"15,0 0-15,0 0 16,0 0 0,0 0-16,-9 8 15,1 18-15,-18 25 32,-42 42-32,-26 18 15,34-18-15,26-8 16,26-8-1,16-17 1,26-18-16,35 1 16,59-35-1,34-42-15,9-42 16,-18-18 0,-50 9-16,-18-9 0,-34 1 15,-34 8 1,-17 8-16,-25 9 15,-44 9 1,-67 8-16,-146-34 16</inkml:trace>
-  <inkml:trace contextRef="#ctx0" brushRef="#br0" timeOffset="63651.4">10737 13624 0,'0'0'0,"0"0"0,-9 26 16,-25 25-16,-8 25 16,-61 43-1,-25 0 1,34-25-16,0-26 15,35-17 1,25-26-16,16-16 16,18-18-16,18-33 15,84-60 1,60-43 0,-17 9-16,-17 43 15,0 25 1,-8 34-16,-26 25 15,-18 35-15,-16 25 16,-17 59 0,-26 52-16,-34 42 15,-17-25 1,-18-69 0,18-59-16</inkml:trace>
-  <inkml:trace contextRef="#ctx0" brushRef="#br0" timeOffset="64387.44">13007 13539 0,'0'0'0,"0"0"0,0 17 15,-8 0 1,-1 26-16,1 25 15,-18 51 1,-25 25-16,-9 1 16,0-18-1,-8 1-15,8-26 0,18-51 32,25-34-17</inkml:trace>
-  <inkml:trace contextRef="#ctx0" brushRef="#br0" timeOffset="64602">12222 13964 0,'0'0'0,"17"9"0,51 33 16,52 26 0,42-8-16,0-9 15,0-17 1,137 0-16</inkml:trace>
-  <inkml:trace contextRef="#ctx0" brushRef="#br0" timeOffset="65240.12">14484 13786 0,'0'0'0,"0"0"0,0 0 0,-9 0 16,1-9 0,-1 9-16,-16 0 15,-35 0-15,-25 17 31,8 0-31,8 17 16,1 17 0,17 17-16,17 0 15,8-25-15,26-1 16,0-8 0,17-8-1,26-18-15,51-16 16,34-35-1,-9-33-15,-16-9 16,-9 0 0,-18 8-16,-16 18 15,-34 33-15,-9 9 16,-9 0 0,1 17-1,-18 9-15,-16 42 16,-18 68-1,-25 51-15,-18 25 16,1 1 0,17-34-16,17-1 15,17-16 1,8-60-16,17-60 16</inkml:trace>
-  <inkml:trace contextRef="#ctx0" brushRef="#br0" timeOffset="65720.78">15790 13879 0,'0'0'0,"0"0"0,-9 0 15,-25 26-15,-26 42 16,-17 25 0,-8 18-1,8 0-15,9-18 16,25-8-1,35-34-15,16 0 16,26-8 0,26-18-16,17-16 15,34-35-15,8-16 32,-25-35-32,-8-8 15,-27 0-15,-24-9 16,-18 9-1,-26 17-15,1 26 16,-35 16 0,-51 9-1,9 34-15,42 0 16</inkml:trace>
-  <inkml:trace contextRef="#ctx0" brushRef="#br0" timeOffset="66073.14">17019 14551 0,'0'0'0,"0"0"0,-17 9 15,-18 25 1,-7 17-16,-9 0 15,16 0 1,10-9-16,25 1 16,34-9-16,51-9 15,60-25 1,52-34 0,-18-25-16,-68-1 0,-43 1 31,-25-1-31,-60-16 15,-128-18 1,-205 18-16,-43 42 16</inkml:trace>
-  <inkml:trace contextRef="#ctx0" brushRef="#br0" timeOffset="68293.92">12265 13080 0,'0'0'0,"8"8"0,43 35 16,86 59-16,59 34 15,35 0 1,33 17-16,52 9 0,26-1 16,42 9-1,68-8 1,26 8-1,34 0-15,-25-8 0,-27-26 32,-84 0-32,-43-9 15,-60-24 1,-51-10-16,-51-16 16,-95-18-16,-24-16 15,-35-18-15,-34-16 31,8-1-31</inkml:trace>
-  <inkml:trace contextRef="#ctx0" brushRef="#br0" timeOffset="68751.66">12495 15716 0,'0'0'0,"0"0"0,17-8 0,52-18 16,50-25 0,111-51-1,69-42-15,94-69 16,93-51-1,26-16-15,52-1 16,8 17 0,-9 18-16,-8 25 15,-35 25 1,-42 43-16,-43 8 16,-68 1-1</inkml:trace>
-  <inkml:trace contextRef="#ctx0" brushRef="#br0" timeOffset="71573.49">7972 12952 0,'0'0'0,"0"0"0,0 0 16,0 0 0,0 9-16,17 16 0,0 9 31,25 26-31,44 25 16,16 8-1,1 10-15,-1 16 0,9-9 31,26 18-31,8-1 16,-17 9-16,-9-17 16,18 0-16,-18-25 31,-42-26-31,0 9 16,-17-18-16,-9-8 15,-17-8-15,-8-18 31,-1 1-31,1-18 16,-1-8 0,-16 0-16</inkml:trace>
-  <inkml:trace contextRef="#ctx0" brushRef="#br0" timeOffset="71866.14">9747 13599 0,'0'0'0,"0"0"0,-9 0 15,-8 0-15,-17 17 16,-60 17-1,-76 0-15,-10 8 16,-93 9 0,-77 51-16,-59 77 15,-44 16 1,18-24-16,68-18 16</inkml:trace>
-  <inkml:trace contextRef="#ctx0" brushRef="#br0" timeOffset="74672.5">10174 12578 0,'0'0'0,"0"0"0,0 9 0,0 16 15,0 18 1,0 33 0,-9 52-16,1 33 15,-18 43-15,-17 35 16,1 24 0,-44 1-1,-8-26-15,26-34 16,25-42-1,18-52-15,8-25 16,8-25-16,9-18 16,0-16-1,0-1-15,17 1 16,35-9 0,41-17-1,44-17-15,59-17 16,26-9-16,-43 9 15,18 0 1,-10 17 0,-50 9-16,-26-1 15,0 9-15,-17 0 16,-34 0 0,-18-8-16,1-1 15,0-16 1,8-35-1,0-42-15,-8-34 16,-9-25-16,-9-27 16,-16 18-1,-18-8 1,1 8-16,-9 34 16,0 8-1,-9 9-15,9 17 16,0 25-16,17 26 15,0 9-15,0 25 16,0 0 0,0 0-1,0 17 1,0 0-16,0 0 0,0 0 31,-17 0-31,-128 25 16,-265 69-1,-119 8-15,128-34 16</inkml:trace>
-  <inkml:trace contextRef="#ctx0" brushRef="#br0" timeOffset="118309.33">19554 7025 0,'-9'-9'0,"-8"1"0,-17-1 16,-9 1-16,0-1 16,-16 1-1,-10-1-15,10 9 16,-35 9-1,-9 8-15,-8 17 16,-8 8 0,8 18-16,17-9 15,9 8 1,8 9-16,0 9 16,9 16-1,8 1 1,9 0-16,25-9 15,9-9-15,26-8 16,16 17 0,10 9-1,33-9-15,17-17 16,18 0-16,42-9 16,17-16-1,34-9 1,35 8-16,-10-16 15,1-9-15,17-9 16,26-8 0,42-8-16,18-9 15,-18-9 1,-17-25 0,0 0-16,-25 9 15,-18-35 1,-25-8-16,-26 9 15,-25 8 1,-43 8-16,-17-8 0,-34 0 16,-26-25-1,-34-9 1,-59-1-16,-95-41 16,-153-60-1,-163 8-15,-110 52 16,-34 76-1,-129 42 1,291 26-16</inkml:trace>
-  <inkml:trace contextRef="#ctx0" brushRef="#br0" timeOffset="121431.34">19630 9755 0,'0'0'0,"0"-17"0,0-26 16,0 1-1,0 8-15,-8 0 16,-9 0-16,-26-9 31,-17 9-31,-34 0 16,-16 8-1,7 9-15,-33 17 16,-52 17-16,9 26 16,8 42-1,-51 34 1,60 9-16,34 16 15,0 26 1,34 26-16,34 8 0,43 0 16,43 26-16,50-26 31,44-51-31,110 0 16,35-34-1,8-85-15,34-42 0,-34-43 31,-34-26-31,-8-25 16,-35-51 0,-42-34-1,-35-9-15,-50-42 16,-78-17-16,-76-9 16,-112-8-1,-135 17-15,-138 68 16,-161 110-1,-78 196 1,308 18-16</inkml:trace>
-  <inkml:trace contextRef="#ctx0" brushRef="#br0" timeOffset="126890.95">29061 8717 0,'0'0'0,"0"0"0,18 9 16,33 8-16,85 25 31,52 26-31,0 17 16,-9 0-16,-25 26 15,-26 16 1,-43 52 0,-51 51-16,-85 76 15,-103 25 1,-42-41-16,-17-44 0,-1-33 16,18-35-1,0-33-15,25-17 16,43-43-1,34-26 1,34-25-16,18-8 16,-1-18-1,0-25-15,1-25 16,16-26-16,9 17 31,17 34-31,-26-358 16,26 375-1,9 0-15,-1 0 16,1 0-16,-18 0 31,-33 51-31,-44 51 16,-33 43-16,8 0 16,9-26-1,25-34-15,43-34 16,25-9-16,52-8 15,59 9 1,77-26 0,52-17-16,-26-26 15,-18-16-15,-16 8 0,-43-9 16,-68 18 15</inkml:trace>
-  <inkml:trace contextRef="#ctx0" brushRef="#br0" timeOffset="127446.48">29027 9559 0,'-8'0'0,"-9"0"0,-9-8 16,1-1-16,-18 1 15,0-10 1,-8-16-16,0-25 16,8-26-1,9-43 1,8-25-16,9 26 15,17 33-15,0 35 16,0 16 0,0 18-16,17-1 15,35 1 1,33 8-16,26 0 16,68 17-1,52 17-15,25 17 16,34 8-1,-17 1-15,-43-35 16,103-25 0</inkml:trace>
+  <inkml:trace contextRef="#ctx0" brushRef="#br0">17386 11668 0,'0'0'0,"0"17"0,25 43 0,18 59 16,8 42 0,0 26-16,1 1 15,-1 16 1,17-26-16,9-33 16,0-9-1,-18-17-15,10-17 16,-1-34-1,-34-42-15</inkml:trace>
+  <inkml:trace contextRef="#ctx0" brushRef="#br0" timeOffset="249.68">18632 11787 0,'0'0'15,"-60"9"-15,-128 76 16,-76 59-16,33-8 16,-25 26-16,0 8 31,51-42-31,26-1 15,-60 60-15</inkml:trace>
+  <inkml:trace contextRef="#ctx0" brushRef="#br0" timeOffset="8359.06">19775 12017 0,'0'0'0,"0"0"15,-8 25-15,-1 18 16,-16 42-1,-26 34-15,-9 34 16,-8 26 0,16-43-1,18-34-15,9-17 16,8-9 0,-1-8-16,18-25 15,0-26-15,0-17 16</inkml:trace>
+  <inkml:trace contextRef="#ctx0" brushRef="#br0" timeOffset="8654.09">18973 12502 0,'0'0'0,"0"0"0,0 0 0,0 0 16,0 8-1,34 18-15,26 25 16,25 0 0,35-17-16,25-9 15,9-8 1,-1-17-16,-8-8 15,-25-1 1,-43 1-16,-60-1 16</inkml:trace>
+  <inkml:trace contextRef="#ctx0" brushRef="#br0" timeOffset="8946.29">21030 11991 0,'0'0'0,"0"0"0,0 26 15,0 42-15,-8 85 0,-35 102 32,-25 0-32,8 17 0,17-17 31,-17 60-31</inkml:trace>
+  <inkml:trace contextRef="#ctx0" brushRef="#br0" timeOffset="18287.97">22643 12127 0,'0'0'0,"0"0"0,0 26 16,-8 25-16,-1 25 15,-34 44 1,-25 67-16,0-26 16,25-59-1,18-34-15,8 0 16,8-17-1,0-25 1,9-9-16,0-9 16,0-8-1</inkml:trace>
+  <inkml:trace contextRef="#ctx0" brushRef="#br0" timeOffset="18590.5">21909 12451 0,'0'0'0,"0"0"0,0 0 16,26 8-1,25 18 1,43 8 0,25 17-16,44-9 15,24-8 1,-16-8-16,0-18 16,145-8-1</inkml:trace>
+  <inkml:trace contextRef="#ctx0" brushRef="#br0" timeOffset="19568.84">24162 12068 0,'0'0'0,"0"0"0,0 8 16,18 35-16,7 33 16,18 18-1,8-1 1,17 10-16,-8 16 15,0 8-15,8-25 16,-8-8 0,0 8-16,-9 0 15,0-9 1,17-8 0,-34-42-16</inkml:trace>
+  <inkml:trace contextRef="#ctx0" brushRef="#br0" timeOffset="19888.07">24845 12655 0,'-8'0'16,"-18"17"-16,-25 17 0,-17 0 15,8 8 1,0-8 0,0 9-16,-8-1 15,17-16 1,8-1-16,9-16 0,17-1 31</inkml:trace>
+  <inkml:trace contextRef="#ctx0" brushRef="#br0" timeOffset="20199.02">25707 12876 0,'0'0'0,"0"0"0,17 0 15,0 8 1,18 1-16,24-1 0,10 1 15,-10-1-15,27-8 16,8 0 15,-1 9-31,18-9 0,-8 0 16,-61 0 0</inkml:trace>
+  <inkml:trace contextRef="#ctx0" brushRef="#br0" timeOffset="20520.45">27508 12289 0,'0'0'0,"-8"34"15,-9 43-15,-43 59 0,-34 51 16,9 0-16,-1 8 31,9-16-15,9-43-16,0 9 15,-60 135 1</inkml:trace>
+  <inkml:trace contextRef="#ctx0" brushRef="#br0" timeOffset="21135.74">25024 12110 0,'0'0'0,"0"0"16,0 0-16,0 0 15,0 0 1,-8 0-16,-1 17 15,-16 9 1,-9 25-16,-35 25 16,-16 26-16,-17 18 15,-18 7 1,1 18-16,16-9 16,9-9-1,9-8 1,17-17-16,42-51 15</inkml:trace>
+  <inkml:trace contextRef="#ctx0" brushRef="#br0" timeOffset="46585.5">16925 14041 0,'0'0'0,"34"0"0,60 8 16,25 1-1,-33-1-15,25 9 16,93 9 0,-24 8-16,50 8 15,52 9 1,93 18-16,26-18 15,-42-17 1,93-17-16,43-26 16,34 9-1,26 17-15,43 9 16,33 8 0,9 8-16,18-16 15,-10 8 1,-67 0-16,42 0 15,8 8 1,-67 9-16,-52-8 16,-69-9-1,-16 0-15,-120-9 16,1 9 0</inkml:trace>
+  <inkml:trace contextRef="#ctx0" brushRef="#br0" timeOffset="47668.19">20578 15283 0,'0'0'0,"0"0"0,17 25 16,8 9 0,10 26-1,24 8-15,18 17 16,8 8-16,26 1 16,-8-9-1,-9 8 1,17 1-1,-9-9-15,9 0 16,-17 0-16,-17-8 16,-17-9-16,-35-34 15</inkml:trace>
+  <inkml:trace contextRef="#ctx0" brushRef="#br0" timeOffset="47987.62">21909 15589 0,'0'0'0,"-17"0"0,-43 25 16,-42 26-1,-26 9 1,-17-1-16,-9 9 16,-16 0-1,7 9-15,10-1 16,8 1 0,-18 25-1,-110 77-15</inkml:trace>
+  <inkml:trace contextRef="#ctx0" brushRef="#br0" timeOffset="71375.31">13033 13454 0,'0'0'0,"0"0"0,0 0 15,0 0-15,0 0 16,0 0 0,0 0-16,0 0 15,0 0 1,0 0-16,17-8 16,60 8-16,59 8 15,52 35 1,43 8-16,93 17 15</inkml:trace>
 </inkml:ink>
 </file>
 
@@ -243,7 +225,7 @@
           <inkml:channelProperty channel="T" name="resolution" value="1" units="1/dev"/>
         </inkml:channelProperties>
       </inkml:inkSource>
-      <inkml:timestamp xml:id="ts0" timeString="2026-01-09T21:10:09.617"/>
+      <inkml:timestamp xml:id="ts0" timeString="2026-01-10T00:15:31.186"/>
     </inkml:context>
     <inkml:brush xml:id="br0">
       <inkml:brushProperty name="width" value="0.05292" units="cm"/>
@@ -251,25 +233,18 @@
       <inkml:brushProperty name="color" value="#FF0000"/>
     </inkml:brush>
   </inkml:definitions>
-  <inkml:trace contextRef="#ctx0" brushRef="#br0">24504 5860 0,'0'0'0,"17"0"0,128 8 16,26-8-1,16 0-15,61 9 16,68-18-16</inkml:trace>
-  <inkml:trace contextRef="#ctx0" brushRef="#br0" timeOffset="763.83">24418 9942 0,'0'0'0,"0"0"0,0 0 16,26 0-16,111 0 16,50-9-1,78 1 1,8-9 0,9-17-16</inkml:trace>
-  <inkml:trace contextRef="#ctx0" brushRef="#br0" timeOffset="1725.07">24555 7790 0,'0'0'0,"0"0"0,34 9 15,77 16 1,26 1-16,187-60 16,86-26-1</inkml:trace>
-  <inkml:trace contextRef="#ctx0" brushRef="#br0" timeOffset="49451.69">25588 5613 0,'0'0'0,"0"0"0,17 8 16,34 18-16,69 25 16,42 9-1,43-1-15,51 1 16,111 16-1,25-8-15</inkml:trace>
-  <inkml:trace contextRef="#ctx0" brushRef="#br0" timeOffset="51178.33">22106 5979 0,'0'0'0,"17"0"0,25 0 16,95 0-1,110 0-15,95-9 16,-9 1-1,8-18-15</inkml:trace>
-  <inkml:trace contextRef="#ctx0" brushRef="#br0" timeOffset="58795.25">18000 6523 0,'0'0'0,"0"0"0,0 0 15,0 0 1,9 0-1,-1 17-15,1 34 16,-1 51 0,-8 17-16,-8-34 15,8-25 1,0-18-16,17 1 16,8-18-1,27-8 1,-18-8-16</inkml:trace>
-  <inkml:trace contextRef="#ctx0" brushRef="#br0" timeOffset="59444.99">17488 6574 0,'0'0'0,"0"0"0,0 0 15,0 0-15,0 0 16,9 8 0,8 1-16,0-1 15,0 1 1,0-1-16,0 1 15,0-18 1,17 1-16,26-18 16,8-16-1,-8-18 1,-9 1-16,-17-9 16,-8 8-16,8 9 15,0 9-15,-8 16 16,-1 9-1,-8 0 1,-8 17-16,0 0 16,-1 34-16,-16 34 15,-1 26 1,0-1-16,1 1 16,8 8-1,17-17 1,9-17-16,-1-25 15,-8-26 1</inkml:trace>
-  <inkml:trace contextRef="#ctx0" brushRef="#br0" timeOffset="59941.02">17471 7169 0,'0'0'0,"0"0"0,0 0 0,0 0 31,9 0-31,16 0 16,9 0-16,9 17 15,8 0 1,17 9-16,1 25 31,-1 8-31,-25 1 16,-18-1-16,1-8 15,0-8 1,-9-18-16,17-8 16,0-8-1,17-18-15,0-25 16,18-34-16,-1-17 16,9-17-1,-18 0-15,-7-8 16,-10 16-16,-16 43 31</inkml:trace>
-  <inkml:trace contextRef="#ctx0" brushRef="#br0" timeOffset="64845.17">25229 4414 0,'0'0'0,"0"0"0,0 0 16,0 0 0,-8 0-16,-9 17 15,-35 0 1,-33 17-1,-26 17-15,-34 17 16,17 8 0,34 9-16,9 18 15,25-10 1,26 35-16,34-1 16,26-8-1,25-17-15,51 9 16,60-1-16,-25-50 15,8-43 1,60-25 0,-43-27-16,9-41 15,42-18 1,-59-33-16,-18-18 16,-16 1-1,-43 8-15,-69-17 16,-85-1-1,-170-16-15,-214 60 16,-145 127 0,188 34-16</inkml:trace>
-  <inkml:trace contextRef="#ctx0" brushRef="#br0" timeOffset="69663.98">18828 9763 0,'0'0'0,"0"0"0,0 0 15,0 0 1,0-8-16,0-43 16,9-68-1,-1 8-15,1 43 16,-1-17 0,1-43-16,-1 1 15,1 16 1,-1 35-16,18 8 15,8-34 1,9-17 0,-18 25-16,-16 26 15,-1 34-15,1 17 16,-9 0 0,0 17-16</inkml:trace>
-  <inkml:trace contextRef="#ctx0" brushRef="#br0" timeOffset="70031.5">18538 8743 0,'0'0'0,"0"0"16,0 0-1,0 0 1,0 0-16,0 0 16,0 0-16,0 0 15,0 0 1,0 0-16,0-26 15,17-42-15,17-43 32,26 1-32,0 16 15,8 43 1,9 9-16,-18 8 16,-16 17-16,8 0 15,9 17-15,-17 8 31,-1 35-31,-16 33 16,-17 35 0,-9-18-16,0-16 0,8 0 15,9-1 1,17-25 0,9-8-16,17-35 15,-26-8 1</inkml:trace>
-  <inkml:trace contextRef="#ctx0" brushRef="#br0" timeOffset="70362.74">18564 9312 0,'0'0'0,"0"0"16,0 17-16,0 34 15,8 17-15,9 0 0,0 1 32,0-18-17,0-9-15,0-8 16,18-8-1,24-1-15,44-25 16,33-34 0,18-51-16,0-34 15,-26 8 1,-69 69-16</inkml:trace>
-  <inkml:trace contextRef="#ctx0" brushRef="#br0" timeOffset="85970.67">22814 6761 0,'-9'0'0,"-33"0"0,-44-8 15,-25 8-15,26-9 16,8 1 0,-42-1-16,-60 9 15,-35 17 1,-33 34 0,16 26-16,52 16 15,-43 26-15,43 26 16,25 16-1,-25 9 1,34-16-16,59-18 16,44-17-1,59-17-15,119 42 16,69 1 0,94-18-16,136-7 15,-34-52 1,1-51-16,7 8 15,61 18-15,76-1 16,-51-8 0,9-8-1,-35-9-15,-17 8 16,-25-8 0,-34-17-16,8-17 15,-77-8 1,-68-18-16,-25-33 15,-52-9-15,-34 8 32,-34-8-32,-43 17 0,-17-9 31,-34-42-31,-42-8 0,-43-18 16,-86-50-16,-42-10 31,-35 52-31,-59 0 15,-68-17 1,-9 43 0,0 59-16,-43 25 0,-43 18 15,-24 8 1,-27 17 0,-34 17-16,-8 0 15,-17 25 1,-94 26-16,-18 43 15,-25 76 1,291-51-16</inkml:trace>
-  <inkml:trace contextRef="#ctx0" brushRef="#br0" timeOffset="90154.41">30811 4031 0,'0'0'0,"-8"0"0,-1 17 16,-17 9 0,1 8-16,-18 0 15,-8 0 1,-9 17-16,-17 17 15,1 0 1,-18 0-16,0-9 16,0-8-1,26-17-15,34-8 16,8-1 0,9-8-1,0 0-15,25 0 16,35 9-1,85-1-15,51-8 16,9-8 0,-9-9-16,-34 0 15,-17 0-15,-17 0 16,-25 0 0,-27 17-1,-33-8-15</inkml:trace>
-  <inkml:trace contextRef="#ctx0" brushRef="#br0" timeOffset="90484.58">29983 5400 0,'0'0'0,"0"0"0,9 0 16,25 0-1,85-8 1,78-18-1,67-8-15,18 0 16,17 9-16,68-18 16</inkml:trace>
-  <inkml:trace contextRef="#ctx0" brushRef="#br0" timeOffset="92012.64">29719 9049 0,'8'0'0,"18"8"0,16 1 15,44 16 1,59 1-16,9-1 15,-52-8-15,9 0 16,26 0 0,-18 9-16,-17-1 15,-42-8 1,-26-8 0,-8-1-16,-18 1 15,-16 8 1,-60 25-16,-35 9 15,-33-8-15,-18-1 16,-8-8-16,25-16 16,60-1-1,1 0 1,16 0-16,34-9 16</inkml:trace>
-  <inkml:trace contextRef="#ctx0" brushRef="#br0" timeOffset="92351.4">29898 10469 0,'0'0'0,"0"0"0,0 0 16,26-9-16,84 1 15,95-18 1,137 9-1,50 9-15,9-1 16,1-8-16</inkml:trace>
-  <inkml:trace contextRef="#ctx0" brushRef="#br0" timeOffset="95430.67">29941 7543 0,'0'0'0,"0"0"0,0 0 0,0 0 0,0 0 16,0 0 15,0 0-31,0 0 15,0 0 1,0 0-16,0 0 16,0 0-1,0 0-15,0-17 16,0-17 0,8-34-16,35-8 15,25-1 1,9 9-16,17 9 15,0 8 1,0 0-16,17 8 16,-9 18-1,0 16-15,-33 9 16,-10 17 0,1 17-16,-9 17 15,1 9 1,7 25-16,1 0 15,-9-9 1,18 1-16,7-26 16,1-17-1,26-9-15,25-16 16,17-26-16,-26-26 16,-25-8-1,8-17 1,-25-17-16,-51 51 15</inkml:trace>
-  <inkml:trace contextRef="#ctx0" brushRef="#br0" timeOffset="96220.77">30248 7714 0,'0'0'0,"0"0"0,0 0 16,0 0-16,0 0 31,17 0-31,0 0 16,17-9-1,9 1-15,25-18 16,9 1 0,8-1-1,18 9-15,-18 0 0,-25 8 31,0 9-31,-18 9 16,9 16 0,1 35-16,-1 17 15,9 16-15,8 1 0,17-9 32,9-26-17,26-16-15,42-18 16,8-33-1,35-26-15,34-34 16,86-51 0</inkml:trace>
+  <inkml:trace contextRef="#ctx0" brushRef="#br0">24017 7101 0,'0'0'0,"0"0"16,0 0-16,17 17 15,0 9 1,-8 42-16,-9 34 16,-17 8-1,-17-16-15,8 17 16,1 8 0,8-34-16,-1-34 15,10-26 1,8-16-1,0-18-15,8 9 16</inkml:trace>
+  <inkml:trace contextRef="#ctx0" brushRef="#br0" timeOffset="427.44">25332 6948 0,'0'0'0,"0"0"0,-9 9 15,-25 25-15,-34 17 16,-9 17 0,-25 17-16,-9 8 15,17-16 1,17-9-16,34-17 15,18-9 1,33 1-16,26 17 16,35-18-1,-1-25 1,34-17-16,9-17 16,-25-8-16,-18-27 15,9-24 1,-26-26-1,-17 8-15,-25 18 16,-18-1-16,-17 9 16,-16 9-16,-27 8 15,27 25 1</inkml:trace>
+  <inkml:trace contextRef="#ctx0" brushRef="#br0" timeOffset="917.44">26510 7084 0,'0'0'0,"0"0"15,0 0-15,0 0 16,-9 0 0,-25 17-16,-34 0 0,-18 17 31,1 0-31,0 26 0,8 8 16,17 8-1,17 1 1,35-9-16,33 26 15,18-1 1,25-8 0,18-8-16,-1-43 15,9-17 1,-17-17-16,-18-26 16,-16-16-1,-9-1-15,-8-25 16,-26-17-1,-17-34-15,-26 0 16,-8 25 0,-26 9-16,0 34 15,43 34 1</inkml:trace>
+  <inkml:trace contextRef="#ctx0" brushRef="#br0" timeOffset="1479.7">27628 7135 0,'0'0'0,"-9"0"0,-8 9 15,-17 16-15,-17 9 16,-18 17-16,-16 26 16,8 8-1,17-9 1,35 1 0,25 0-16,34 25 15,34 0-15,60-26 16,9-25-16,-1-34 15,18-34-15,-34-17 16,-27-25 0,-41-1-16,-18-25 15,-43-43 1,-50-42 0,-52 17-16,51 102 15</inkml:trace>
+  <inkml:trace contextRef="#ctx0" brushRef="#br0" timeOffset="9290.21">24427 8394 0,'0'0'0,"0"0"0,-9 0 0,1 0 16,-1 0-1,1-9-15,-18 1 16,-8-1 0,-17 1-16,-17-1 15,-9 9 1,26 9 0,-18 33-16,-16 26 15,8 0-15,34-16 16,26-1-1,9 0-15,16 0 16,27-9 0,-10-25-16,35-8 15,42-26 1,9-9 0,-17 1-16,-8-9 15,-27-9-15,-16 9 16,-17 0-1,-1 17-15,-16 0 16,-1 0 0,1 8-1,-1 9-15,-8 0 16,9 26 0,-9 42-16,0 34 15,0 17 1,0 9-16,17-35 15,9-25-15,33-8 16,35-1 0,9-25-16,-61-25 15</inkml:trace>
+  <inkml:trace contextRef="#ctx0" brushRef="#br0" timeOffset="9738.65">25980 8453 0,'0'0'0,"-8"0"0,-1 17 0,-16 9 15,-9 8 1,-9 8-16,0-7 0,1 7 16,7-16 15,10-1-31,8 9 0,17 0 16,25 17-1,18 0 1,8 9-16,17-1 15,-8 1 1,-17-9-16,-17 0 0,-1 17 31,-33 25-31,-27 18 16,-24-9 0,-1-25-16,0-26 15,9-26 1,8-16-16,35-9 15</inkml:trace>
+  <inkml:trace contextRef="#ctx0" brushRef="#br0" timeOffset="10007.96">25588 8479 0,'0'0'0,"0"0"15,17 0-15,34 8 16,26 1 0,17-1-16,0-8 15,0 9 1,16-1-1,18 1-15,9-1 16,-69-8-16</inkml:trace>
+  <inkml:trace contextRef="#ctx0" brushRef="#br0" timeOffset="10437.12">27576 8904 0,'0'0'0,"0"0"0,-8 0 15,-26 17-15,-35 0 16,-24 17 0,-10 9-16,-8 16 15,43-16 1,25-1-16,35 9 0,33 9 16,69 16-1,103 9 1,50-42-16,-8-43 0,-43-26 31,-68-8-15,-51 0-16,-43-17 15,-42-17 1,-171-42-16,-154-52 16</inkml:trace>
+  <inkml:trace contextRef="#ctx0" brushRef="#br0" timeOffset="18849.56">24700 10358 0,'0'0'0,"0"0"0,0 0 16,0 0-1,0 17-15,9 0 16,-1 43-16,-25 68 16,-51 76-1,-9 59-15,26 77 16</inkml:trace>
+  <inkml:trace contextRef="#ctx0" brushRef="#br0" timeOffset="47471.92">9303 6923 0,'0'0'0,"-8"-9"0,-18 1 16,9 8-16,-9 0 15,9 0 1,0 0-16,0 0 15,0 0 1,-9 0-16,1 0 16,-9 8-1,0 1-15,-1-1 16,1-8 0,-8 9-1,-1 8-15,-17 0 16,-8 0-16,0-9 15,-9 9 1,-26 9 0,-8 16-16,0 9 15,-8 17-15,-18 34 16,-16 43 0,16 16-1,-8 35 1,-26 25-16,43-42 0,34-1 15,18-8 1,7-33 0,27-1-16,25-9 15,34-25 1,17-17-16,9-8 16,50 8-1,44-9-15,-9-25 16,34-25-16,60-26 15,-51-26 1,-9-16 0,9-1-16,-35 1 15,-8-9 1,-25 8-16,16-25 16,-8-25-16,-26-9 15,-16 8-15,-27-42 16,-42-68-1,-34 8 1,-43-16 0,-25-18-16,-17 35 0,-18-18 15,-34 26 1,-51 42 0,-42 43-1,-78 26-15</inkml:trace>
+  <inkml:trace contextRef="#ctx0" brushRef="#br0" timeOffset="50554.71">7178 11166 0,'17'0'0,"51"17"0,77 0 15,86 17 1,42-8-16,26-9 0,25 0 31,60-17-31,43 0 0,-43 17 16</inkml:trace>
+  <inkml:trace contextRef="#ctx0" brushRef="#br0" timeOffset="90841.48">19374 9406 0,'0'0'0,"0"0"0,0 0 0,0 0 16,-8 0-16,-9 17 15,-17 0 1,-26 0-16,-17 8 16,-42 35-1,-18 0 1,-8 8-16,17 8 15,0 9-15,-17 34 16,25-8 0,26-9-16,26 8 15,17 18 1,17 25 0,17-8-16,17-1 15,0 18-15,25-9 16,52-9-1,51 27 1,9-35-16,25-26 16,60-8-1,25-51-15,18-25 16,-35-26-16,-42-9 16,0-25-1,-35-17 1,-7-25-16,-10-18 15,-16-8 1,-9-17-16,-43 0 0,-25-26 16,-1-25-1,-25-25 1,-25-1-16,-26-8 16,-26 17-16,-8-9 15,-18 26 1,-8 34-16,-8 17 31,-18 17-31,-25 17 16,-42 17-1,-44 25-15,-59 52 32,-69 50-32,-8 69 15,43 51-15,0 16 16</inkml:trace>
 </inkml:ink>
 </file>
 
@@ -289,7 +264,7 @@
           <inkml:channelProperty channel="T" name="resolution" value="1" units="1/dev"/>
         </inkml:channelProperties>
       </inkml:inkSource>
-      <inkml:timestamp xml:id="ts0" timeString="2026-01-09T21:13:23.147"/>
+      <inkml:timestamp xml:id="ts0" timeString="2026-01-10T00:17:28.708"/>
     </inkml:context>
     <inkml:brush xml:id="br0">
       <inkml:brushProperty name="width" value="0.05292" units="cm"/>
@@ -297,19 +272,52 @@
       <inkml:brushProperty name="color" value="#FF0000"/>
     </inkml:brush>
   </inkml:definitions>
-  <inkml:trace contextRef="#ctx0" brushRef="#br0">17778 8173 0,'0'0'0</inkml:trace>
-  <inkml:trace contextRef="#ctx0" brushRef="#br0" timeOffset="1452.56">13127 8139 0,'0'0'0,"0"-9"0,0-16 16,-9-9-1,1 0-15,-18-9 16,-17 1-1,-16 8-15,-35 0 16,8 8 0,27 18-16,-18 8 15,-26 17 1,-16 25-16,8 1 16,17-1-1,34 9-15,9 0 16,-9 17-1,1 9-15,7 16 16,18 1 0,17-9-16,9 0 15,25 17 1,8 0-16,1 0 16,8-17-16,17-8 15,26-1 1,43 1-1,-1-18-15,1-8 16,59 9 0,0-26-16,-25-17 15,25 0 1,0-17-16,-25-9 16,8-16-1,34-1-15,-34-16 16,-8-1-1,25-8-15,-34 0 16,-51 0 0,-8-8-16,-10-1 15,-7-16 1,-10-1-16,-16 9 16,0-8-1,-18-18 1,1 9-16,-17 17 15,-26-9-15,-18 1 16,-33-9-16,-26 0 16,-34 0-1,-43 8 1,-16 9-16,-18 0 16,-34 17-1,-34 26-15,-52 33 16,-33 26-1,-60 43-15,42 25 16,78-17-16,-52 8 16</inkml:trace>
-  <inkml:trace contextRef="#ctx0" brushRef="#br0" timeOffset="6719.41">15184 8649 0,'0'0'0,"0"0"0,-9 9 15,1 16 1,-1 9 0,1 9-16,-1-1 15,0-8-15,1 0 16,-1 0 0,9 0-1,0-8-15,0-1 16,0-8-16,0 9 15,26-9-15,34 8 16,17-8 0,-1-8-16,18-1 15,9-16 1,33-9 0,26 8-16,-25-8 15,42 9 1,17-1-1,-50 9-15,41 9 16,1-1 0,-60 9-16,9 0 15,8 0 1,-26 0-16,-25 9 0,0-1 16,-26 1-1,1-1 1,25 1-16,8-1 15,-8-8 1,-9-8 0,-17-1-16,-25 1 15,-17-9 1,-1 0-16,-16 0 16,-1 0-1,1 0-15,-9 0 16,0 0-16,0 0 0,-9-9 31,1-25-15,-9-34-16,0-17 15,25-51 1,26-153-16</inkml:trace>
-  <inkml:trace contextRef="#ctx0" brushRef="#br0" timeOffset="11405.96">21508 8173 0,'0'0'0,"0"0"0,0 0 16,0 0 0,0 0-16,-8-9 15,-1 1 1,-17-9-1,1 0-15,-1-9 16,-8 9-16,17-8 16,0-1-1,0 9-15,0 0 16,0 0 0,8 0-1,1 0-15,-9 0 16,-1 9-1,1 8-15,-8 0 16,-1 0 0,1 0-16,-10 17 15,1 8 1,0 9-16,0 9 16,0 16-16,0 9 15,0 9 1,-9 8-1,0 0-15,1 0 16,-10 9-16,18-18 16,17-16-1,0-1-15,17-8 16,0 0 0,17 0-16,26 0 31,17-8-31,8-18 15,26-8-15,0-17 16,0-8 0,16-26-1,-7-9-15,-18-8 16,-8-8 0,-9-18-16,-16-8 0,-18 0 31,-17 0-31,-17 8 15,-17-16-15,-17-1 16,-18 9 0,-16 17-16,-17-8 0,-26 16 31,-17 26-31,-34 9 0,-9 25 16,17 42 15,9 9-31,85-17 15</inkml:trace>
-  <inkml:trace contextRef="#ctx0" brushRef="#br0" timeOffset="23960.11">20194 10239 0,'0'0'0,"8"0"0,26 0 16,0-8-16,1-1 15,-1 1 1,17-1-1,17 1-15,1-18 16,-18 1-16,26-35 16,34-16-1,-18-1-15,1 18 16,-17 16 0,-17-8-1,-17 0-15,-18 0 16,1 9-1,-18-1-15,1 1 16,-1-1-16,-8 9 16,0 0-16,0 0 15,0 17 1,-8 0 0,-9 0-16,-26 17 15,0 8 1,-8 18-1,-9 25-15,18-9 16,16-8-16,9-8 16,0 0-1,8-18-15,1 1 16,8-1 0,0-8-16,0 0 15,0 9 1,0-18-1,0-8-15,0-17 16,17-26 0,0 9-1,0 9-15,0 8 16,17 0-16,18 0 16,7 8-1,18 9-15,8 0 16,-8 17-16,-8 0 15,-1 17 1,0 0 0,-8 9-16,0-1 15,-26-16 1</inkml:trace>
-  <inkml:trace contextRef="#ctx0" brushRef="#br0" timeOffset="34018.3">4157 9244 0,'0'0'0,"17"0"0,42 0 16,69-8-16,43 8 16,25 0-16,26 0 15,111 8 1</inkml:trace>
-  <inkml:trace contextRef="#ctx0" brushRef="#br0" timeOffset="34419.62">6785 9670 0,'0'0'0,"9"-9"15,127-8-15,223-59 16,144-44-1,61 1 1,-155 34-16</inkml:trace>
-  <inkml:trace contextRef="#ctx0" brushRef="#br0" timeOffset="36981.01">9465 9244 0,'0'0'0,"17"0"0,43 0 16,51 0 0,68 17-1,43 0-15,26 0 16,42-25 0,77-18-16</inkml:trace>
-  <inkml:trace contextRef="#ctx0" brushRef="#br0" timeOffset="42468.66">15593 7654 0,'0'0'0,"0"0"0,0 0 31,0 0-31,0 0 0,0 9 15,-8-9 1,-9 17 0,-17 0-16,-43 8 15,-26 18 1,1-1 0,0 9-16,8 9 15,25 8 1,-7 8-16,16-8 15,17-17 1,18-8-16,7 8 0,18 0 16,0 0-1,18 8-15,-1-8 16,17 0 0,0 1-1,9-10-15,8 1 16,0-9-16,0 0 15,0-9 1,18 1 0,16-1-16,0 1 15,18-18 1,-1 1 0,1-1-16,-1-8 15,9 9 1,8-1-16,-8 1 15,-8 8 1,16 0-16,1 0 16,-18-9-16,18 9 15,-18 0-15,9-8 32,9-1-32,-1 1 15,9-1 1,-8 9-16,8-8 15,-17 8 1,-9 0-16,0-9 0,-8 9 16,0 0-1,9-8-15,16 8 32,1-9-32,-1 9 15,1-8 1,-9-1-16,-9 9 15,-8-8 1,-9-1-16,1 1 16,7-1-1,1-8-15,9 0 16,8-8-16,8-9 16,9 8-1,0 9 1,0-8-16,-8-1 0,-1 9 31,18 0-31,8 0 16,9-17-1,-1 9-15,18-9 16,-9 8 0,-8 1-1,16-1-15,-8 1 16,-8-1-1,-9 1-15,9-1 16,8 1-16,9-1 16,8-16-1,-8 8 1,-1 8-16,10-8 16,-10 0-16,-25 9 15,0-1 1,-8 1-16,17-1 15,8 1 1,-17-1-16,-17-16 16,0-1-1,0 9 1,-34-8-16,-26 8 16,-34 0-16,-8 8 15,-18 1 1,1-1-16,-1-16 15,-16-9 1,-18-9-16,-8 1 16,-26-9-1,-33-9 1,7 9-16,-8 8 16,-17 1-1,-34 8-15,0-9 16,9 1-1,-9-9-15,-9 0 16,0 0-16,26 8 16,-8 1-1,-18 8-15,18 8 16,7 9 0,-50-8-1,9 8-15,33 8 16,-42 1-1,0 8-15,33-9 16,18-8-16,-34 9 16,0 8-1,34-9 1,-17 1-16,-17 8 16,-9 0-16,9 0 15,-34 0 1,-9 0-16,-34-9 15,-9 9 1,9 0-16,-17 17 16,9-8-1,-1-1 1,26 1-16,-34-1 16,0 1-1,-8-9-15,-27 0 16,-7 0-1,-69 0-15,34 0 16,-17 8-16,-60 1 16,52 16-1,-26 18 1,-9 16-16</inkml:trace>
+  <inkml:trace contextRef="#ctx0" brushRef="#br0">22029 5928 0,'0'0'0,"8"0"0,35 17 16,17 0-1,25-9-15,52 9 31,50 9-31,-16-18 16,59-8 0,137 0-16</inkml:trace>
+  <inkml:trace contextRef="#ctx0" brushRef="#br0" timeOffset="1022.91">25912 6174 0,'0'0'0,"0"0"0,0 0 16,0 0 0,0 0-16,0-8 15,9-1 1,8 1-1,8-1-15,9 1 16,86-1-16,102 1 31,85 8-31,77-17 0</inkml:trace>
+  <inkml:trace contextRef="#ctx0" brushRef="#br0" timeOffset="29243.89">24504 3878 0,'0'0'0,"0"0"0,0 0 15,0 0-15,0 0 16,0 0-16,0 0 16,0 0 15,0 0-31,0 0 16,0 0-16,0 0 15,0 0 1,0 0-16,0 0 15,-9 0 1,1 0-16,-18 0 16,1 0-1,-10 0 1,1 9-16,-8 8 16,-10 0-16,-24 17 15,7 0 1,27 0-16,7 0 15,1 8-15,0 1 32,9-18-32,-1 1 15,9-1-15,0 1 16,8 8 0,9 0-1,0-9-15,17 1 16,-8-1-1,17-8-15,25 17 16,8-8 0,18-9-16,9 8 15,-1-8 1,-34-8-16,9-1 16,17 1-16,-17-1 15,-18 1 1,-16-1-1,-1-8-15,-16 0 16,-9 0 0</inkml:trace>
+  <inkml:trace contextRef="#ctx0" brushRef="#br0" timeOffset="29584.05">23958 4601 0,'0'0'0,"0"0"0,0 0 31,0 0-31,0 0 16,0 0-16,0 0 16,0 0-1,0 0 1,34 17-16,25 8 16,61 9-1,-1-8-15,-16-1 16,-35-8-16</inkml:trace>
+  <inkml:trace contextRef="#ctx0" brushRef="#br0" timeOffset="54484.36">23855 10333 0,'0'0'0,"0"0"15,0 0-15,0 0 16,0 0-16,0 0 16,9 8-1,-1 1 1,1-1-16,-1 1 15,35-1 1,42 1-16,9-1 16,9 1-16,-18-1 15,-34 1 1,-25-1 0,-1-8-16,-16 9 15,-1-9 1,1 0-16,0 0 15,-1 0 1,1 17-16,-35 9 16,-34 25-1,-59 8-15,8-16 16,68-9-16,9-9 16,17-8-1,0 0 1,8 0-16,1 0 15,8-8 1</inkml:trace>
+  <inkml:trace contextRef="#ctx0" brushRef="#br0" timeOffset="54759">23898 11302 0,'0'0'0,"0"0"0,0 0 15,51-8 1,145-9-16,18 0 16,-155 8-1</inkml:trace>
+  <inkml:trace contextRef="#ctx0" brushRef="#br0" timeOffset="68692.17">28438 7152 0,'0'0'0,"0"0"15,0 0-15,0 0 16,0 0 0,0 0-16,0 0 15,9-8-15,17-1 16,42 1 0,9-18-1,-18 1-15,10-1 16,33-8-1,52 0-15,-18 9 16,-67 8-16,-35 17 16,-9 0-1,9 17 1,-8 8-16,-9 9 16,-8 9-1,8 33-15,0 1 16,8-1-16,35 1 15,43-18 1,8-25-16,-9-34 16,86-42-1,34-18 1,-103 1-16,1-9 16,42 8-1,128-8-15</inkml:trace>
+  <inkml:trace contextRef="#ctx0" brushRef="#br0" timeOffset="69503.74">28515 7637 0,'0'0'0,"0"0"0,17 0 15,35-8-15,7-1 16,-8-8 0,18-9-1,50 9-15,35 0 16,-26 9-16,-60 8 15,0 8 1,26 9-16,-25 17 16,-10 9-1,-16 25-15,-17 26 16,-9-1 0,0-16-1,8-18-15,27 1 16,7-9-16,86-26 15,94-25 1,137-59 0,25-18-16</inkml:trace>
 </inkml:ink>
 </file>
 
 <file path=ppt/ink/ink4.xml><?xml version="1.0" encoding="utf-8"?>
+<inkml:ink xmlns:inkml="http://www.w3.org/2003/InkML">
+  <inkml:definitions>
+    <inkml:context xml:id="ctx0">
+      <inkml:inkSource xml:id="inkSrc0">
+        <inkml:traceFormat>
+          <inkml:channel name="X" type="integer" max="3968" units="cm"/>
+          <inkml:channel name="Y" type="integer" max="2240" units="cm"/>
+          <inkml:channel name="T" type="integer" max="2.14748E9" units="dev"/>
+        </inkml:traceFormat>
+        <inkml:channelProperties>
+          <inkml:channelProperty channel="X" name="resolution" value="128.41425" units="1/cm"/>
+          <inkml:channelProperty channel="Y" name="resolution" value="128.73563" units="1/cm"/>
+          <inkml:channelProperty channel="T" name="resolution" value="1" units="1/dev"/>
+        </inkml:channelProperties>
+      </inkml:inkSource>
+      <inkml:timestamp xml:id="ts0" timeString="2026-01-10T00:20:26.472"/>
+    </inkml:context>
+    <inkml:brush xml:id="br0">
+      <inkml:brushProperty name="width" value="0.05292" units="cm"/>
+      <inkml:brushProperty name="height" value="0.05292" units="cm"/>
+      <inkml:brushProperty name="color" value="#FF0000"/>
+    </inkml:brush>
+  </inkml:definitions>
+  <inkml:trace contextRef="#ctx0" brushRef="#br0">12589 9193 0,'0'0'0,"0"0"0,0 0 0,9 0 15,25 17 1,77 0-16,34 9 16,85-18-1,137 1-15</inkml:trace>
+  <inkml:trace contextRef="#ctx0" brushRef="#br0" timeOffset="6218.75">19238 7756 0,'-9'0'0,"-8"0"0,0 0 16,-9 9-1,1-1-15,-9 1 16,-35 8-1,-7 8-15,-1 9 16,9 9-16,-9-1 16,8 9-1,18 17 1,-8 9-16,-1 8 16,9 0-16,8 0 15,17-9 1,9-16-1,17 8-15,17 9 16,17 8 0,1 8-16,-1 1 15,17-9-15,34 8 16,18-8 0,8-8-16,8-1 31,18 1-31,50-1 15,-24-16-15,-1 0 16,51-1 0,-25-25-16,0 0 15,17-8 1,-1-18 0,10 9-16,-26-8 15,8-1-15,43-8 16,-34 0-1,-1-8-15,-7-9 16,-1-9 0,9 1-16,-34-1 15,-18-8-15,9 9 16,9-18 0,-26 1-16,-8-1 15,25-17 1,-26 9-1,-42 9 1,-8-9-16,-1 0 16,-17 17-16,-25-9 15,-9 1 1,-8-9 0,-1 0-16,-16-9 15,-18-8-15,-8-8 16,-17-1-1,-9 1 1,1 8-16,-26-9 16,-9 9-1,-17-9-15,-26 9 16,-8 17 0,-8-8-16,-35 8 15,-8 8 1,-9 9-16,0 0 15,-8 9 1,-9 8-16,-17-9 16,-8-8-1,-9 9-15,-17-1 16,-34 9 0,-9 9-16,-8-1 15,-9 18 1,-26-1-16,-33 18 15,-60 25-15,33 0 16</inkml:trace>
+  <inkml:trace contextRef="#ctx0" brushRef="#br0" timeOffset="8785.76">15977 7986 0,'0'0'0,"-8"0"0,-1 0 16,1-9-1,-9 1-15,-9 8 16,-17 0 0,-25 17-16,-17 0 15,-1 8 1,-7 9-16,16 9 16,26-9-1,8 17-15,-17 0 16,0 25-1,1 1-15,16-1 16,17-8 0,18-8-16,16 8 15,18 0-15,8 0 16,0-8 0,9 8-16,25 17 15,18-9 1,16-16-16,0-1 15,-16-8 1,33 0 0,26 9-16,-8-9 15,-35-17 1,18 0-16,33 0 16,-7-8-1,-18-18 1,8-8-16,43-8 15,-34-18-15,-25 9 16,16-9 0,-7-8-16,-10 0 15,-25 0-15,-17-17 16,8-25 0,9-9-16,-9-17 15,-16 17 1,-27 8-16,-16-8 15,-9-8 1,-26-9-16,-8-1 16,-42 10-1,-18-18 1,-26 9-16,-25 0 16,-34 9-1,-26 16-15,-8 26 16,-17 0-16,-9 17 15,-26 9 1,-25 8-16,-17 8 16,-34 18-1,-9 42 1,-34 34-16</inkml:trace>
+  <inkml:trace contextRef="#ctx0" brushRef="#br0" timeOffset="26512.24">9815 9244 0,'0'0'0,"0"0"0,0 0 16,0 0-1,0 0 1,0 0-16,17 9 15,34 8 1,43 8-16,69-16 16,75-18-16,44-16 15,68-1-15</inkml:trace>
+  <inkml:trace contextRef="#ctx0" brushRef="#br0" timeOffset="33828.35">20714 9244 0,'0'0'0,"0"0"16,0 0-16,0 0 15,0 0 1,17 0-16,0 9 15,18-1 1,-1-8 0,0 0-16,9 9 15,8-9-15,9 8 16,-1-8 0,-16 0-16,8 9 15,0-9 1,-8 8-16,-9 1 15,-8-1 1,-9 1-16,-9-9 16,1 0-1,-1 0-15,-8 0 16,0 0 0,-17 0-16,-17 8 15,-8 1 1,-1-9-16,9 0 15,0 0 1,-1 0-16,1 0 16,17 0-1,0 0-15,9 0 16,-1 0 0,9 0-1,0 0-15,0 0 16,0 0-16,34 8 15,52 1 1,42-1-16,0-16 16,8-1-1,1-8 1,-35 0-16,-42 17 16,-26 0-16,-8 0 15,-26 0 1,-9 9-1</inkml:trace>
+  <inkml:trace contextRef="#ctx0" brushRef="#br0" timeOffset="42094.19">21235 8011 0,'0'0'0,"0"0"0,0 0 16,0 0-16,-9 0 0,1 0 31,-1 0-15,1 0-16,-18 0 15,1 0-15,-1 0 0,0 0 16,1 0 15,-1 17-31,1 9 0,-27 16 16,-16 35-16,8-1 31,9 18-15,17 25-16,8 17 0,18-25 31,8-9-31,17 0 16,26 8-1,8 1-15,17-18 16,9-25 0,0-17-16,8-25 15,35-9 1,33-34-16,-16-17 15,-1-43 1,1-16-16,-18-1 16,-25-8-1,-25-25-15,-35-1 16,-34 26 0,-43-9-16,-59-16 15,-103-9 1,-77 42-16,-128 94 15,-93 85 1,110 0-16</inkml:trace>
+  <inkml:trace contextRef="#ctx0" brushRef="#br0" timeOffset="72119.16">18760 9602 0,'0'0'0,"0"0"0,0 17 0,0 17 16,0 0 0,17 8-1,8 1-15,44 8 16,76 8-16,51-8 16,35-8-1,16-18 1,35 1-16,25-1 15,17-8-15,18 0 16,-18-8 0,9-1-1,8-8-15,-25 0 16,17 17-16,-43-8 16,-42-1-1,-43 1-15,-60-1 16,-34-8-1,-52 0 1,-25 0-16,-16 0 16,-10 0-1,1 0-15,-9 0 16,-26-8-16,-111-26 16,-84-9-1,-87 1 1,-76 8-16,34 8 15,-34 18-15,-43-1 16,26 1-16,17 8 16,0 0-1,-43-9-15,77 1 16,35-1 0,-10 1-1,69 8-15,77-9 16,51 1-16,43-1 31,42 1-31,17 8 16,18 0-1,16-9-15,69-8 16,137-25-16,118 16 16,18 18-1,34 25-15,52 17 16,8 0-1,8 0-15,0 0 16,18 0-16,16 0 16,-25 0-1,-34-9 1,-69-8 0,-50-8-16,-61-1 15,-51-8-15,-51 0 16,-85 0-16,-34 0 31,-18 0-31</inkml:trace>
+</inkml:ink>
+</file>
+
+<file path=ppt/ink/ink5.xml><?xml version="1.0" encoding="utf-8"?>
 <inkml:ink xmlns:inkml="http://www.w3.org/2003/InkML">
   <inkml:definitions>
     <inkml:context xml:id="ctx0">
@@ -357,6 +365,43 @@
   <inkml:trace contextRef="#ctx0" brushRef="#br0" timeOffset="106020.5">27030 7084 0,'0'0'0,"0"0"0,0 0 15,-8 0-15,-1 17 16,1 17-1,-9 9 1,-1-1-16,1-8 16,9-8-1,-1-1-15,9 1 16,0-9 0,0 0-1,9 0-15,16 17 16,27 8-16,16-8 15,34 0 1,35 9-16,17-1 16,16 1-1,9 0-15,-25-9 16,-43-9 0,-43-8-16,-8 0 15,-9 9 1,-25-9-16,-1-9 15,-16 1 1,0-1 0,-1 1-16,1-9 15,-9 0-15,0-26 16,34-59 0,34-94-16,52-33 15,-10 16 1,36-76-16</inkml:trace>
   <inkml:trace contextRef="#ctx0" brushRef="#br0" timeOffset="108919.26">29744 7816 0,'0'0'0,"0"0"0,9 0 0,25 8 16,68 1-1,112-26 1,127-9-16</inkml:trace>
   <inkml:trace contextRef="#ctx0" brushRef="#br0" timeOffset="117219.86">29813 5664 0,'0'0'0,"0"0"0,0 0 16,0 0 0,0 0-1,0 0-15,17-9 16,25 9-1,35 0-15,0 9 0,0 8 16,-9 0 15,-25 0-31,-18 0 0,-16 9 16,-18 25 0,-42 34-16,-43 17 15,9 0 1,8-17-1,17-17-15,18-26 16,16 1 0,26-9-16,17-9 15,51 9 1,95 9-16,24-43 16,112-34-1</inkml:trace>
+</inkml:ink>
+</file>
+
+<file path=ppt/ink/ink6.xml><?xml version="1.0" encoding="utf-8"?>
+<inkml:ink xmlns:inkml="http://www.w3.org/2003/InkML">
+  <inkml:definitions>
+    <inkml:context xml:id="ctx0">
+      <inkml:inkSource xml:id="inkSrc0">
+        <inkml:traceFormat>
+          <inkml:channel name="X" type="integer" max="3968" units="cm"/>
+          <inkml:channel name="Y" type="integer" max="2240" units="cm"/>
+          <inkml:channel name="T" type="integer" max="2.14748E9" units="dev"/>
+        </inkml:traceFormat>
+        <inkml:channelProperties>
+          <inkml:channelProperty channel="X" name="resolution" value="128.41425" units="1/cm"/>
+          <inkml:channelProperty channel="Y" name="resolution" value="128.73563" units="1/cm"/>
+          <inkml:channelProperty channel="T" name="resolution" value="1" units="1/dev"/>
+        </inkml:channelProperties>
+      </inkml:inkSource>
+      <inkml:timestamp xml:id="ts0" timeString="2026-01-10T00:21:50.634"/>
+    </inkml:context>
+    <inkml:brush xml:id="br0">
+      <inkml:brushProperty name="width" value="0.05292" units="cm"/>
+      <inkml:brushProperty name="height" value="0.05292" units="cm"/>
+      <inkml:brushProperty name="color" value="#FF0000"/>
+    </inkml:brush>
+  </inkml:definitions>
+  <inkml:trace contextRef="#ctx0" brushRef="#br0">9286 8624 0,'0'0'0,"0"0"0,0-9 16,9 1-1,-1-9-15,9 8 16,34 0-1,35 9-15,33 9 16,9 0-16,17-1 16,86-16-1,-18-1 1,94-25 0</inkml:trace>
+  <inkml:trace contextRef="#ctx0" brushRef="#br0" timeOffset="527.16">13118 8538 0,'0'0'0,"9"0"0,59-8 16,94-1-16,43 9 16,43 0-1,42 9-15,68 8 16</inkml:trace>
+  <inkml:trace contextRef="#ctx0" brushRef="#br0" timeOffset="18228">17667 7237 0,'0'0'0,"0"0"0,0 0 15,0 0-15,0 0 16,-8 17 0,-9 17-16,-17 9 31,-18 16-31,-7 26 15,-1 0 1,26-8-16,0 8 16,17 0-16,17-8 15,17 8 1,0-9 0,8-16-16,18 8 15,25 0 1,26 0-16,26-9 15,8-8-15,25 0 16,27-17 0,-1-8-16,-9-1 15,10-8 1,-1 1-16,-17 7 16,26 9-16,0-17 15,-9 0 16,17 9-31,0-18 16,9 1-16,-25 8 16,16-9-1,-8 1-15,-9-1 16,26 1-16,8-1 31,-8-16-31,17-1 16,0 1-16,0-1 15,-9 9 1,-8 0-16,0 0 16,8 9-1,0-18-15,9 1 16,-8-1-16,-1 9 16,-17 0-1,18-8 1,-1-1-16,9 1 15,0-9 1,8 0-16,-8 0 16,-8 8-1,-1 1-15,-25-1 16,-26 9-16,9-8 16,-1-1-1,-16-8 1,-17 0-16,-18 0 15,-8 0 1,-17-9-16,-9 1 16,-25-1-1,-9 1-15,-17 8 16,-8-9 0,0 1-1,-9-9-15,-9-26 16,1 1-1,-18 8-15,1 0 16,-18 0 0,-8 8-16,-17-8 15,-35 0-15,9 9 16,-8-1 0,-9 1-16,9-9 15,-26 8 1,0-8-1,9 17-15,-9 8 16,0-8 0,-34 9-16,-26-9 15,26 25-15,-43 1 16,-17-1 0,26 9-16,-26 0 15,-17 9 1,-17 8-1,0-9-15,0 9 16,0 9-16,9-9 16,-9 8-1,8-16 1,-25-1-16,-8 1 16,-1-9-1,-8 9-15,-26 8 16,-25-9-16,17 1 15,-35 8 1,1 0-16,0-9 16,-44 9-1,44-17-15,17 0 16,-60 9 0,34-18-16,0 18 15,-68-1-15,34 1 31,8 8-31,-25 0 16,0-9-16,51 9 16,43-8-1,-60-9 1</inkml:trace>
+  <inkml:trace contextRef="#ctx0" brushRef="#br0" timeOffset="27865">6632 9202 0,'0'0'0,"0"0"0,-9 0 16,-16 0 0,-27 0-16,-16 8 15,-17 1 1,-26 8-1,0 17-15,8 0 16,-8 8-16,-8 9 16,-9 9-1,25-9-15,10 17 16,16 0 0,17 9-16,17-9 15,18-17 1,8 8-16,17-8 15,17 17-15,17 17 32,9 9-32,-1-9 15,-16-26 1,-1 1-16,1-1 16,-9-16-16,-8-9 15,-1 0 1,-16 0-16,-1 17 15,-25 0 1,-17 0-16,8-8 16,9-18-16,0-8 15,17-8 1,0-1 0,8 1-16,1-9 15,8 0 1,-9 8-1,9 9-15,0 26 16,9 16-16,25 18 16,17 33-16,9 18 31,-18-9-31,1-8 16,-9 25-16,-17 17 15,-17-17-15,-34 25 16,-43 43-1,-8-25 1,25-9 0,43 0-16,68 0 15,112 34-15,127-16 16,51-18 0</inkml:trace>
+  <inkml:trace contextRef="#ctx0" brushRef="#br0" timeOffset="30402.13">7169 9831 0,'0'0'0,"0"0"0,0 0 16,17 9-16,18 8 31,16 0-31,43-9 15,68 1 1,60-9-16,51 8 16,9 1-16,16 8 15,18 0 1,25 0 0,52 0-16,-9-17 15,17-17 1,-17-17-16</inkml:trace>
+  <inkml:trace contextRef="#ctx0" brushRef="#br0" timeOffset="31238.23">12026 9695 0,'0'0'0,"0"0"0,0 0 16,0 0-16,17 0 15,51-8 1,111-9-16,77 0 16,60 0-1,43 17-15,25 8 16,8 9-16</inkml:trace>
+  <inkml:trace contextRef="#ctx0" brushRef="#br0" timeOffset="34822.5">7323 10826 0,'0'0'0,"0"0"0,0 0 15,0 0 1,0 0-1,0 0 1,0 0-16,0 0 16,0 0-1,0 0-15,0 0 0,0 0 32,0 0-32,0 0 0,0 0 31,9 0-16,8 9-15,17-1 16,8 1-16,35-1 0,17 1 16,0-9 15,0 0-31,0 8 16,25 1-1,26-18-15,-8 9 16,-18-8-1,61-9-15,7 0 16,-50 0-16,59 0 16,1 0-1,-52 0 1,68 8-16,9 9 16,-51 0-16,42 17 15,-17 0 1,-8 0-16,8-17 15,-25-17 1,25-8 0,137-18-16</inkml:trace>
+  <inkml:trace contextRef="#ctx0" brushRef="#br0" timeOffset="38890.61">7212 11932 0,'0'0'0,"0"0"0,0 0 16,0 0-16,0 0 16,0 0-1,0 0 1,9 0-16,-1 0 16,-8 0-1,17 0 1,0 0-16,17-9 0,18 1 31,16-9-31,51 0 16,9 0-1,-17 8-15,26 1 0,34 8 16,16 17 0,27 8-1,33 9-15,9 0 0,9-8 16,17-1-1,-9-8 1,-26-8 0,1 8-16,-26-9 15,17 1-15,8-1 16,-34-16-16,1-18 16,102-8-1</inkml:trace>
+  <inkml:trace contextRef="#ctx0" brushRef="#br0" timeOffset="41925.69">8296 13088 0,'0'0'0,"0"0"0,0 0 16,0 0-16,0 0 0,0 0 31,0 0-31,0 0 16,0 0-1,0 0-15,0 0 16,9 9-1,-9-9-15,25 0 16,18 0 0,25-9-16,60-8 15,26-17 1,-18 0-16,18-8 16,17 16-16,-26 9 0,-26 0 15,35 0 16,17 0-31,-18 9 16,26-1-16,18 1 0,-27-1 31,10 1-15,16-1-16,-25-8 16,51 9-1,8-1-15,-17-8 16,60-17-1,9-17-15,68-34 16</inkml:trace>
+  <inkml:trace contextRef="#ctx0" brushRef="#br0" timeOffset="43437.89">9175 11889 0,'0'0'0,"0"0"0,0 9 0,0 16 16,0 9-1,-8 17-15,-1 9 16,0 8 0,-16 8-1,-1 26-15,-8-8 16,9-17 0,7-9-16,1 0 15,0 0-15,17 0 16,0 0-1,9-9 1,8-8-16,0-8 16,0-1-16,0-8 15,17-8 1,26-1 0,51-8-16,34-17 15,26-17-15,34-8 16,-9 8-1,17-9-15,9 1 16,-17-1 0,8 9-1,-16 17-15,33-8 0,-16 8 32,-10 0-32,18 0 15,-25 0-15,-18 8 16,-17 1-1,-34-9 1,-26 8-16,-33-16 16,-18-1-1,-8 1-15,-9-1 16,8-16-16,10-9 16,7-9-1,1-16-15,-17-9 16,-1 8-1,-16-8-15,0 17 16,-18 0-16,1 9 16,-1 8-1,-8-1-15,0 10 32,0-1-32,0 9 15,0 0 1,0 9-16,-8-1 15,-26 1-15,-9-9 16,-8 8 0,-18 1-1,-7-1-15,-10 1 16,-33-9 0,-9 0-16,17 0 15,-17-9 1,-51-8-16,-18 9 15,9-1 1,-33 9-16,-10 0 16,-34 0-1,1-8-15,-26-1 16,-35 9 0,18 0-16,-26 9 15,17-1 1,-8 18-16,-34-1 15,-9-8 1</inkml:trace>
 </inkml:ink>
 </file>
 
@@ -777,7 +822,7 @@
           <a:p>
             <a:fld id="{98DA50AE-6676-4050-BB67-AE6E697DAE8C}" type="slidenum">
               <a:rPr lang="en-US" smtClean="0"/>
-              <a:t>12</a:t>
+              <a:t>13</a:t>
             </a:fld>
             <a:endParaRPr lang="en-US"/>
           </a:p>
@@ -861,7 +906,7 @@
           <a:p>
             <a:fld id="{0E809D29-1373-6246-9F8A-DDFD735F706A}" type="slidenum">
               <a:rPr lang="en-US" smtClean="0"/>
-              <a:t>27</a:t>
+              <a:t>28</a:t>
             </a:fld>
             <a:endParaRPr lang="en-US"/>
           </a:p>
@@ -4209,6 +4254,258 @@
           <p:cNvPr id="2" name="Title 1">
             <a:extLst>
               <a:ext uri="{FF2B5EF4-FFF2-40B4-BE49-F238E27FC236}">
+                <a16:creationId xmlns:a16="http://schemas.microsoft.com/office/drawing/2014/main" id="{5096150D-94BD-222A-8DA4-2D8A66224FCF}"/>
+              </a:ext>
+            </a:extLst>
+          </p:cNvPr>
+          <p:cNvSpPr>
+            <a:spLocks noGrp="1"/>
+          </p:cNvSpPr>
+          <p:nvPr>
+            <p:ph type="title"/>
+          </p:nvPr>
+        </p:nvSpPr>
+        <p:spPr/>
+        <p:txBody>
+          <a:bodyPr/>
+          <a:lstStyle/>
+          <a:p>
+            <a:endParaRPr lang="en-US"/>
+          </a:p>
+        </p:txBody>
+      </p:sp>
+      <mc:AlternateContent xmlns:mc="http://schemas.openxmlformats.org/markup-compatibility/2006">
+        <mc:Choice xmlns:a14="http://schemas.microsoft.com/office/drawing/2010/main" Requires="a14">
+          <p:sp>
+            <p:nvSpPr>
+              <p:cNvPr id="3" name="Content Placeholder 2">
+                <a:extLst>
+                  <a:ext uri="{FF2B5EF4-FFF2-40B4-BE49-F238E27FC236}">
+                    <a16:creationId xmlns:a16="http://schemas.microsoft.com/office/drawing/2014/main" id="{152DF385-A7DC-13AA-5EA4-7481DD9F3F95}"/>
+                  </a:ext>
+                </a:extLst>
+              </p:cNvPr>
+              <p:cNvSpPr>
+                <a:spLocks noGrp="1"/>
+              </p:cNvSpPr>
+              <p:nvPr>
+                <p:ph idx="1"/>
+              </p:nvPr>
+            </p:nvSpPr>
+            <p:spPr/>
+            <p:txBody>
+              <a:bodyPr>
+                <a:normAutofit lnSpcReduction="10000"/>
+              </a:bodyPr>
+              <a:lstStyle/>
+              <a:p>
+                <a:pPr marL="0" indent="0">
+                  <a:buNone/>
+                </a:pPr>
+                <a:r>
+                  <a:rPr lang="en-US" dirty="0"/>
+                  <a:t>For( I = 0 up to n)</a:t>
+                </a:r>
+              </a:p>
+              <a:p>
+                <a:pPr marL="0" indent="0">
+                  <a:buNone/>
+                </a:pPr>
+                <a:r>
+                  <a:rPr lang="en-US" dirty="0"/>
+                  <a:t>	for(j = I up to n)</a:t>
+                </a:r>
+              </a:p>
+              <a:p>
+                <a:pPr marL="0" indent="0">
+                  <a:buNone/>
+                </a:pPr>
+                <a:r>
+                  <a:rPr lang="en-US" dirty="0"/>
+                  <a:t>		stuff</a:t>
+                </a:r>
+              </a:p>
+              <a:p>
+                <a:pPr marL="0" indent="0">
+                  <a:buNone/>
+                </a:pPr>
+                <a:endParaRPr lang="en-US" dirty="0"/>
+              </a:p>
+              <a:p>
+                <a:pPr marL="0" indent="0">
+                  <a:buNone/>
+                </a:pPr>
+                <a:r>
+                  <a:rPr lang="en-US" dirty="0"/>
+                  <a:t>When I = 0, we do stuff n times</a:t>
+                </a:r>
+              </a:p>
+              <a:p>
+                <a:pPr marL="0" indent="0">
+                  <a:buNone/>
+                </a:pPr>
+                <a:r>
+                  <a:rPr lang="en-US" dirty="0"/>
+                  <a:t>I = 1 we do stuff n-1 times</a:t>
+                </a:r>
+              </a:p>
+              <a:p>
+                <a:pPr marL="0" indent="0">
+                  <a:buNone/>
+                </a:pPr>
+                <a:r>
+                  <a:rPr lang="en-US" dirty="0" err="1"/>
+                  <a:t>i</a:t>
+                </a:r>
+                <a:r>
+                  <a:rPr lang="en-US" dirty="0"/>
+                  <a:t>=2 … n-2 times</a:t>
+                </a:r>
+              </a:p>
+              <a:p>
+                <a:pPr marL="0" indent="0">
+                  <a:buNone/>
+                </a:pPr>
+                <a:r>
+                  <a:rPr lang="en-US" dirty="0"/>
+                  <a:t>n + n-1 + n-2 + n-3 + … 1 = n(n+1)/2 = </a:t>
+                </a:r>
+                <a14:m>
+                  <m:oMath xmlns:m="http://schemas.openxmlformats.org/officeDocument/2006/math">
+                    <m:r>
+                      <a:rPr lang="en-US" b="0" i="1" smtClean="0">
+                        <a:latin typeface="Cambria Math" panose="02040503050406030204" pitchFamily="18" charset="0"/>
+                      </a:rPr>
+                      <m:t>𝑂</m:t>
+                    </m:r>
+                    <m:r>
+                      <a:rPr lang="en-US" b="0" i="1" smtClean="0">
+                        <a:latin typeface="Cambria Math" panose="02040503050406030204" pitchFamily="18" charset="0"/>
+                      </a:rPr>
+                      <m:t>(</m:t>
+                    </m:r>
+                    <m:sSup>
+                      <m:sSupPr>
+                        <m:ctrlPr>
+                          <a:rPr lang="en-US" b="0" i="1" smtClean="0">
+                            <a:latin typeface="Cambria Math" panose="02040503050406030204" pitchFamily="18" charset="0"/>
+                          </a:rPr>
+                        </m:ctrlPr>
+                      </m:sSupPr>
+                      <m:e>
+                        <m:r>
+                          <a:rPr lang="en-US" b="0" i="1" smtClean="0">
+                            <a:latin typeface="Cambria Math" panose="02040503050406030204" pitchFamily="18" charset="0"/>
+                          </a:rPr>
+                          <m:t>𝑛</m:t>
+                        </m:r>
+                      </m:e>
+                      <m:sup>
+                        <m:r>
+                          <a:rPr lang="en-US" b="0" i="1" smtClean="0">
+                            <a:latin typeface="Cambria Math" panose="02040503050406030204" pitchFamily="18" charset="0"/>
+                          </a:rPr>
+                          <m:t>2</m:t>
+                        </m:r>
+                      </m:sup>
+                    </m:sSup>
+                    <m:r>
+                      <a:rPr lang="en-US" b="0" i="1" smtClean="0">
+                        <a:latin typeface="Cambria Math" panose="02040503050406030204" pitchFamily="18" charset="0"/>
+                      </a:rPr>
+                      <m:t>)</m:t>
+                    </m:r>
+                  </m:oMath>
+                </a14:m>
+                <a:endParaRPr lang="en-US" dirty="0"/>
+              </a:p>
+              <a:p>
+                <a:pPr marL="0" indent="0">
+                  <a:buNone/>
+                </a:pPr>
+                <a:r>
+                  <a:rPr lang="en-US" dirty="0"/>
+                  <a:t>1 + 2     + 3      + 4 +        n </a:t>
+                </a:r>
+              </a:p>
+            </p:txBody>
+          </p:sp>
+        </mc:Choice>
+        <mc:Fallback>
+          <p:sp>
+            <p:nvSpPr>
+              <p:cNvPr id="3" name="Content Placeholder 2">
+                <a:extLst>
+                  <a:ext uri="{FF2B5EF4-FFF2-40B4-BE49-F238E27FC236}">
+                    <a16:creationId xmlns:a16="http://schemas.microsoft.com/office/drawing/2014/main" id="{152DF385-A7DC-13AA-5EA4-7481DD9F3F95}"/>
+                  </a:ext>
+                </a:extLst>
+              </p:cNvPr>
+              <p:cNvSpPr>
+                <a:spLocks noGrp="1" noRot="1" noChangeAspect="1" noMove="1" noResize="1" noEditPoints="1" noAdjustHandles="1" noChangeArrowheads="1" noChangeShapeType="1" noTextEdit="1"/>
+              </p:cNvSpPr>
+              <p:nvPr>
+                <p:ph idx="1"/>
+              </p:nvPr>
+            </p:nvSpPr>
+            <p:spPr>
+              <a:blipFill>
+                <a:blip r:embed="rId2"/>
+                <a:stretch>
+                  <a:fillRect l="-1217" t="-3081" b="-280"/>
+                </a:stretch>
+              </a:blipFill>
+            </p:spPr>
+            <p:txBody>
+              <a:bodyPr/>
+              <a:lstStyle/>
+              <a:p>
+                <a:r>
+                  <a:rPr lang="en-US">
+                    <a:noFill/>
+                  </a:rPr>
+                  <a:t> </a:t>
+                </a:r>
+              </a:p>
+            </p:txBody>
+          </p:sp>
+        </mc:Fallback>
+      </mc:AlternateContent>
+    </p:spTree>
+    <p:extLst>
+      <p:ext uri="{BB962C8B-B14F-4D97-AF65-F5344CB8AC3E}">
+        <p14:creationId xmlns:p14="http://schemas.microsoft.com/office/powerpoint/2010/main" val="2101595330"/>
+      </p:ext>
+    </p:extLst>
+  </p:cSld>
+  <p:clrMapOvr>
+    <a:masterClrMapping/>
+  </p:clrMapOvr>
+</p:sld>
+</file>
+
+<file path=ppt/slides/slide11.xml><?xml version="1.0" encoding="utf-8"?>
+<p:sld xmlns:a="http://schemas.openxmlformats.org/drawingml/2006/main" xmlns:r="http://schemas.openxmlformats.org/officeDocument/2006/relationships" xmlns:p="http://schemas.openxmlformats.org/presentationml/2006/main">
+  <p:cSld>
+    <p:spTree>
+      <p:nvGrpSpPr>
+        <p:cNvPr id="1" name=""/>
+        <p:cNvGrpSpPr/>
+        <p:nvPr/>
+      </p:nvGrpSpPr>
+      <p:grpSpPr>
+        <a:xfrm>
+          <a:off x="0" y="0"/>
+          <a:ext cx="0" cy="0"/>
+          <a:chOff x="0" y="0"/>
+          <a:chExt cx="0" cy="0"/>
+        </a:xfrm>
+      </p:grpSpPr>
+      <p:sp>
+        <p:nvSpPr>
+          <p:cNvPr id="2" name="Title 1">
+            <a:extLst>
+              <a:ext uri="{FF2B5EF4-FFF2-40B4-BE49-F238E27FC236}">
                 <a16:creationId xmlns:a16="http://schemas.microsoft.com/office/drawing/2014/main" id="{AE837711-2C9F-C400-7B2E-F7113BCCD397}"/>
               </a:ext>
             </a:extLst>
@@ -4593,7 +4890,7 @@
 </p:sld>
 </file>
 
-<file path=ppt/slides/slide11.xml><?xml version="1.0" encoding="utf-8"?>
+<file path=ppt/slides/slide12.xml><?xml version="1.0" encoding="utf-8"?>
 <p:sld xmlns:a="http://schemas.openxmlformats.org/drawingml/2006/main" xmlns:r="http://schemas.openxmlformats.org/officeDocument/2006/relationships" xmlns:p="http://schemas.openxmlformats.org/presentationml/2006/main">
   <p:cSld>
     <p:spTree>
@@ -5461,6 +5758,57 @@
           </a:p>
         </p:txBody>
       </p:sp>
+      <mc:AlternateContent xmlns:mc="http://schemas.openxmlformats.org/markup-compatibility/2006">
+        <mc:Choice xmlns:p14="http://schemas.microsoft.com/office/powerpoint/2010/main" Requires="p14">
+          <p:contentPart p14:bwMode="auto" r:id="rId3">
+            <p14:nvContentPartPr>
+              <p14:cNvPr id="6" name="Ink 5">
+                <a:extLst>
+                  <a:ext uri="{FF2B5EF4-FFF2-40B4-BE49-F238E27FC236}">
+                    <a16:creationId xmlns:a16="http://schemas.microsoft.com/office/drawing/2014/main" id="{1C5BA8BD-51EE-EABB-4F2E-343D3C7F139E}"/>
+                  </a:ext>
+                </a:extLst>
+              </p14:cNvPr>
+              <p14:cNvContentPartPr/>
+              <p14:nvPr/>
+            </p14:nvContentPartPr>
+            <p14:xfrm>
+              <a:off x="4691880" y="4200480"/>
+              <a:ext cx="5749200" cy="1721160"/>
+            </p14:xfrm>
+          </p:contentPart>
+        </mc:Choice>
+        <mc:Fallback>
+          <p:pic>
+            <p:nvPicPr>
+              <p:cNvPr id="6" name="Ink 5">
+                <a:extLst>
+                  <a:ext uri="{FF2B5EF4-FFF2-40B4-BE49-F238E27FC236}">
+                    <a16:creationId xmlns:a16="http://schemas.microsoft.com/office/drawing/2014/main" id="{1C5BA8BD-51EE-EABB-4F2E-343D3C7F139E}"/>
+                  </a:ext>
+                </a:extLst>
+              </p:cNvPr>
+              <p:cNvPicPr/>
+              <p:nvPr/>
+            </p:nvPicPr>
+            <p:blipFill>
+              <a:blip r:embed="rId4"/>
+              <a:stretch>
+                <a:fillRect/>
+              </a:stretch>
+            </p:blipFill>
+            <p:spPr>
+              <a:xfrm>
+                <a:off x="4682520" y="4191120"/>
+                <a:ext cx="5767920" cy="1739880"/>
+              </a:xfrm>
+              <a:prstGeom prst="rect">
+                <a:avLst/>
+              </a:prstGeom>
+            </p:spPr>
+          </p:pic>
+        </mc:Fallback>
+      </mc:AlternateContent>
     </p:spTree>
     <p:extLst>
       <p:ext uri="{BB962C8B-B14F-4D97-AF65-F5344CB8AC3E}">
@@ -5474,7 +5822,7 @@
 </p:sld>
 </file>
 
-<file path=ppt/slides/slide12.xml><?xml version="1.0" encoding="utf-8"?>
+<file path=ppt/slides/slide13.xml><?xml version="1.0" encoding="utf-8"?>
 <p:sld xmlns:a="http://schemas.openxmlformats.org/drawingml/2006/main" xmlns:r="http://schemas.openxmlformats.org/officeDocument/2006/relationships" xmlns:p="http://schemas.openxmlformats.org/presentationml/2006/main">
   <p:cSld>
     <p:spTree>
@@ -6717,7 +7065,7 @@
 </p:sld>
 </file>
 
-<file path=ppt/slides/slide13.xml><?xml version="1.0" encoding="utf-8"?>
+<file path=ppt/slides/slide14.xml><?xml version="1.0" encoding="utf-8"?>
 <p:sld xmlns:a="http://schemas.openxmlformats.org/drawingml/2006/main" xmlns:r="http://schemas.openxmlformats.org/officeDocument/2006/relationships" xmlns:p="http://schemas.openxmlformats.org/presentationml/2006/main">
   <p:cSld>
     <p:spTree>
@@ -8658,7 +9006,7 @@
 </p:sld>
 </file>
 
-<file path=ppt/slides/slide14.xml><?xml version="1.0" encoding="utf-8"?>
+<file path=ppt/slides/slide15.xml><?xml version="1.0" encoding="utf-8"?>
 <p:sld xmlns:a="http://schemas.openxmlformats.org/drawingml/2006/main" xmlns:r="http://schemas.openxmlformats.org/officeDocument/2006/relationships" xmlns:p="http://schemas.openxmlformats.org/presentationml/2006/main">
   <p:cSld>
     <p:spTree>
@@ -9973,7 +10321,7 @@
 </p:sld>
 </file>
 
-<file path=ppt/slides/slide15.xml><?xml version="1.0" encoding="utf-8"?>
+<file path=ppt/slides/slide16.xml><?xml version="1.0" encoding="utf-8"?>
 <p:sld xmlns:a="http://schemas.openxmlformats.org/drawingml/2006/main" xmlns:r="http://schemas.openxmlformats.org/officeDocument/2006/relationships" xmlns:p="http://schemas.openxmlformats.org/presentationml/2006/main">
   <p:cSld>
     <p:spTree>
@@ -12141,7 +12489,7 @@
 </p:sld>
 </file>
 
-<file path=ppt/slides/slide16.xml><?xml version="1.0" encoding="utf-8"?>
+<file path=ppt/slides/slide17.xml><?xml version="1.0" encoding="utf-8"?>
 <p:sld xmlns:a="http://schemas.openxmlformats.org/drawingml/2006/main" xmlns:r="http://schemas.openxmlformats.org/officeDocument/2006/relationships" xmlns:p="http://schemas.openxmlformats.org/presentationml/2006/main">
   <p:cSld>
     <p:spTree>
@@ -12457,7 +12805,7 @@
 </p:sld>
 </file>
 
-<file path=ppt/slides/slide17.xml><?xml version="1.0" encoding="utf-8"?>
+<file path=ppt/slides/slide18.xml><?xml version="1.0" encoding="utf-8"?>
 <p:sld xmlns:a="http://schemas.openxmlformats.org/drawingml/2006/main" xmlns:r="http://schemas.openxmlformats.org/officeDocument/2006/relationships" xmlns:p="http://schemas.openxmlformats.org/presentationml/2006/main">
   <p:cSld>
     <p:spTree>
@@ -12656,7 +13004,7 @@
 </p:sld>
 </file>
 
-<file path=ppt/slides/slide18.xml><?xml version="1.0" encoding="utf-8"?>
+<file path=ppt/slides/slide19.xml><?xml version="1.0" encoding="utf-8"?>
 <p:sld xmlns:a="http://schemas.openxmlformats.org/drawingml/2006/main" xmlns:r="http://schemas.openxmlformats.org/officeDocument/2006/relationships" xmlns:p="http://schemas.openxmlformats.org/presentationml/2006/main">
   <p:cSld>
     <p:spTree>
@@ -12898,10 +13246,10 @@
         <mc:Choice xmlns:p14="http://schemas.microsoft.com/office/powerpoint/2010/main" Requires="p14">
           <p:contentPart p14:bwMode="auto" r:id="rId3">
             <p14:nvContentPartPr>
-              <p14:cNvPr id="4" name="Ink 3">
+              <p14:cNvPr id="6" name="Ink 5">
                 <a:extLst>
                   <a:ext uri="{FF2B5EF4-FFF2-40B4-BE49-F238E27FC236}">
-                    <a16:creationId xmlns:a16="http://schemas.microsoft.com/office/drawing/2014/main" id="{E69E4BB4-8D9E-D154-EF50-1DDBF03BB99A}"/>
+                    <a16:creationId xmlns:a16="http://schemas.microsoft.com/office/drawing/2014/main" id="{E4269CA3-CC17-C609-F84E-1D6AB8FC4568}"/>
                   </a:ext>
                 </a:extLst>
               </p14:cNvPr>
@@ -12909,18 +13257,18 @@
               <p14:nvPr/>
             </p14:nvContentPartPr>
             <p14:xfrm>
-              <a:off x="2368800" y="2427840"/>
-              <a:ext cx="8683560" cy="3230280"/>
+              <a:off x="2519640" y="2486160"/>
+              <a:ext cx="7660080" cy="1797480"/>
             </p14:xfrm>
           </p:contentPart>
         </mc:Choice>
         <mc:Fallback>
           <p:pic>
             <p:nvPicPr>
-              <p:cNvPr id="4" name="Ink 3">
+              <p:cNvPr id="6" name="Ink 5">
                 <a:extLst>
                   <a:ext uri="{FF2B5EF4-FFF2-40B4-BE49-F238E27FC236}">
-                    <a16:creationId xmlns:a16="http://schemas.microsoft.com/office/drawing/2014/main" id="{E69E4BB4-8D9E-D154-EF50-1DDBF03BB99A}"/>
+                    <a16:creationId xmlns:a16="http://schemas.microsoft.com/office/drawing/2014/main" id="{E4269CA3-CC17-C609-F84E-1D6AB8FC4568}"/>
                   </a:ext>
                 </a:extLst>
               </p:cNvPr>
@@ -12935,8 +13283,8 @@
             </p:blipFill>
             <p:spPr>
               <a:xfrm>
-                <a:off x="2359440" y="2418480"/>
-                <a:ext cx="8702280" cy="3249000"/>
+                <a:off x="2510280" y="2476800"/>
+                <a:ext cx="7678800" cy="1816200"/>
               </a:xfrm>
               <a:prstGeom prst="rect">
                 <a:avLst/>
@@ -12958,7 +13306,161 @@
 </p:sld>
 </file>
 
-<file path=ppt/slides/slide19.xml><?xml version="1.0" encoding="utf-8"?>
+<file path=ppt/slides/slide2.xml><?xml version="1.0" encoding="utf-8"?>
+<p:sld xmlns:a="http://schemas.openxmlformats.org/drawingml/2006/main" xmlns:r="http://schemas.openxmlformats.org/officeDocument/2006/relationships" xmlns:p="http://schemas.openxmlformats.org/presentationml/2006/main">
+  <p:cSld>
+    <p:spTree>
+      <p:nvGrpSpPr>
+        <p:cNvPr id="1" name=""/>
+        <p:cNvGrpSpPr/>
+        <p:nvPr/>
+      </p:nvGrpSpPr>
+      <p:grpSpPr>
+        <a:xfrm>
+          <a:off x="0" y="0"/>
+          <a:ext cx="0" cy="0"/>
+          <a:chOff x="0" y="0"/>
+          <a:chExt cx="0" cy="0"/>
+        </a:xfrm>
+      </p:grpSpPr>
+      <p:sp>
+        <p:nvSpPr>
+          <p:cNvPr id="2" name="Title 1"/>
+          <p:cNvSpPr>
+            <a:spLocks noGrp="1"/>
+          </p:cNvSpPr>
+          <p:nvPr>
+            <p:ph type="title"/>
+          </p:nvPr>
+        </p:nvSpPr>
+        <p:spPr/>
+        <p:txBody>
+          <a:bodyPr/>
+          <a:lstStyle/>
+          <a:p>
+            <a:r>
+              <a:rPr lang="en-US" dirty="0"/>
+              <a:t>Running Time Analysis</a:t>
+            </a:r>
+          </a:p>
+        </p:txBody>
+      </p:sp>
+      <p:sp>
+        <p:nvSpPr>
+          <p:cNvPr id="3" name="Content Placeholder 2"/>
+          <p:cNvSpPr>
+            <a:spLocks noGrp="1"/>
+          </p:cNvSpPr>
+          <p:nvPr>
+            <p:ph idx="1"/>
+          </p:nvPr>
+        </p:nvSpPr>
+        <p:spPr>
+          <a:xfrm>
+            <a:off x="609600" y="1570037"/>
+            <a:ext cx="10972800" cy="4525963"/>
+          </a:xfrm>
+        </p:spPr>
+        <p:txBody>
+          <a:bodyPr anchor="t">
+            <a:normAutofit/>
+          </a:bodyPr>
+          <a:lstStyle/>
+          <a:p>
+            <a:r>
+              <a:rPr lang="en-US" dirty="0"/>
+              <a:t>Units of “time”</a:t>
+            </a:r>
+          </a:p>
+          <a:p>
+            <a:pPr lvl="1"/>
+            <a:r>
+              <a:rPr lang="en-US" dirty="0"/>
+              <a:t>Operations</a:t>
+            </a:r>
+          </a:p>
+          <a:p>
+            <a:pPr lvl="2"/>
+            <a:r>
+              <a:rPr lang="en-US" dirty="0"/>
+              <a:t>Whichever operations we pick</a:t>
+            </a:r>
+          </a:p>
+          <a:p>
+            <a:r>
+              <a:rPr lang="en-US" dirty="0"/>
+              <a:t>How do we express running time?</a:t>
+            </a:r>
+          </a:p>
+          <a:p>
+            <a:pPr lvl="1"/>
+            <a:r>
+              <a:rPr lang="en-US" dirty="0"/>
+              <a:t>Function</a:t>
+            </a:r>
+          </a:p>
+          <a:p>
+            <a:pPr lvl="2"/>
+            <a:r>
+              <a:rPr lang="en-US" dirty="0"/>
+              <a:t>Domain (input): size of the input</a:t>
+            </a:r>
+          </a:p>
+          <a:p>
+            <a:pPr lvl="2"/>
+            <a:r>
+              <a:rPr lang="en-US" dirty="0"/>
+              <a:t>Range: count of operations</a:t>
+            </a:r>
+          </a:p>
+          <a:p>
+            <a:endParaRPr lang="en-US" dirty="0"/>
+          </a:p>
+        </p:txBody>
+      </p:sp>
+      <p:sp>
+        <p:nvSpPr>
+          <p:cNvPr id="4" name="Slide Number Placeholder 3">
+            <a:extLst>
+              <a:ext uri="{FF2B5EF4-FFF2-40B4-BE49-F238E27FC236}">
+                <a16:creationId xmlns:a16="http://schemas.microsoft.com/office/drawing/2014/main" id="{04AD1330-4380-45F9-8B45-6212445A7D2E}"/>
+              </a:ext>
+            </a:extLst>
+          </p:cNvPr>
+          <p:cNvSpPr>
+            <a:spLocks noGrp="1"/>
+          </p:cNvSpPr>
+          <p:nvPr>
+            <p:ph type="sldNum" sz="quarter" idx="12"/>
+          </p:nvPr>
+        </p:nvSpPr>
+        <p:spPr/>
+        <p:txBody>
+          <a:bodyPr/>
+          <a:lstStyle/>
+          <a:p>
+            <a:fld id="{F4E8603E-186F-4CC7-B8E2-5FD613D3E28C}" type="slidenum">
+              <a:rPr lang="en-US" smtClean="0"/>
+              <a:t>2</a:t>
+            </a:fld>
+            <a:endParaRPr lang="en-US" dirty="0"/>
+          </a:p>
+        </p:txBody>
+      </p:sp>
+    </p:spTree>
+    <p:extLst>
+      <p:ext uri="{BB962C8B-B14F-4D97-AF65-F5344CB8AC3E}">
+        <p14:creationId xmlns:p14="http://schemas.microsoft.com/office/powerpoint/2010/main" val="866304276"/>
+      </p:ext>
+    </p:extLst>
+  </p:cSld>
+  <p:clrMapOvr>
+    <a:masterClrMapping/>
+  </p:clrMapOvr>
+</p:sld>
+</file>
+
+<file path=ppt/slides/slide20.xml><?xml version="1.0" encoding="utf-8"?>
 <p:sld xmlns:a="http://schemas.openxmlformats.org/drawingml/2006/main" xmlns:r="http://schemas.openxmlformats.org/officeDocument/2006/relationships" xmlns:p="http://schemas.openxmlformats.org/presentationml/2006/main">
   <p:cSld>
     <p:spTree>
@@ -13466,10 +13968,10 @@
         <mc:Choice xmlns:p14="http://schemas.microsoft.com/office/powerpoint/2010/main" Requires="p14">
           <p:contentPart p14:bwMode="auto" r:id="rId6">
             <p14:nvContentPartPr>
-              <p14:cNvPr id="2" name="Ink 1">
+              <p14:cNvPr id="10" name="Ink 9">
                 <a:extLst>
                   <a:ext uri="{FF2B5EF4-FFF2-40B4-BE49-F238E27FC236}">
-                    <a16:creationId xmlns:a16="http://schemas.microsoft.com/office/drawing/2014/main" id="{4E51FC9E-2CC8-7C65-A46E-AA559CEB8C5F}"/>
+                    <a16:creationId xmlns:a16="http://schemas.microsoft.com/office/drawing/2014/main" id="{8FA8199B-EB86-178D-9E74-98E6632A23EF}"/>
                   </a:ext>
                 </a:extLst>
               </p14:cNvPr>
@@ -13477,18 +13979,18 @@
               <p14:nvPr/>
             </p14:nvContentPartPr>
             <p14:xfrm>
-              <a:off x="6289560" y="1451160"/>
-              <a:ext cx="5454360" cy="2318040"/>
+              <a:off x="7930440" y="1396080"/>
+              <a:ext cx="3201840" cy="2673000"/>
             </p14:xfrm>
           </p:contentPart>
         </mc:Choice>
         <mc:Fallback>
           <p:pic>
             <p:nvPicPr>
-              <p:cNvPr id="2" name="Ink 1">
+              <p:cNvPr id="10" name="Ink 9">
                 <a:extLst>
                   <a:ext uri="{FF2B5EF4-FFF2-40B4-BE49-F238E27FC236}">
-                    <a16:creationId xmlns:a16="http://schemas.microsoft.com/office/drawing/2014/main" id="{4E51FC9E-2CC8-7C65-A46E-AA559CEB8C5F}"/>
+                    <a16:creationId xmlns:a16="http://schemas.microsoft.com/office/drawing/2014/main" id="{8FA8199B-EB86-178D-9E74-98E6632A23EF}"/>
                   </a:ext>
                 </a:extLst>
               </p:cNvPr>
@@ -13503,8 +14005,8 @@
             </p:blipFill>
             <p:spPr>
               <a:xfrm>
-                <a:off x="6280200" y="1441800"/>
-                <a:ext cx="5473080" cy="2336760"/>
+                <a:off x="7921080" y="1386720"/>
+                <a:ext cx="3220560" cy="2691720"/>
               </a:xfrm>
               <a:prstGeom prst="rect">
                 <a:avLst/>
@@ -13526,7 +14028,7 @@
 </p:sld>
 </file>
 
-<file path=ppt/slides/slide2.xml><?xml version="1.0" encoding="utf-8"?>
+<file path=ppt/slides/slide21.xml><?xml version="1.0" encoding="utf-8"?>
 <p:sld xmlns:a="http://schemas.openxmlformats.org/drawingml/2006/main" xmlns:r="http://schemas.openxmlformats.org/officeDocument/2006/relationships" xmlns:p="http://schemas.openxmlformats.org/presentationml/2006/main">
   <p:cSld>
     <p:spTree>
@@ -13560,160 +14062,6 @@
           <a:p>
             <a:r>
               <a:rPr lang="en-US" dirty="0"/>
-              <a:t>Running Time Analysis</a:t>
-            </a:r>
-          </a:p>
-        </p:txBody>
-      </p:sp>
-      <p:sp>
-        <p:nvSpPr>
-          <p:cNvPr id="3" name="Content Placeholder 2"/>
-          <p:cNvSpPr>
-            <a:spLocks noGrp="1"/>
-          </p:cNvSpPr>
-          <p:nvPr>
-            <p:ph idx="1"/>
-          </p:nvPr>
-        </p:nvSpPr>
-        <p:spPr>
-          <a:xfrm>
-            <a:off x="609600" y="1570037"/>
-            <a:ext cx="10972800" cy="4525963"/>
-          </a:xfrm>
-        </p:spPr>
-        <p:txBody>
-          <a:bodyPr anchor="t">
-            <a:normAutofit/>
-          </a:bodyPr>
-          <a:lstStyle/>
-          <a:p>
-            <a:r>
-              <a:rPr lang="en-US" dirty="0"/>
-              <a:t>Units of “time”</a:t>
-            </a:r>
-          </a:p>
-          <a:p>
-            <a:pPr lvl="1"/>
-            <a:r>
-              <a:rPr lang="en-US" dirty="0"/>
-              <a:t>Operations</a:t>
-            </a:r>
-          </a:p>
-          <a:p>
-            <a:pPr lvl="2"/>
-            <a:r>
-              <a:rPr lang="en-US" dirty="0"/>
-              <a:t>Whichever operations we pick</a:t>
-            </a:r>
-          </a:p>
-          <a:p>
-            <a:r>
-              <a:rPr lang="en-US" dirty="0"/>
-              <a:t>How do we express running time?</a:t>
-            </a:r>
-          </a:p>
-          <a:p>
-            <a:pPr lvl="1"/>
-            <a:r>
-              <a:rPr lang="en-US" dirty="0"/>
-              <a:t>Function</a:t>
-            </a:r>
-          </a:p>
-          <a:p>
-            <a:pPr lvl="2"/>
-            <a:r>
-              <a:rPr lang="en-US" dirty="0"/>
-              <a:t>Domain (input): size of the input</a:t>
-            </a:r>
-          </a:p>
-          <a:p>
-            <a:pPr lvl="2"/>
-            <a:r>
-              <a:rPr lang="en-US" dirty="0"/>
-              <a:t>Range: count of operations</a:t>
-            </a:r>
-          </a:p>
-          <a:p>
-            <a:endParaRPr lang="en-US" dirty="0"/>
-          </a:p>
-        </p:txBody>
-      </p:sp>
-      <p:sp>
-        <p:nvSpPr>
-          <p:cNvPr id="4" name="Slide Number Placeholder 3">
-            <a:extLst>
-              <a:ext uri="{FF2B5EF4-FFF2-40B4-BE49-F238E27FC236}">
-                <a16:creationId xmlns:a16="http://schemas.microsoft.com/office/drawing/2014/main" id="{04AD1330-4380-45F9-8B45-6212445A7D2E}"/>
-              </a:ext>
-            </a:extLst>
-          </p:cNvPr>
-          <p:cNvSpPr>
-            <a:spLocks noGrp="1"/>
-          </p:cNvSpPr>
-          <p:nvPr>
-            <p:ph type="sldNum" sz="quarter" idx="12"/>
-          </p:nvPr>
-        </p:nvSpPr>
-        <p:spPr/>
-        <p:txBody>
-          <a:bodyPr/>
-          <a:lstStyle/>
-          <a:p>
-            <a:fld id="{F4E8603E-186F-4CC7-B8E2-5FD613D3E28C}" type="slidenum">
-              <a:rPr lang="en-US" smtClean="0"/>
-              <a:t>2</a:t>
-            </a:fld>
-            <a:endParaRPr lang="en-US" dirty="0"/>
-          </a:p>
-        </p:txBody>
-      </p:sp>
-    </p:spTree>
-    <p:extLst>
-      <p:ext uri="{BB962C8B-B14F-4D97-AF65-F5344CB8AC3E}">
-        <p14:creationId xmlns:p14="http://schemas.microsoft.com/office/powerpoint/2010/main" val="866304276"/>
-      </p:ext>
-    </p:extLst>
-  </p:cSld>
-  <p:clrMapOvr>
-    <a:masterClrMapping/>
-  </p:clrMapOvr>
-</p:sld>
-</file>
-
-<file path=ppt/slides/slide20.xml><?xml version="1.0" encoding="utf-8"?>
-<p:sld xmlns:a="http://schemas.openxmlformats.org/drawingml/2006/main" xmlns:r="http://schemas.openxmlformats.org/officeDocument/2006/relationships" xmlns:p="http://schemas.openxmlformats.org/presentationml/2006/main">
-  <p:cSld>
-    <p:spTree>
-      <p:nvGrpSpPr>
-        <p:cNvPr id="1" name=""/>
-        <p:cNvGrpSpPr/>
-        <p:nvPr/>
-      </p:nvGrpSpPr>
-      <p:grpSpPr>
-        <a:xfrm>
-          <a:off x="0" y="0"/>
-          <a:ext cx="0" cy="0"/>
-          <a:chOff x="0" y="0"/>
-          <a:chExt cx="0" cy="0"/>
-        </a:xfrm>
-      </p:grpSpPr>
-      <p:sp>
-        <p:nvSpPr>
-          <p:cNvPr id="2" name="Title 1"/>
-          <p:cNvSpPr>
-            <a:spLocks noGrp="1"/>
-          </p:cNvSpPr>
-          <p:nvPr>
-            <p:ph type="title"/>
-          </p:nvPr>
-        </p:nvSpPr>
-        <p:spPr/>
-        <p:txBody>
-          <a:bodyPr/>
-          <a:lstStyle/>
-          <a:p>
-            <a:r>
-              <a:rPr lang="en-US" dirty="0"/>
               <a:t>Asymptotic Notation</a:t>
             </a:r>
           </a:p>
@@ -14685,10 +15033,10 @@
         <mc:Choice xmlns:p14="http://schemas.microsoft.com/office/powerpoint/2010/main" Requires="p14">
           <p:contentPart p14:bwMode="auto" r:id="rId3">
             <p14:nvContentPartPr>
-              <p14:cNvPr id="4" name="Ink 3">
+              <p14:cNvPr id="14" name="Ink 13">
                 <a:extLst>
                   <a:ext uri="{FF2B5EF4-FFF2-40B4-BE49-F238E27FC236}">
-                    <a16:creationId xmlns:a16="http://schemas.microsoft.com/office/drawing/2014/main" id="{1DA42F44-B427-AEBC-3512-689166A80EAB}"/>
+                    <a16:creationId xmlns:a16="http://schemas.microsoft.com/office/drawing/2014/main" id="{FC3FD018-FAD5-F341-C27F-270BFC6CC588}"/>
                   </a:ext>
                 </a:extLst>
               </p14:cNvPr>
@@ -14696,18 +15044,18 @@
               <p14:nvPr/>
             </p14:nvContentPartPr>
             <p14:xfrm>
-              <a:off x="1496520" y="2755440"/>
-              <a:ext cx="7426440" cy="930960"/>
+              <a:off x="3533400" y="2792160"/>
+              <a:ext cx="5291280" cy="863640"/>
             </p14:xfrm>
           </p:contentPart>
         </mc:Choice>
         <mc:Fallback>
           <p:pic>
             <p:nvPicPr>
-              <p:cNvPr id="4" name="Ink 3">
+              <p:cNvPr id="14" name="Ink 13">
                 <a:extLst>
                   <a:ext uri="{FF2B5EF4-FFF2-40B4-BE49-F238E27FC236}">
-                    <a16:creationId xmlns:a16="http://schemas.microsoft.com/office/drawing/2014/main" id="{1DA42F44-B427-AEBC-3512-689166A80EAB}"/>
+                    <a16:creationId xmlns:a16="http://schemas.microsoft.com/office/drawing/2014/main" id="{FC3FD018-FAD5-F341-C27F-270BFC6CC588}"/>
                   </a:ext>
                 </a:extLst>
               </p:cNvPr>
@@ -14722,8 +15070,8 @@
             </p:blipFill>
             <p:spPr>
               <a:xfrm>
-                <a:off x="1487160" y="2746080"/>
-                <a:ext cx="7445160" cy="949680"/>
+                <a:off x="3524040" y="2782800"/>
+                <a:ext cx="5310000" cy="882360"/>
               </a:xfrm>
               <a:prstGeom prst="rect">
                 <a:avLst/>
@@ -14745,7 +15093,7 @@
 </p:sld>
 </file>
 
-<file path=ppt/slides/slide21.xml><?xml version="1.0" encoding="utf-8"?>
+<file path=ppt/slides/slide22.xml><?xml version="1.0" encoding="utf-8"?>
 <p:sld xmlns:a="http://schemas.openxmlformats.org/drawingml/2006/main" xmlns:r="http://schemas.openxmlformats.org/officeDocument/2006/relationships" xmlns:p="http://schemas.openxmlformats.org/presentationml/2006/main">
   <p:cSld>
     <p:spTree>
@@ -15000,7 +15348,7 @@
 </p:sld>
 </file>
 
-<file path=ppt/slides/slide22.xml><?xml version="1.0" encoding="utf-8"?>
+<file path=ppt/slides/slide23.xml><?xml version="1.0" encoding="utf-8"?>
 <p:sld xmlns:a="http://schemas.openxmlformats.org/drawingml/2006/main" xmlns:r="http://schemas.openxmlformats.org/officeDocument/2006/relationships" xmlns:p="http://schemas.openxmlformats.org/presentationml/2006/main">
   <p:cSld>
     <p:spTree>
@@ -15438,7 +15786,7 @@
 </p:sld>
 </file>
 
-<file path=ppt/slides/slide23.xml><?xml version="1.0" encoding="utf-8"?>
+<file path=ppt/slides/slide24.xml><?xml version="1.0" encoding="utf-8"?>
 <p:sld xmlns:a="http://schemas.openxmlformats.org/drawingml/2006/main" xmlns:r="http://schemas.openxmlformats.org/officeDocument/2006/relationships" xmlns:p="http://schemas.openxmlformats.org/presentationml/2006/main">
   <p:cSld>
     <p:spTree>
@@ -16214,505 +16562,61 @@
           </p:sp>
         </mc:Fallback>
       </mc:AlternateContent>
-    </p:spTree>
-    <p:extLst>
-      <p:ext uri="{BB962C8B-B14F-4D97-AF65-F5344CB8AC3E}">
-        <p14:creationId xmlns:p14="http://schemas.microsoft.com/office/powerpoint/2010/main" val="2227011930"/>
-      </p:ext>
-    </p:extLst>
-  </p:cSld>
-  <p:clrMapOvr>
-    <a:masterClrMapping/>
-  </p:clrMapOvr>
-</p:sld>
-</file>
-
-<file path=ppt/slides/slide24.xml><?xml version="1.0" encoding="utf-8"?>
-<p:sld xmlns:a="http://schemas.openxmlformats.org/drawingml/2006/main" xmlns:r="http://schemas.openxmlformats.org/officeDocument/2006/relationships" xmlns:p="http://schemas.openxmlformats.org/presentationml/2006/main">
-  <p:cSld>
-    <p:spTree>
-      <p:nvGrpSpPr>
-        <p:cNvPr id="1" name=""/>
-        <p:cNvGrpSpPr/>
-        <p:nvPr/>
-      </p:nvGrpSpPr>
-      <p:grpSpPr>
-        <a:xfrm>
-          <a:off x="0" y="0"/>
-          <a:ext cx="0" cy="0"/>
-          <a:chOff x="0" y="0"/>
-          <a:chExt cx="0" cy="0"/>
-        </a:xfrm>
-      </p:grpSpPr>
-      <p:sp>
-        <p:nvSpPr>
-          <p:cNvPr id="2" name="Title 1"/>
-          <p:cNvSpPr>
-            <a:spLocks noGrp="1"/>
-          </p:cNvSpPr>
-          <p:nvPr>
-            <p:ph type="title"/>
-          </p:nvPr>
-        </p:nvSpPr>
-        <p:spPr/>
-        <p:txBody>
-          <a:bodyPr/>
-          <a:lstStyle/>
-          <a:p>
-            <a:r>
-              <a:rPr lang="en-US" dirty="0"/>
-              <a:t>Asymptotic Notation Example</a:t>
-            </a:r>
-          </a:p>
-        </p:txBody>
-      </p:sp>
-      <mc:AlternateContent xmlns:mc="http://schemas.openxmlformats.org/markup-compatibility/2006" xmlns:a14="http://schemas.microsoft.com/office/drawing/2010/main">
-        <mc:Choice Requires="a14">
-          <p:sp>
-            <p:nvSpPr>
-              <p:cNvPr id="3" name="Content Placeholder 2"/>
-              <p:cNvSpPr>
-                <a:spLocks noGrp="1"/>
-              </p:cNvSpPr>
-              <p:nvPr>
-                <p:ph idx="1"/>
-              </p:nvPr>
-            </p:nvSpPr>
+      <mc:AlternateContent xmlns:mc="http://schemas.openxmlformats.org/markup-compatibility/2006">
+        <mc:Choice xmlns:p14="http://schemas.microsoft.com/office/powerpoint/2010/main" Requires="p14">
+          <p:contentPart p14:bwMode="auto" r:id="rId3">
+            <p14:nvContentPartPr>
+              <p14:cNvPr id="5" name="Ink 4">
+                <a:extLst>
+                  <a:ext uri="{FF2B5EF4-FFF2-40B4-BE49-F238E27FC236}">
+                    <a16:creationId xmlns:a16="http://schemas.microsoft.com/office/drawing/2014/main" id="{A6FCEE8D-B3FE-C9E6-51D5-6B9B504367FF}"/>
+                  </a:ext>
+                </a:extLst>
+              </p14:cNvPr>
+              <p14:cNvContentPartPr/>
+              <p14:nvPr/>
+            </p14:nvContentPartPr>
+            <p14:xfrm>
+              <a:off x="1895760" y="2605320"/>
+              <a:ext cx="8010720" cy="2284560"/>
+            </p14:xfrm>
+          </p:contentPart>
+        </mc:Choice>
+        <mc:Fallback>
+          <p:pic>
+            <p:nvPicPr>
+              <p:cNvPr id="5" name="Ink 4">
+                <a:extLst>
+                  <a:ext uri="{FF2B5EF4-FFF2-40B4-BE49-F238E27FC236}">
+                    <a16:creationId xmlns:a16="http://schemas.microsoft.com/office/drawing/2014/main" id="{A6FCEE8D-B3FE-C9E6-51D5-6B9B504367FF}"/>
+                  </a:ext>
+                </a:extLst>
+              </p:cNvPr>
+              <p:cNvPicPr/>
+              <p:nvPr/>
+            </p:nvPicPr>
+            <p:blipFill>
+              <a:blip r:embed="rId4"/>
+              <a:stretch>
+                <a:fillRect/>
+              </a:stretch>
+            </p:blipFill>
             <p:spPr>
               <a:xfrm>
-                <a:off x="609600" y="1874837"/>
-                <a:ext cx="11430000" cy="4525963"/>
+                <a:off x="1886400" y="2595960"/>
+                <a:ext cx="8029440" cy="2303280"/>
               </a:xfrm>
+              <a:prstGeom prst="rect">
+                <a:avLst/>
+              </a:prstGeom>
             </p:spPr>
-            <p:txBody>
-              <a:bodyPr anchor="t"/>
-              <a:lstStyle/>
-              <a:p>
-                <a:r>
-                  <a:rPr lang="en-US" dirty="0"/>
-                  <a:t>Show: </a:t>
-                </a:r>
-                <a14:m>
-                  <m:oMath xmlns:m="http://schemas.openxmlformats.org/officeDocument/2006/math">
-                    <m:r>
-                      <a:rPr lang="en-US" b="0" i="0" smtClean="0">
-                        <a:latin typeface="Cambria Math" panose="02040503050406030204" pitchFamily="18" charset="0"/>
-                      </a:rPr>
-                      <m:t>13</m:t>
-                    </m:r>
-                    <m:sSup>
-                      <m:sSupPr>
-                        <m:ctrlPr>
-                          <a:rPr lang="en-US" b="0" i="1" smtClean="0">
-                            <a:latin typeface="Cambria Math" panose="02040503050406030204" pitchFamily="18" charset="0"/>
-                          </a:rPr>
-                        </m:ctrlPr>
-                      </m:sSupPr>
-                      <m:e>
-                        <m:r>
-                          <m:rPr>
-                            <m:sty m:val="p"/>
-                          </m:rPr>
-                          <a:rPr lang="en-US" b="0" i="0" smtClean="0">
-                            <a:latin typeface="Cambria Math" panose="02040503050406030204" pitchFamily="18" charset="0"/>
-                          </a:rPr>
-                          <m:t>n</m:t>
-                        </m:r>
-                      </m:e>
-                      <m:sup>
-                        <m:r>
-                          <a:rPr lang="en-US" b="0" i="0" smtClean="0">
-                            <a:latin typeface="Cambria Math" panose="02040503050406030204" pitchFamily="18" charset="0"/>
-                          </a:rPr>
-                          <m:t>2</m:t>
-                        </m:r>
-                      </m:sup>
-                    </m:sSup>
-                    <m:r>
-                      <a:rPr lang="en-US" b="0" i="0" smtClean="0">
-                        <a:latin typeface="Cambria Math" panose="02040503050406030204" pitchFamily="18" charset="0"/>
-                      </a:rPr>
-                      <m:t>−50</m:t>
-                    </m:r>
-                    <m:r>
-                      <m:rPr>
-                        <m:sty m:val="p"/>
-                      </m:rPr>
-                      <a:rPr lang="en-US" b="0" i="0" smtClean="0">
-                        <a:latin typeface="Cambria Math" panose="02040503050406030204" pitchFamily="18" charset="0"/>
-                      </a:rPr>
-                      <m:t>n</m:t>
-                    </m:r>
-                    <m:r>
-                      <a:rPr lang="en-US" b="0" i="1" smtClean="0">
-                        <a:latin typeface="Cambria Math"/>
-                      </a:rPr>
-                      <m:t>∈</m:t>
-                    </m:r>
-                    <m:r>
-                      <m:rPr>
-                        <m:sty m:val="p"/>
-                      </m:rPr>
-                      <a:rPr lang="en-US" b="0" i="0" smtClean="0">
-                        <a:latin typeface="Cambria Math" panose="02040503050406030204" pitchFamily="18" charset="0"/>
-                      </a:rPr>
-                      <m:t>Ω</m:t>
-                    </m:r>
-                    <m:d>
-                      <m:dPr>
-                        <m:ctrlPr>
-                          <a:rPr lang="en-US" b="0" i="1" smtClean="0">
-                            <a:latin typeface="Cambria Math" panose="02040503050406030204" pitchFamily="18" charset="0"/>
-                          </a:rPr>
-                        </m:ctrlPr>
-                      </m:dPr>
-                      <m:e>
-                        <m:sSup>
-                          <m:sSupPr>
-                            <m:ctrlPr>
-                              <a:rPr lang="en-US" b="0" i="1" smtClean="0">
-                                <a:latin typeface="Cambria Math" panose="02040503050406030204" pitchFamily="18" charset="0"/>
-                              </a:rPr>
-                            </m:ctrlPr>
-                          </m:sSupPr>
-                          <m:e>
-                            <m:r>
-                              <a:rPr lang="en-US" b="0" i="1" smtClean="0">
-                                <a:latin typeface="Cambria Math"/>
-                              </a:rPr>
-                              <m:t>𝑛</m:t>
-                            </m:r>
-                          </m:e>
-                          <m:sup>
-                            <m:r>
-                              <a:rPr lang="en-US" b="0" i="1" smtClean="0">
-                                <a:latin typeface="Cambria Math"/>
-                              </a:rPr>
-                              <m:t>2</m:t>
-                            </m:r>
-                          </m:sup>
-                        </m:sSup>
-                      </m:e>
-                    </m:d>
-                  </m:oMath>
-                </a14:m>
-                <a:endParaRPr lang="en-US" dirty="0"/>
-              </a:p>
-              <a:p>
-                <a:pPr lvl="1"/>
-                <a:r>
-                  <a:rPr lang="en-US" b="1" dirty="0"/>
-                  <a:t>Technique: </a:t>
-                </a:r>
-                <a:r>
-                  <a:rPr lang="en-US" dirty="0"/>
-                  <a:t>find values </a:t>
-                </a:r>
-                <a14:m>
-                  <m:oMath xmlns:m="http://schemas.openxmlformats.org/officeDocument/2006/math">
-                    <m:r>
-                      <a:rPr lang="en-US" b="0" i="1" smtClean="0">
-                        <a:latin typeface="Cambria Math" panose="02040503050406030204" pitchFamily="18" charset="0"/>
-                      </a:rPr>
-                      <m:t>𝑐</m:t>
-                    </m:r>
-                    <m:r>
-                      <a:rPr lang="en-US" b="0" i="1" smtClean="0">
-                        <a:latin typeface="Cambria Math" panose="02040503050406030204" pitchFamily="18" charset="0"/>
-                      </a:rPr>
-                      <m:t>&gt;0</m:t>
-                    </m:r>
-                  </m:oMath>
-                </a14:m>
-                <a:r>
-                  <a:rPr lang="en-US" dirty="0"/>
-                  <a:t> and </a:t>
-                </a:r>
-                <a14:m>
-                  <m:oMath xmlns:m="http://schemas.openxmlformats.org/officeDocument/2006/math">
-                    <m:sSub>
-                      <m:sSubPr>
-                        <m:ctrlPr>
-                          <a:rPr lang="en-US" b="0" i="1" smtClean="0">
-                            <a:latin typeface="Cambria Math" panose="02040503050406030204" pitchFamily="18" charset="0"/>
-                          </a:rPr>
-                        </m:ctrlPr>
-                      </m:sSubPr>
-                      <m:e>
-                        <m:r>
-                          <a:rPr lang="en-US" b="0" i="1" smtClean="0">
-                            <a:latin typeface="Cambria Math" panose="02040503050406030204" pitchFamily="18" charset="0"/>
-                          </a:rPr>
-                          <m:t>𝑛</m:t>
-                        </m:r>
-                      </m:e>
-                      <m:sub>
-                        <m:r>
-                          <a:rPr lang="en-US" b="0" i="1" smtClean="0">
-                            <a:latin typeface="Cambria Math" panose="02040503050406030204" pitchFamily="18" charset="0"/>
-                          </a:rPr>
-                          <m:t>0</m:t>
-                        </m:r>
-                      </m:sub>
-                    </m:sSub>
-                    <m:r>
-                      <a:rPr lang="en-US" b="0" i="1" smtClean="0">
-                        <a:latin typeface="Cambria Math" panose="02040503050406030204" pitchFamily="18" charset="0"/>
-                      </a:rPr>
-                      <m:t>&gt;0</m:t>
-                    </m:r>
-                  </m:oMath>
-                </a14:m>
-                <a:r>
-                  <a:rPr lang="en-US" dirty="0"/>
-                  <a:t> such that </a:t>
-                </a:r>
-                <a14:m>
-                  <m:oMath xmlns:m="http://schemas.openxmlformats.org/officeDocument/2006/math">
-                    <m:r>
-                      <a:rPr lang="en-US" b="0" i="1" smtClean="0">
-                        <a:latin typeface="Cambria Math" panose="02040503050406030204" pitchFamily="18" charset="0"/>
-                      </a:rPr>
-                      <m:t>∀</m:t>
-                    </m:r>
-                    <m:r>
-                      <a:rPr lang="en-US" b="0" i="1" smtClean="0">
-                        <a:latin typeface="Cambria Math" panose="02040503050406030204" pitchFamily="18" charset="0"/>
-                      </a:rPr>
-                      <m:t>𝑛</m:t>
-                    </m:r>
-                    <m:r>
-                      <a:rPr lang="en-US" b="0" i="1" smtClean="0">
-                        <a:latin typeface="Cambria Math" panose="02040503050406030204" pitchFamily="18" charset="0"/>
-                      </a:rPr>
-                      <m:t>≥</m:t>
-                    </m:r>
-                    <m:sSub>
-                      <m:sSubPr>
-                        <m:ctrlPr>
-                          <a:rPr lang="en-US" b="0" i="1" smtClean="0">
-                            <a:latin typeface="Cambria Math" panose="02040503050406030204" pitchFamily="18" charset="0"/>
-                          </a:rPr>
-                        </m:ctrlPr>
-                      </m:sSubPr>
-                      <m:e>
-                        <m:r>
-                          <a:rPr lang="en-US" b="0" i="1" smtClean="0">
-                            <a:latin typeface="Cambria Math" panose="02040503050406030204" pitchFamily="18" charset="0"/>
-                          </a:rPr>
-                          <m:t>𝑛</m:t>
-                        </m:r>
-                      </m:e>
-                      <m:sub>
-                        <m:r>
-                          <a:rPr lang="en-US" b="0" i="1" smtClean="0">
-                            <a:latin typeface="Cambria Math" panose="02040503050406030204" pitchFamily="18" charset="0"/>
-                          </a:rPr>
-                          <m:t>0</m:t>
-                        </m:r>
-                      </m:sub>
-                    </m:sSub>
-                    <m:r>
-                      <a:rPr lang="en-US" b="0" i="1" smtClean="0">
-                        <a:latin typeface="Cambria Math" panose="02040503050406030204" pitchFamily="18" charset="0"/>
-                      </a:rPr>
-                      <m:t>. 13</m:t>
-                    </m:r>
-                    <m:sSup>
-                      <m:sSupPr>
-                        <m:ctrlPr>
-                          <a:rPr lang="en-US" b="0" i="1" smtClean="0">
-                            <a:latin typeface="Cambria Math" panose="02040503050406030204" pitchFamily="18" charset="0"/>
-                          </a:rPr>
-                        </m:ctrlPr>
-                      </m:sSupPr>
-                      <m:e>
-                        <m:r>
-                          <a:rPr lang="en-US" b="0" i="1" smtClean="0">
-                            <a:latin typeface="Cambria Math" panose="02040503050406030204" pitchFamily="18" charset="0"/>
-                          </a:rPr>
-                          <m:t>𝑛</m:t>
-                        </m:r>
-                      </m:e>
-                      <m:sup>
-                        <m:r>
-                          <a:rPr lang="en-US" b="0" i="1" smtClean="0">
-                            <a:latin typeface="Cambria Math" panose="02040503050406030204" pitchFamily="18" charset="0"/>
-                          </a:rPr>
-                          <m:t>2</m:t>
-                        </m:r>
-                      </m:sup>
-                    </m:sSup>
-                    <m:r>
-                      <a:rPr lang="en-US" b="0" i="1" smtClean="0">
-                        <a:latin typeface="Cambria Math" panose="02040503050406030204" pitchFamily="18" charset="0"/>
-                      </a:rPr>
-                      <m:t>−50</m:t>
-                    </m:r>
-                    <m:r>
-                      <a:rPr lang="en-US" b="0" i="1" smtClean="0">
-                        <a:latin typeface="Cambria Math" panose="02040503050406030204" pitchFamily="18" charset="0"/>
-                      </a:rPr>
-                      <m:t>𝑛</m:t>
-                    </m:r>
-                    <m:r>
-                      <a:rPr lang="en-US" b="0" i="1" smtClean="0">
-                        <a:latin typeface="Cambria Math" panose="02040503050406030204" pitchFamily="18" charset="0"/>
-                      </a:rPr>
-                      <m:t>≥</m:t>
-                    </m:r>
-                    <m:r>
-                      <a:rPr lang="en-US" b="0" i="1" smtClean="0">
-                        <a:latin typeface="Cambria Math" panose="02040503050406030204" pitchFamily="18" charset="0"/>
-                      </a:rPr>
-                      <m:t>𝑐</m:t>
-                    </m:r>
-                    <m:r>
-                      <a:rPr lang="en-US" b="0" i="1" smtClean="0">
-                        <a:latin typeface="Cambria Math" panose="02040503050406030204" pitchFamily="18" charset="0"/>
-                      </a:rPr>
-                      <m:t>⋅</m:t>
-                    </m:r>
-                    <m:sSup>
-                      <m:sSupPr>
-                        <m:ctrlPr>
-                          <a:rPr lang="en-US" b="0" i="1" smtClean="0">
-                            <a:latin typeface="Cambria Math" panose="02040503050406030204" pitchFamily="18" charset="0"/>
-                          </a:rPr>
-                        </m:ctrlPr>
-                      </m:sSupPr>
-                      <m:e>
-                        <m:r>
-                          <a:rPr lang="en-US" b="0" i="1" smtClean="0">
-                            <a:latin typeface="Cambria Math" panose="02040503050406030204" pitchFamily="18" charset="0"/>
-                          </a:rPr>
-                          <m:t>𝑛</m:t>
-                        </m:r>
-                      </m:e>
-                      <m:sup>
-                        <m:r>
-                          <a:rPr lang="en-US" b="0" i="1" smtClean="0">
-                            <a:latin typeface="Cambria Math" panose="02040503050406030204" pitchFamily="18" charset="0"/>
-                          </a:rPr>
-                          <m:t>2</m:t>
-                        </m:r>
-                      </m:sup>
-                    </m:sSup>
-                  </m:oMath>
-                </a14:m>
-                <a:endParaRPr lang="en-US" dirty="0"/>
-              </a:p>
-              <a:p>
-                <a:pPr lvl="1"/>
-                <a:r>
-                  <a:rPr lang="en-US" b="1" dirty="0"/>
-                  <a:t>Proof: 	</a:t>
-                </a:r>
-              </a:p>
-              <a:p>
-                <a:pPr lvl="1"/>
-                <a14:m>
-                  <m:oMath xmlns:m="http://schemas.openxmlformats.org/officeDocument/2006/math">
-                    <m:r>
-                      <a:rPr lang="en-US" b="0" i="1" smtClean="0">
-                        <a:latin typeface="Cambria Math" panose="02040503050406030204" pitchFamily="18" charset="0"/>
-                      </a:rPr>
-                      <m:t>𝑐</m:t>
-                    </m:r>
-                    <m:r>
-                      <a:rPr lang="en-US" b="0" i="1" smtClean="0">
-                        <a:latin typeface="Cambria Math" panose="02040503050406030204" pitchFamily="18" charset="0"/>
-                      </a:rPr>
-                      <m:t>=</m:t>
-                    </m:r>
-                  </m:oMath>
-                </a14:m>
-                <a:endParaRPr lang="en-US" dirty="0"/>
-              </a:p>
-              <a:p>
-                <a:pPr lvl="1"/>
-                <a14:m>
-                  <m:oMath xmlns:m="http://schemas.openxmlformats.org/officeDocument/2006/math">
-                    <m:sSub>
-                      <m:sSubPr>
-                        <m:ctrlPr>
-                          <a:rPr lang="en-US" b="0" i="1" smtClean="0">
-                            <a:latin typeface="Cambria Math" panose="02040503050406030204" pitchFamily="18" charset="0"/>
-                          </a:rPr>
-                        </m:ctrlPr>
-                      </m:sSubPr>
-                      <m:e>
-                        <m:r>
-                          <a:rPr lang="en-US" b="0" i="1" smtClean="0">
-                            <a:latin typeface="Cambria Math" panose="02040503050406030204" pitchFamily="18" charset="0"/>
-                          </a:rPr>
-                          <m:t>𝑛</m:t>
-                        </m:r>
-                      </m:e>
-                      <m:sub>
-                        <m:r>
-                          <a:rPr lang="en-US" b="0" i="1" smtClean="0">
-                            <a:latin typeface="Cambria Math" panose="02040503050406030204" pitchFamily="18" charset="0"/>
-                          </a:rPr>
-                          <m:t>0</m:t>
-                        </m:r>
-                      </m:sub>
-                    </m:sSub>
-                    <m:r>
-                      <a:rPr lang="en-US" b="0" i="1" smtClean="0">
-                        <a:latin typeface="Cambria Math" panose="02040503050406030204" pitchFamily="18" charset="0"/>
-                      </a:rPr>
-                      <m:t>=</m:t>
-                    </m:r>
-                  </m:oMath>
-                </a14:m>
-                <a:endParaRPr lang="en-US" dirty="0"/>
-              </a:p>
-            </p:txBody>
-          </p:sp>
-        </mc:Choice>
-        <mc:Fallback xmlns="">
-          <p:sp>
-            <p:nvSpPr>
-              <p:cNvPr id="3" name="Content Placeholder 2"/>
-              <p:cNvSpPr>
-                <a:spLocks noGrp="1" noRot="1" noChangeAspect="1" noMove="1" noResize="1" noEditPoints="1" noAdjustHandles="1" noChangeArrowheads="1" noChangeShapeType="1" noTextEdit="1"/>
-              </p:cNvSpPr>
-              <p:nvPr>
-                <p:ph idx="1"/>
-              </p:nvPr>
-            </p:nvSpPr>
-            <p:spPr>
-              <a:xfrm>
-                <a:off x="609600" y="1874837"/>
-                <a:ext cx="11430000" cy="4525963"/>
-              </a:xfrm>
-              <a:blipFill>
-                <a:blip r:embed="rId2"/>
-                <a:stretch>
-                  <a:fillRect l="-960" t="-2291"/>
-                </a:stretch>
-              </a:blipFill>
-            </p:spPr>
-            <p:txBody>
-              <a:bodyPr/>
-              <a:lstStyle/>
-              <a:p>
-                <a:r>
-                  <a:rPr lang="en-US">
-                    <a:noFill/>
-                  </a:rPr>
-                  <a:t> </a:t>
-                </a:r>
-              </a:p>
-            </p:txBody>
-          </p:sp>
+          </p:pic>
         </mc:Fallback>
       </mc:AlternateContent>
     </p:spTree>
     <p:extLst>
       <p:ext uri="{BB962C8B-B14F-4D97-AF65-F5344CB8AC3E}">
-        <p14:creationId xmlns:p14="http://schemas.microsoft.com/office/powerpoint/2010/main" val="3539960301"/>
+        <p14:creationId xmlns:p14="http://schemas.microsoft.com/office/powerpoint/2010/main" val="2227011930"/>
       </p:ext>
     </p:extLst>
   </p:cSld>
@@ -17103,10 +17007,9 @@
                   <a:rPr lang="en-US" b="1" dirty="0"/>
                   <a:t>Proof: 	</a:t>
                 </a:r>
-                <a:r>
-                  <a:rPr lang="en-US" dirty="0"/>
-                  <a:t>let </a:t>
-                </a:r>
+              </a:p>
+              <a:p>
+                <a:pPr lvl="1"/>
                 <a14:m>
                   <m:oMath xmlns:m="http://schemas.openxmlformats.org/officeDocument/2006/math">
                     <m:r>
@@ -17119,14 +17022,14 @@
                       <a:rPr lang="en-US" b="0" i="1" smtClean="0">
                         <a:latin typeface="Cambria Math" panose="02040503050406030204" pitchFamily="18" charset="0"/>
                       </a:rPr>
-                      <m:t>=12</m:t>
+                      <m:t>=</m:t>
                     </m:r>
                   </m:oMath>
                 </a14:m>
-                <a:r>
-                  <a:rPr lang="en-US" dirty="0"/>
-                  <a:t> and </a:t>
-                </a:r>
+                <a:endParaRPr lang="en-US" dirty="0"/>
+              </a:p>
+              <a:p>
+                <a:pPr lvl="1"/>
                 <a14:m>
                   <m:oMath xmlns:m="http://schemas.openxmlformats.org/officeDocument/2006/math">
                     <m:sSub>
@@ -17158,392 +17061,11 @@
                       <a:rPr lang="en-US" b="0" i="1" smtClean="0">
                         <a:latin typeface="Cambria Math" panose="02040503050406030204" pitchFamily="18" charset="0"/>
                       </a:rPr>
-                      <m:t>=50</m:t>
-                    </m:r>
-                  </m:oMath>
-                </a14:m>
-                <a:r>
-                  <a:rPr lang="en-US" dirty="0"/>
-                  <a:t>. Show </a:t>
-                </a:r>
-                <a14:m>
-                  <m:oMath xmlns:m="http://schemas.openxmlformats.org/officeDocument/2006/math">
-                    <m:r>
-                      <a:rPr lang="en-US" b="0" i="1" smtClean="0">
-                        <a:latin typeface="Cambria Math" panose="02040503050406030204" pitchFamily="18" charset="0"/>
-                      </a:rPr>
-                      <m:t>∀</m:t>
-                    </m:r>
-                    <m:r>
-                      <a:rPr lang="en-US" b="0" i="1" smtClean="0">
-                        <a:latin typeface="Cambria Math" panose="02040503050406030204" pitchFamily="18" charset="0"/>
-                      </a:rPr>
-                      <m:t>𝑛</m:t>
-                    </m:r>
-                    <m:r>
-                      <a:rPr lang="en-US" b="0" i="1" smtClean="0">
-                        <a:latin typeface="Cambria Math" panose="02040503050406030204" pitchFamily="18" charset="0"/>
-                      </a:rPr>
-                      <m:t>≥50. 13</m:t>
-                    </m:r>
-                    <m:sSup>
-                      <m:sSupPr>
-                        <m:ctrlPr>
-                          <a:rPr lang="en-US" b="0" i="1" smtClean="0">
-                            <a:latin typeface="Cambria Math" panose="02040503050406030204" pitchFamily="18" charset="0"/>
-                          </a:rPr>
-                        </m:ctrlPr>
-                      </m:sSupPr>
-                      <m:e>
-                        <m:r>
-                          <a:rPr lang="en-US" b="0" i="1" smtClean="0">
-                            <a:latin typeface="Cambria Math" panose="02040503050406030204" pitchFamily="18" charset="0"/>
-                          </a:rPr>
-                          <m:t>𝑛</m:t>
-                        </m:r>
-                      </m:e>
-                      <m:sup>
-                        <m:r>
-                          <a:rPr lang="en-US" b="0" i="1" smtClean="0">
-                            <a:latin typeface="Cambria Math" panose="02040503050406030204" pitchFamily="18" charset="0"/>
-                          </a:rPr>
-                          <m:t>2</m:t>
-                        </m:r>
-                      </m:sup>
-                    </m:sSup>
-                    <m:r>
-                      <a:rPr lang="en-US" b="0" i="1" smtClean="0">
-                        <a:latin typeface="Cambria Math" panose="02040503050406030204" pitchFamily="18" charset="0"/>
-                      </a:rPr>
-                      <m:t>−50</m:t>
-                    </m:r>
-                    <m:r>
-                      <a:rPr lang="en-US" b="0" i="1" smtClean="0">
-                        <a:latin typeface="Cambria Math" panose="02040503050406030204" pitchFamily="18" charset="0"/>
-                      </a:rPr>
-                      <m:t>𝑛</m:t>
-                    </m:r>
-                    <m:r>
-                      <a:rPr lang="en-US" b="0" i="1" smtClean="0">
-                        <a:latin typeface="Cambria Math" panose="02040503050406030204" pitchFamily="18" charset="0"/>
-                      </a:rPr>
-                      <m:t>≥12</m:t>
-                    </m:r>
-                    <m:sSup>
-                      <m:sSupPr>
-                        <m:ctrlPr>
-                          <a:rPr lang="en-US" b="0" i="1" smtClean="0">
-                            <a:latin typeface="Cambria Math" panose="02040503050406030204" pitchFamily="18" charset="0"/>
-                          </a:rPr>
-                        </m:ctrlPr>
-                      </m:sSupPr>
-                      <m:e>
-                        <m:r>
-                          <a:rPr lang="en-US" b="0" i="1" smtClean="0">
-                            <a:latin typeface="Cambria Math" panose="02040503050406030204" pitchFamily="18" charset="0"/>
-                          </a:rPr>
-                          <m:t>𝑛</m:t>
-                        </m:r>
-                      </m:e>
-                      <m:sup>
-                        <m:r>
-                          <a:rPr lang="en-US" b="0" i="1" smtClean="0">
-                            <a:latin typeface="Cambria Math" panose="02040503050406030204" pitchFamily="18" charset="0"/>
-                          </a:rPr>
-                          <m:t>2</m:t>
-                        </m:r>
-                      </m:sup>
-                    </m:sSup>
+                      <m:t>=</m:t>
+                    </m:r>
                   </m:oMath>
                 </a14:m>
                 <a:endParaRPr lang="en-US" dirty="0"/>
-              </a:p>
-              <a:p>
-                <a:pPr marL="457200" lvl="1" indent="0">
-                  <a:buNone/>
-                </a:pPr>
-                <a:r>
-                  <a:rPr lang="en-US" dirty="0"/>
-                  <a:t>                    </a:t>
-                </a:r>
-                <a14:m>
-                  <m:oMath xmlns:m="http://schemas.openxmlformats.org/officeDocument/2006/math">
-                    <m:r>
-                      <a:rPr lang="en-US" b="0" i="1" smtClean="0">
-                        <a:latin typeface="Cambria Math" panose="02040503050406030204" pitchFamily="18" charset="0"/>
-                      </a:rPr>
-                      <m:t>13</m:t>
-                    </m:r>
-                    <m:sSup>
-                      <m:sSupPr>
-                        <m:ctrlPr>
-                          <a:rPr lang="en-US" b="0" i="1" smtClean="0">
-                            <a:latin typeface="Cambria Math" panose="02040503050406030204" pitchFamily="18" charset="0"/>
-                          </a:rPr>
-                        </m:ctrlPr>
-                      </m:sSupPr>
-                      <m:e>
-                        <m:r>
-                          <a:rPr lang="en-US" b="0" i="1" smtClean="0">
-                            <a:latin typeface="Cambria Math" panose="02040503050406030204" pitchFamily="18" charset="0"/>
-                          </a:rPr>
-                          <m:t>𝑛</m:t>
-                        </m:r>
-                      </m:e>
-                      <m:sup>
-                        <m:r>
-                          <a:rPr lang="en-US" b="0" i="1" smtClean="0">
-                            <a:latin typeface="Cambria Math" panose="02040503050406030204" pitchFamily="18" charset="0"/>
-                          </a:rPr>
-                          <m:t>2</m:t>
-                        </m:r>
-                      </m:sup>
-                    </m:sSup>
-                    <m:r>
-                      <a:rPr lang="en-US" b="0" i="1" smtClean="0">
-                        <a:latin typeface="Cambria Math" panose="02040503050406030204" pitchFamily="18" charset="0"/>
-                      </a:rPr>
-                      <m:t>−50</m:t>
-                    </m:r>
-                    <m:r>
-                      <a:rPr lang="en-US" b="0" i="1" smtClean="0">
-                        <a:latin typeface="Cambria Math" panose="02040503050406030204" pitchFamily="18" charset="0"/>
-                      </a:rPr>
-                      <m:t>𝑛</m:t>
-                    </m:r>
-                    <m:r>
-                      <a:rPr lang="en-US" b="0" i="1" smtClean="0">
-                        <a:latin typeface="Cambria Math" panose="02040503050406030204" pitchFamily="18" charset="0"/>
-                      </a:rPr>
-                      <m:t>≥12</m:t>
-                    </m:r>
-                    <m:sSup>
-                      <m:sSupPr>
-                        <m:ctrlPr>
-                          <a:rPr lang="en-US" b="0" i="1" smtClean="0">
-                            <a:latin typeface="Cambria Math" panose="02040503050406030204" pitchFamily="18" charset="0"/>
-                          </a:rPr>
-                        </m:ctrlPr>
-                      </m:sSupPr>
-                      <m:e>
-                        <m:r>
-                          <a:rPr lang="en-US" b="0" i="1" smtClean="0">
-                            <a:latin typeface="Cambria Math" panose="02040503050406030204" pitchFamily="18" charset="0"/>
-                          </a:rPr>
-                          <m:t>𝑛</m:t>
-                        </m:r>
-                      </m:e>
-                      <m:sup>
-                        <m:r>
-                          <a:rPr lang="en-US" b="0" i="1" smtClean="0">
-                            <a:latin typeface="Cambria Math" panose="02040503050406030204" pitchFamily="18" charset="0"/>
-                          </a:rPr>
-                          <m:t>2</m:t>
-                        </m:r>
-                      </m:sup>
-                    </m:sSup>
-                  </m:oMath>
-                </a14:m>
-                <a:endParaRPr lang="en-US" dirty="0"/>
-              </a:p>
-              <a:p>
-                <a:pPr marL="457200" lvl="1" indent="0">
-                  <a:buNone/>
-                </a:pPr>
-                <a:r>
-                  <a:rPr lang="en-US" dirty="0"/>
-                  <a:t>                </a:t>
-                </a:r>
-                <a14:m>
-                  <m:oMath xmlns:m="http://schemas.openxmlformats.org/officeDocument/2006/math">
-                    <m:r>
-                      <a:rPr lang="en-US" b="0" i="1" smtClean="0">
-                        <a:latin typeface="Cambria Math" panose="02040503050406030204" pitchFamily="18" charset="0"/>
-                      </a:rPr>
-                      <m:t>≡</m:t>
-                    </m:r>
-                    <m:sSup>
-                      <m:sSupPr>
-                        <m:ctrlPr>
-                          <a:rPr lang="en-US" b="0" i="1" smtClean="0">
-                            <a:latin typeface="Cambria Math" panose="02040503050406030204" pitchFamily="18" charset="0"/>
-                          </a:rPr>
-                        </m:ctrlPr>
-                      </m:sSupPr>
-                      <m:e>
-                        <m:r>
-                          <a:rPr lang="en-US" b="0" i="1" smtClean="0">
-                            <a:latin typeface="Cambria Math" panose="02040503050406030204" pitchFamily="18" charset="0"/>
-                          </a:rPr>
-                          <m:t>𝑛</m:t>
-                        </m:r>
-                      </m:e>
-                      <m:sup>
-                        <m:r>
-                          <a:rPr lang="en-US" b="0" i="1" smtClean="0">
-                            <a:latin typeface="Cambria Math" panose="02040503050406030204" pitchFamily="18" charset="0"/>
-                          </a:rPr>
-                          <m:t>2</m:t>
-                        </m:r>
-                      </m:sup>
-                    </m:sSup>
-                    <m:r>
-                      <a:rPr lang="en-US" b="0" i="1" smtClean="0">
-                        <a:latin typeface="Cambria Math" panose="02040503050406030204" pitchFamily="18" charset="0"/>
-                      </a:rPr>
-                      <m:t>−50</m:t>
-                    </m:r>
-                    <m:r>
-                      <a:rPr lang="en-US" b="0" i="1" smtClean="0">
-                        <a:latin typeface="Cambria Math" panose="02040503050406030204" pitchFamily="18" charset="0"/>
-                      </a:rPr>
-                      <m:t>𝑛</m:t>
-                    </m:r>
-                    <m:r>
-                      <a:rPr lang="en-US" b="0" i="1" smtClean="0">
-                        <a:latin typeface="Cambria Math" panose="02040503050406030204" pitchFamily="18" charset="0"/>
-                      </a:rPr>
-                      <m:t>≥0</m:t>
-                    </m:r>
-                  </m:oMath>
-                </a14:m>
-                <a:endParaRPr lang="en-US" dirty="0"/>
-              </a:p>
-              <a:p>
-                <a:pPr marL="457200" lvl="1" indent="0">
-                  <a:buNone/>
-                </a:pPr>
-                <a:r>
-                  <a:rPr lang="en-US" dirty="0"/>
-                  <a:t>                </a:t>
-                </a:r>
-                <a14:m>
-                  <m:oMath xmlns:m="http://schemas.openxmlformats.org/officeDocument/2006/math">
-                    <m:r>
-                      <a:rPr lang="en-US" b="0" i="1" smtClean="0">
-                        <a:latin typeface="Cambria Math" panose="02040503050406030204" pitchFamily="18" charset="0"/>
-                      </a:rPr>
-                      <m:t>≡</m:t>
-                    </m:r>
-                    <m:sSup>
-                      <m:sSupPr>
-                        <m:ctrlPr>
-                          <a:rPr lang="en-US" b="0" i="1" smtClean="0">
-                            <a:latin typeface="Cambria Math" panose="02040503050406030204" pitchFamily="18" charset="0"/>
-                          </a:rPr>
-                        </m:ctrlPr>
-                      </m:sSupPr>
-                      <m:e>
-                        <m:r>
-                          <a:rPr lang="en-US" b="0" i="1" smtClean="0">
-                            <a:latin typeface="Cambria Math" panose="02040503050406030204" pitchFamily="18" charset="0"/>
-                          </a:rPr>
-                          <m:t>𝑛</m:t>
-                        </m:r>
-                      </m:e>
-                      <m:sup>
-                        <m:r>
-                          <a:rPr lang="en-US" b="0" i="1" smtClean="0">
-                            <a:latin typeface="Cambria Math" panose="02040503050406030204" pitchFamily="18" charset="0"/>
-                          </a:rPr>
-                          <m:t>2</m:t>
-                        </m:r>
-                      </m:sup>
-                    </m:sSup>
-                    <m:r>
-                      <a:rPr lang="en-US" b="0" i="1" smtClean="0">
-                        <a:latin typeface="Cambria Math" panose="02040503050406030204" pitchFamily="18" charset="0"/>
-                      </a:rPr>
-                      <m:t>≥50</m:t>
-                    </m:r>
-                    <m:r>
-                      <a:rPr lang="en-US" b="0" i="1" smtClean="0">
-                        <a:latin typeface="Cambria Math" panose="02040503050406030204" pitchFamily="18" charset="0"/>
-                      </a:rPr>
-                      <m:t>𝑛</m:t>
-                    </m:r>
-                  </m:oMath>
-                </a14:m>
-                <a:endParaRPr lang="en-US" dirty="0"/>
-              </a:p>
-              <a:p>
-                <a:pPr marL="457200" lvl="1" indent="0">
-                  <a:buNone/>
-                </a:pPr>
-                <a:r>
-                  <a:rPr lang="en-US" dirty="0"/>
-                  <a:t>                </a:t>
-                </a:r>
-                <a14:m>
-                  <m:oMath xmlns:m="http://schemas.openxmlformats.org/officeDocument/2006/math">
-                    <m:r>
-                      <a:rPr lang="en-US" b="0" i="1" smtClean="0">
-                        <a:latin typeface="Cambria Math" panose="02040503050406030204" pitchFamily="18" charset="0"/>
-                      </a:rPr>
-                      <m:t>≡</m:t>
-                    </m:r>
-                    <m:r>
-                      <a:rPr lang="en-US" b="0" i="1" smtClean="0">
-                        <a:latin typeface="Cambria Math" panose="02040503050406030204" pitchFamily="18" charset="0"/>
-                      </a:rPr>
-                      <m:t>𝑛</m:t>
-                    </m:r>
-                    <m:r>
-                      <a:rPr lang="en-US" b="0" i="1" smtClean="0">
-                        <a:latin typeface="Cambria Math" panose="02040503050406030204" pitchFamily="18" charset="0"/>
-                      </a:rPr>
-                      <m:t>≥50</m:t>
-                    </m:r>
-                  </m:oMath>
-                </a14:m>
-                <a:r>
-                  <a:rPr lang="en-US" dirty="0"/>
-                  <a:t> </a:t>
-                </a:r>
-              </a:p>
-              <a:p>
-                <a:pPr marL="457200" lvl="1" indent="0">
-                  <a:buNone/>
-                </a:pPr>
-                <a:r>
-                  <a:rPr lang="en-US" dirty="0"/>
-                  <a:t>                This is certainly true </a:t>
-                </a:r>
-                <a14:m>
-                  <m:oMath xmlns:m="http://schemas.openxmlformats.org/officeDocument/2006/math">
-                    <m:r>
-                      <a:rPr lang="en-US" b="0" i="1" smtClean="0">
-                        <a:latin typeface="Cambria Math" panose="02040503050406030204" pitchFamily="18" charset="0"/>
-                      </a:rPr>
-                      <m:t>∀</m:t>
-                    </m:r>
-                    <m:r>
-                      <a:rPr lang="en-US" b="0" i="1" smtClean="0">
-                        <a:latin typeface="Cambria Math" panose="02040503050406030204" pitchFamily="18" charset="0"/>
-                      </a:rPr>
-                      <m:t>𝑛</m:t>
-                    </m:r>
-                    <m:r>
-                      <a:rPr lang="en-US" b="0" i="1" smtClean="0">
-                        <a:latin typeface="Cambria Math" panose="02040503050406030204" pitchFamily="18" charset="0"/>
-                      </a:rPr>
-                      <m:t>≥50</m:t>
-                    </m:r>
-                  </m:oMath>
-                </a14:m>
-                <a:r>
-                  <a:rPr lang="en-US" dirty="0"/>
-                  <a:t>.</a:t>
-                </a:r>
-              </a:p>
-              <a:p>
-                <a:pPr marL="457200" lvl="1" indent="0">
-                  <a:buNone/>
-                </a:pPr>
-                <a:r>
-                  <a:rPr lang="en-US" dirty="0"/>
-                  <a:t>                     </a:t>
-                </a:r>
               </a:p>
             </p:txBody>
           </p:sp>
@@ -17589,7 +17111,7 @@
     </p:spTree>
     <p:extLst>
       <p:ext uri="{BB962C8B-B14F-4D97-AF65-F5344CB8AC3E}">
-        <p14:creationId xmlns:p14="http://schemas.microsoft.com/office/powerpoint/2010/main" val="2092280437"/>
+        <p14:creationId xmlns:p14="http://schemas.microsoft.com/office/powerpoint/2010/main" val="3539960301"/>
       </p:ext>
     </p:extLst>
   </p:cSld>
@@ -17653,6 +17175,883 @@
             <p:spPr>
               <a:xfrm>
                 <a:off x="609600" y="1874837"/>
+                <a:ext cx="11430000" cy="4525963"/>
+              </a:xfrm>
+            </p:spPr>
+            <p:txBody>
+              <a:bodyPr anchor="t"/>
+              <a:lstStyle/>
+              <a:p>
+                <a:r>
+                  <a:rPr lang="en-US" dirty="0"/>
+                  <a:t>Show: </a:t>
+                </a:r>
+                <a14:m>
+                  <m:oMath xmlns:m="http://schemas.openxmlformats.org/officeDocument/2006/math">
+                    <m:r>
+                      <a:rPr lang="en-US" b="0" i="0" smtClean="0">
+                        <a:latin typeface="Cambria Math" panose="02040503050406030204" pitchFamily="18" charset="0"/>
+                      </a:rPr>
+                      <m:t>13</m:t>
+                    </m:r>
+                    <m:sSup>
+                      <m:sSupPr>
+                        <m:ctrlPr>
+                          <a:rPr lang="en-US" b="0" i="1" smtClean="0">
+                            <a:latin typeface="Cambria Math" panose="02040503050406030204" pitchFamily="18" charset="0"/>
+                          </a:rPr>
+                        </m:ctrlPr>
+                      </m:sSupPr>
+                      <m:e>
+                        <m:r>
+                          <m:rPr>
+                            <m:sty m:val="p"/>
+                          </m:rPr>
+                          <a:rPr lang="en-US" b="0" i="0" smtClean="0">
+                            <a:latin typeface="Cambria Math" panose="02040503050406030204" pitchFamily="18" charset="0"/>
+                          </a:rPr>
+                          <m:t>n</m:t>
+                        </m:r>
+                      </m:e>
+                      <m:sup>
+                        <m:r>
+                          <a:rPr lang="en-US" b="0" i="0" smtClean="0">
+                            <a:latin typeface="Cambria Math" panose="02040503050406030204" pitchFamily="18" charset="0"/>
+                          </a:rPr>
+                          <m:t>2</m:t>
+                        </m:r>
+                      </m:sup>
+                    </m:sSup>
+                    <m:r>
+                      <a:rPr lang="en-US" b="0" i="0" smtClean="0">
+                        <a:latin typeface="Cambria Math" panose="02040503050406030204" pitchFamily="18" charset="0"/>
+                      </a:rPr>
+                      <m:t>−50</m:t>
+                    </m:r>
+                    <m:r>
+                      <m:rPr>
+                        <m:sty m:val="p"/>
+                      </m:rPr>
+                      <a:rPr lang="en-US" b="0" i="0" smtClean="0">
+                        <a:latin typeface="Cambria Math" panose="02040503050406030204" pitchFamily="18" charset="0"/>
+                      </a:rPr>
+                      <m:t>n</m:t>
+                    </m:r>
+                    <m:r>
+                      <a:rPr lang="en-US" b="0" i="1" smtClean="0">
+                        <a:latin typeface="Cambria Math"/>
+                      </a:rPr>
+                      <m:t>∈</m:t>
+                    </m:r>
+                    <m:r>
+                      <m:rPr>
+                        <m:sty m:val="p"/>
+                      </m:rPr>
+                      <a:rPr lang="en-US" b="0" i="0" smtClean="0">
+                        <a:latin typeface="Cambria Math" panose="02040503050406030204" pitchFamily="18" charset="0"/>
+                      </a:rPr>
+                      <m:t>Ω</m:t>
+                    </m:r>
+                    <m:d>
+                      <m:dPr>
+                        <m:ctrlPr>
+                          <a:rPr lang="en-US" b="0" i="1" smtClean="0">
+                            <a:latin typeface="Cambria Math" panose="02040503050406030204" pitchFamily="18" charset="0"/>
+                          </a:rPr>
+                        </m:ctrlPr>
+                      </m:dPr>
+                      <m:e>
+                        <m:sSup>
+                          <m:sSupPr>
+                            <m:ctrlPr>
+                              <a:rPr lang="en-US" b="0" i="1" smtClean="0">
+                                <a:latin typeface="Cambria Math" panose="02040503050406030204" pitchFamily="18" charset="0"/>
+                              </a:rPr>
+                            </m:ctrlPr>
+                          </m:sSupPr>
+                          <m:e>
+                            <m:r>
+                              <a:rPr lang="en-US" b="0" i="1" smtClean="0">
+                                <a:latin typeface="Cambria Math"/>
+                              </a:rPr>
+                              <m:t>𝑛</m:t>
+                            </m:r>
+                          </m:e>
+                          <m:sup>
+                            <m:r>
+                              <a:rPr lang="en-US" b="0" i="1" smtClean="0">
+                                <a:latin typeface="Cambria Math"/>
+                              </a:rPr>
+                              <m:t>2</m:t>
+                            </m:r>
+                          </m:sup>
+                        </m:sSup>
+                      </m:e>
+                    </m:d>
+                  </m:oMath>
+                </a14:m>
+                <a:endParaRPr lang="en-US" dirty="0"/>
+              </a:p>
+              <a:p>
+                <a:pPr lvl="1"/>
+                <a:r>
+                  <a:rPr lang="en-US" b="1" dirty="0"/>
+                  <a:t>Technique: </a:t>
+                </a:r>
+                <a:r>
+                  <a:rPr lang="en-US" dirty="0"/>
+                  <a:t>find values </a:t>
+                </a:r>
+                <a14:m>
+                  <m:oMath xmlns:m="http://schemas.openxmlformats.org/officeDocument/2006/math">
+                    <m:r>
+                      <a:rPr lang="en-US" b="0" i="1" smtClean="0">
+                        <a:latin typeface="Cambria Math" panose="02040503050406030204" pitchFamily="18" charset="0"/>
+                      </a:rPr>
+                      <m:t>𝑐</m:t>
+                    </m:r>
+                    <m:r>
+                      <a:rPr lang="en-US" b="0" i="1" smtClean="0">
+                        <a:latin typeface="Cambria Math" panose="02040503050406030204" pitchFamily="18" charset="0"/>
+                      </a:rPr>
+                      <m:t>&gt;0</m:t>
+                    </m:r>
+                  </m:oMath>
+                </a14:m>
+                <a:r>
+                  <a:rPr lang="en-US" dirty="0"/>
+                  <a:t> and </a:t>
+                </a:r>
+                <a14:m>
+                  <m:oMath xmlns:m="http://schemas.openxmlformats.org/officeDocument/2006/math">
+                    <m:sSub>
+                      <m:sSubPr>
+                        <m:ctrlPr>
+                          <a:rPr lang="en-US" b="0" i="1" smtClean="0">
+                            <a:latin typeface="Cambria Math" panose="02040503050406030204" pitchFamily="18" charset="0"/>
+                          </a:rPr>
+                        </m:ctrlPr>
+                      </m:sSubPr>
+                      <m:e>
+                        <m:r>
+                          <a:rPr lang="en-US" b="0" i="1" smtClean="0">
+                            <a:latin typeface="Cambria Math" panose="02040503050406030204" pitchFamily="18" charset="0"/>
+                          </a:rPr>
+                          <m:t>𝑛</m:t>
+                        </m:r>
+                      </m:e>
+                      <m:sub>
+                        <m:r>
+                          <a:rPr lang="en-US" b="0" i="1" smtClean="0">
+                            <a:latin typeface="Cambria Math" panose="02040503050406030204" pitchFamily="18" charset="0"/>
+                          </a:rPr>
+                          <m:t>0</m:t>
+                        </m:r>
+                      </m:sub>
+                    </m:sSub>
+                    <m:r>
+                      <a:rPr lang="en-US" b="0" i="1" smtClean="0">
+                        <a:latin typeface="Cambria Math" panose="02040503050406030204" pitchFamily="18" charset="0"/>
+                      </a:rPr>
+                      <m:t>&gt;0</m:t>
+                    </m:r>
+                  </m:oMath>
+                </a14:m>
+                <a:r>
+                  <a:rPr lang="en-US" dirty="0"/>
+                  <a:t> such that </a:t>
+                </a:r>
+                <a14:m>
+                  <m:oMath xmlns:m="http://schemas.openxmlformats.org/officeDocument/2006/math">
+                    <m:r>
+                      <a:rPr lang="en-US" b="0" i="1" smtClean="0">
+                        <a:latin typeface="Cambria Math" panose="02040503050406030204" pitchFamily="18" charset="0"/>
+                      </a:rPr>
+                      <m:t>∀</m:t>
+                    </m:r>
+                    <m:r>
+                      <a:rPr lang="en-US" b="0" i="1" smtClean="0">
+                        <a:latin typeface="Cambria Math" panose="02040503050406030204" pitchFamily="18" charset="0"/>
+                      </a:rPr>
+                      <m:t>𝑛</m:t>
+                    </m:r>
+                    <m:r>
+                      <a:rPr lang="en-US" b="0" i="1" smtClean="0">
+                        <a:latin typeface="Cambria Math" panose="02040503050406030204" pitchFamily="18" charset="0"/>
+                      </a:rPr>
+                      <m:t>≥</m:t>
+                    </m:r>
+                    <m:sSub>
+                      <m:sSubPr>
+                        <m:ctrlPr>
+                          <a:rPr lang="en-US" b="0" i="1" smtClean="0">
+                            <a:latin typeface="Cambria Math" panose="02040503050406030204" pitchFamily="18" charset="0"/>
+                          </a:rPr>
+                        </m:ctrlPr>
+                      </m:sSubPr>
+                      <m:e>
+                        <m:r>
+                          <a:rPr lang="en-US" b="0" i="1" smtClean="0">
+                            <a:latin typeface="Cambria Math" panose="02040503050406030204" pitchFamily="18" charset="0"/>
+                          </a:rPr>
+                          <m:t>𝑛</m:t>
+                        </m:r>
+                      </m:e>
+                      <m:sub>
+                        <m:r>
+                          <a:rPr lang="en-US" b="0" i="1" smtClean="0">
+                            <a:latin typeface="Cambria Math" panose="02040503050406030204" pitchFamily="18" charset="0"/>
+                          </a:rPr>
+                          <m:t>0</m:t>
+                        </m:r>
+                      </m:sub>
+                    </m:sSub>
+                    <m:r>
+                      <a:rPr lang="en-US" b="0" i="1" smtClean="0">
+                        <a:latin typeface="Cambria Math" panose="02040503050406030204" pitchFamily="18" charset="0"/>
+                      </a:rPr>
+                      <m:t>. 13</m:t>
+                    </m:r>
+                    <m:sSup>
+                      <m:sSupPr>
+                        <m:ctrlPr>
+                          <a:rPr lang="en-US" b="0" i="1" smtClean="0">
+                            <a:latin typeface="Cambria Math" panose="02040503050406030204" pitchFamily="18" charset="0"/>
+                          </a:rPr>
+                        </m:ctrlPr>
+                      </m:sSupPr>
+                      <m:e>
+                        <m:r>
+                          <a:rPr lang="en-US" b="0" i="1" smtClean="0">
+                            <a:latin typeface="Cambria Math" panose="02040503050406030204" pitchFamily="18" charset="0"/>
+                          </a:rPr>
+                          <m:t>𝑛</m:t>
+                        </m:r>
+                      </m:e>
+                      <m:sup>
+                        <m:r>
+                          <a:rPr lang="en-US" b="0" i="1" smtClean="0">
+                            <a:latin typeface="Cambria Math" panose="02040503050406030204" pitchFamily="18" charset="0"/>
+                          </a:rPr>
+                          <m:t>2</m:t>
+                        </m:r>
+                      </m:sup>
+                    </m:sSup>
+                    <m:r>
+                      <a:rPr lang="en-US" b="0" i="1" smtClean="0">
+                        <a:latin typeface="Cambria Math" panose="02040503050406030204" pitchFamily="18" charset="0"/>
+                      </a:rPr>
+                      <m:t>−50</m:t>
+                    </m:r>
+                    <m:r>
+                      <a:rPr lang="en-US" b="0" i="1" smtClean="0">
+                        <a:latin typeface="Cambria Math" panose="02040503050406030204" pitchFamily="18" charset="0"/>
+                      </a:rPr>
+                      <m:t>𝑛</m:t>
+                    </m:r>
+                    <m:r>
+                      <a:rPr lang="en-US" b="0" i="1" smtClean="0">
+                        <a:latin typeface="Cambria Math" panose="02040503050406030204" pitchFamily="18" charset="0"/>
+                      </a:rPr>
+                      <m:t>≥</m:t>
+                    </m:r>
+                    <m:r>
+                      <a:rPr lang="en-US" b="0" i="1" smtClean="0">
+                        <a:latin typeface="Cambria Math" panose="02040503050406030204" pitchFamily="18" charset="0"/>
+                      </a:rPr>
+                      <m:t>𝑐</m:t>
+                    </m:r>
+                    <m:r>
+                      <a:rPr lang="en-US" b="0" i="1" smtClean="0">
+                        <a:latin typeface="Cambria Math" panose="02040503050406030204" pitchFamily="18" charset="0"/>
+                      </a:rPr>
+                      <m:t>⋅</m:t>
+                    </m:r>
+                    <m:sSup>
+                      <m:sSupPr>
+                        <m:ctrlPr>
+                          <a:rPr lang="en-US" b="0" i="1" smtClean="0">
+                            <a:latin typeface="Cambria Math" panose="02040503050406030204" pitchFamily="18" charset="0"/>
+                          </a:rPr>
+                        </m:ctrlPr>
+                      </m:sSupPr>
+                      <m:e>
+                        <m:r>
+                          <a:rPr lang="en-US" b="0" i="1" smtClean="0">
+                            <a:latin typeface="Cambria Math" panose="02040503050406030204" pitchFamily="18" charset="0"/>
+                          </a:rPr>
+                          <m:t>𝑛</m:t>
+                        </m:r>
+                      </m:e>
+                      <m:sup>
+                        <m:r>
+                          <a:rPr lang="en-US" b="0" i="1" smtClean="0">
+                            <a:latin typeface="Cambria Math" panose="02040503050406030204" pitchFamily="18" charset="0"/>
+                          </a:rPr>
+                          <m:t>2</m:t>
+                        </m:r>
+                      </m:sup>
+                    </m:sSup>
+                  </m:oMath>
+                </a14:m>
+                <a:endParaRPr lang="en-US" dirty="0"/>
+              </a:p>
+              <a:p>
+                <a:pPr lvl="1"/>
+                <a:r>
+                  <a:rPr lang="en-US" b="1" dirty="0"/>
+                  <a:t>Proof: 	</a:t>
+                </a:r>
+                <a:r>
+                  <a:rPr lang="en-US" dirty="0"/>
+                  <a:t>let </a:t>
+                </a:r>
+                <a14:m>
+                  <m:oMath xmlns:m="http://schemas.openxmlformats.org/officeDocument/2006/math">
+                    <m:r>
+                      <a:rPr lang="en-US" b="0" i="1" smtClean="0">
+                        <a:latin typeface="Cambria Math" panose="02040503050406030204" pitchFamily="18" charset="0"/>
+                      </a:rPr>
+                      <m:t>𝑐</m:t>
+                    </m:r>
+                    <m:r>
+                      <a:rPr lang="en-US" b="0" i="1" smtClean="0">
+                        <a:latin typeface="Cambria Math" panose="02040503050406030204" pitchFamily="18" charset="0"/>
+                      </a:rPr>
+                      <m:t>=12</m:t>
+                    </m:r>
+                  </m:oMath>
+                </a14:m>
+                <a:r>
+                  <a:rPr lang="en-US" dirty="0"/>
+                  <a:t> and </a:t>
+                </a:r>
+                <a14:m>
+                  <m:oMath xmlns:m="http://schemas.openxmlformats.org/officeDocument/2006/math">
+                    <m:sSub>
+                      <m:sSubPr>
+                        <m:ctrlPr>
+                          <a:rPr lang="en-US" b="0" i="1" smtClean="0">
+                            <a:latin typeface="Cambria Math" panose="02040503050406030204" pitchFamily="18" charset="0"/>
+                          </a:rPr>
+                        </m:ctrlPr>
+                      </m:sSubPr>
+                      <m:e>
+                        <m:r>
+                          <a:rPr lang="en-US" b="0" i="1" smtClean="0">
+                            <a:latin typeface="Cambria Math" panose="02040503050406030204" pitchFamily="18" charset="0"/>
+                          </a:rPr>
+                          <m:t>𝑛</m:t>
+                        </m:r>
+                      </m:e>
+                      <m:sub>
+                        <m:r>
+                          <a:rPr lang="en-US" b="0" i="1" smtClean="0">
+                            <a:latin typeface="Cambria Math" panose="02040503050406030204" pitchFamily="18" charset="0"/>
+                          </a:rPr>
+                          <m:t>0</m:t>
+                        </m:r>
+                      </m:sub>
+                    </m:sSub>
+                    <m:r>
+                      <a:rPr lang="en-US" b="0" i="1" smtClean="0">
+                        <a:latin typeface="Cambria Math" panose="02040503050406030204" pitchFamily="18" charset="0"/>
+                      </a:rPr>
+                      <m:t>=50</m:t>
+                    </m:r>
+                  </m:oMath>
+                </a14:m>
+                <a:r>
+                  <a:rPr lang="en-US" dirty="0"/>
+                  <a:t>. Show </a:t>
+                </a:r>
+                <a14:m>
+                  <m:oMath xmlns:m="http://schemas.openxmlformats.org/officeDocument/2006/math">
+                    <m:r>
+                      <a:rPr lang="en-US" b="0" i="1" smtClean="0">
+                        <a:latin typeface="Cambria Math" panose="02040503050406030204" pitchFamily="18" charset="0"/>
+                      </a:rPr>
+                      <m:t>∀</m:t>
+                    </m:r>
+                    <m:r>
+                      <a:rPr lang="en-US" b="0" i="1" smtClean="0">
+                        <a:latin typeface="Cambria Math" panose="02040503050406030204" pitchFamily="18" charset="0"/>
+                      </a:rPr>
+                      <m:t>𝑛</m:t>
+                    </m:r>
+                    <m:r>
+                      <a:rPr lang="en-US" b="0" i="1" smtClean="0">
+                        <a:latin typeface="Cambria Math" panose="02040503050406030204" pitchFamily="18" charset="0"/>
+                      </a:rPr>
+                      <m:t>≥50. 13</m:t>
+                    </m:r>
+                    <m:sSup>
+                      <m:sSupPr>
+                        <m:ctrlPr>
+                          <a:rPr lang="en-US" b="0" i="1" smtClean="0">
+                            <a:latin typeface="Cambria Math" panose="02040503050406030204" pitchFamily="18" charset="0"/>
+                          </a:rPr>
+                        </m:ctrlPr>
+                      </m:sSupPr>
+                      <m:e>
+                        <m:r>
+                          <a:rPr lang="en-US" b="0" i="1" smtClean="0">
+                            <a:latin typeface="Cambria Math" panose="02040503050406030204" pitchFamily="18" charset="0"/>
+                          </a:rPr>
+                          <m:t>𝑛</m:t>
+                        </m:r>
+                      </m:e>
+                      <m:sup>
+                        <m:r>
+                          <a:rPr lang="en-US" b="0" i="1" smtClean="0">
+                            <a:latin typeface="Cambria Math" panose="02040503050406030204" pitchFamily="18" charset="0"/>
+                          </a:rPr>
+                          <m:t>2</m:t>
+                        </m:r>
+                      </m:sup>
+                    </m:sSup>
+                    <m:r>
+                      <a:rPr lang="en-US" b="0" i="1" smtClean="0">
+                        <a:latin typeface="Cambria Math" panose="02040503050406030204" pitchFamily="18" charset="0"/>
+                      </a:rPr>
+                      <m:t>−50</m:t>
+                    </m:r>
+                    <m:r>
+                      <a:rPr lang="en-US" b="0" i="1" smtClean="0">
+                        <a:latin typeface="Cambria Math" panose="02040503050406030204" pitchFamily="18" charset="0"/>
+                      </a:rPr>
+                      <m:t>𝑛</m:t>
+                    </m:r>
+                    <m:r>
+                      <a:rPr lang="en-US" b="0" i="1" smtClean="0">
+                        <a:latin typeface="Cambria Math" panose="02040503050406030204" pitchFamily="18" charset="0"/>
+                      </a:rPr>
+                      <m:t>≥12</m:t>
+                    </m:r>
+                    <m:sSup>
+                      <m:sSupPr>
+                        <m:ctrlPr>
+                          <a:rPr lang="en-US" b="0" i="1" smtClean="0">
+                            <a:latin typeface="Cambria Math" panose="02040503050406030204" pitchFamily="18" charset="0"/>
+                          </a:rPr>
+                        </m:ctrlPr>
+                      </m:sSupPr>
+                      <m:e>
+                        <m:r>
+                          <a:rPr lang="en-US" b="0" i="1" smtClean="0">
+                            <a:latin typeface="Cambria Math" panose="02040503050406030204" pitchFamily="18" charset="0"/>
+                          </a:rPr>
+                          <m:t>𝑛</m:t>
+                        </m:r>
+                      </m:e>
+                      <m:sup>
+                        <m:r>
+                          <a:rPr lang="en-US" b="0" i="1" smtClean="0">
+                            <a:latin typeface="Cambria Math" panose="02040503050406030204" pitchFamily="18" charset="0"/>
+                          </a:rPr>
+                          <m:t>2</m:t>
+                        </m:r>
+                      </m:sup>
+                    </m:sSup>
+                  </m:oMath>
+                </a14:m>
+                <a:endParaRPr lang="en-US" dirty="0"/>
+              </a:p>
+              <a:p>
+                <a:pPr marL="457200" lvl="1" indent="0">
+                  <a:buNone/>
+                </a:pPr>
+                <a:r>
+                  <a:rPr lang="en-US" dirty="0"/>
+                  <a:t>                    </a:t>
+                </a:r>
+                <a14:m>
+                  <m:oMath xmlns:m="http://schemas.openxmlformats.org/officeDocument/2006/math">
+                    <m:r>
+                      <a:rPr lang="en-US" b="0" i="1" smtClean="0">
+                        <a:latin typeface="Cambria Math" panose="02040503050406030204" pitchFamily="18" charset="0"/>
+                      </a:rPr>
+                      <m:t>13</m:t>
+                    </m:r>
+                    <m:sSup>
+                      <m:sSupPr>
+                        <m:ctrlPr>
+                          <a:rPr lang="en-US" b="0" i="1" smtClean="0">
+                            <a:latin typeface="Cambria Math" panose="02040503050406030204" pitchFamily="18" charset="0"/>
+                          </a:rPr>
+                        </m:ctrlPr>
+                      </m:sSupPr>
+                      <m:e>
+                        <m:r>
+                          <a:rPr lang="en-US" b="0" i="1" smtClean="0">
+                            <a:latin typeface="Cambria Math" panose="02040503050406030204" pitchFamily="18" charset="0"/>
+                          </a:rPr>
+                          <m:t>𝑛</m:t>
+                        </m:r>
+                      </m:e>
+                      <m:sup>
+                        <m:r>
+                          <a:rPr lang="en-US" b="0" i="1" smtClean="0">
+                            <a:latin typeface="Cambria Math" panose="02040503050406030204" pitchFamily="18" charset="0"/>
+                          </a:rPr>
+                          <m:t>2</m:t>
+                        </m:r>
+                      </m:sup>
+                    </m:sSup>
+                    <m:r>
+                      <a:rPr lang="en-US" b="0" i="1" smtClean="0">
+                        <a:latin typeface="Cambria Math" panose="02040503050406030204" pitchFamily="18" charset="0"/>
+                      </a:rPr>
+                      <m:t>−50</m:t>
+                    </m:r>
+                    <m:r>
+                      <a:rPr lang="en-US" b="0" i="1" smtClean="0">
+                        <a:latin typeface="Cambria Math" panose="02040503050406030204" pitchFamily="18" charset="0"/>
+                      </a:rPr>
+                      <m:t>𝑛</m:t>
+                    </m:r>
+                    <m:r>
+                      <a:rPr lang="en-US" b="0" i="1" smtClean="0">
+                        <a:latin typeface="Cambria Math" panose="02040503050406030204" pitchFamily="18" charset="0"/>
+                      </a:rPr>
+                      <m:t>≥12</m:t>
+                    </m:r>
+                    <m:sSup>
+                      <m:sSupPr>
+                        <m:ctrlPr>
+                          <a:rPr lang="en-US" b="0" i="1" smtClean="0">
+                            <a:latin typeface="Cambria Math" panose="02040503050406030204" pitchFamily="18" charset="0"/>
+                          </a:rPr>
+                        </m:ctrlPr>
+                      </m:sSupPr>
+                      <m:e>
+                        <m:r>
+                          <a:rPr lang="en-US" b="0" i="1" smtClean="0">
+                            <a:latin typeface="Cambria Math" panose="02040503050406030204" pitchFamily="18" charset="0"/>
+                          </a:rPr>
+                          <m:t>𝑛</m:t>
+                        </m:r>
+                      </m:e>
+                      <m:sup>
+                        <m:r>
+                          <a:rPr lang="en-US" b="0" i="1" smtClean="0">
+                            <a:latin typeface="Cambria Math" panose="02040503050406030204" pitchFamily="18" charset="0"/>
+                          </a:rPr>
+                          <m:t>2</m:t>
+                        </m:r>
+                      </m:sup>
+                    </m:sSup>
+                  </m:oMath>
+                </a14:m>
+                <a:endParaRPr lang="en-US" dirty="0"/>
+              </a:p>
+              <a:p>
+                <a:pPr marL="457200" lvl="1" indent="0">
+                  <a:buNone/>
+                </a:pPr>
+                <a:r>
+                  <a:rPr lang="en-US" dirty="0"/>
+                  <a:t>                </a:t>
+                </a:r>
+                <a14:m>
+                  <m:oMath xmlns:m="http://schemas.openxmlformats.org/officeDocument/2006/math">
+                    <m:r>
+                      <a:rPr lang="en-US" b="0" i="1" smtClean="0">
+                        <a:latin typeface="Cambria Math" panose="02040503050406030204" pitchFamily="18" charset="0"/>
+                      </a:rPr>
+                      <m:t>≡</m:t>
+                    </m:r>
+                    <m:sSup>
+                      <m:sSupPr>
+                        <m:ctrlPr>
+                          <a:rPr lang="en-US" b="0" i="1" smtClean="0">
+                            <a:latin typeface="Cambria Math" panose="02040503050406030204" pitchFamily="18" charset="0"/>
+                          </a:rPr>
+                        </m:ctrlPr>
+                      </m:sSupPr>
+                      <m:e>
+                        <m:r>
+                          <a:rPr lang="en-US" b="0" i="1" smtClean="0">
+                            <a:latin typeface="Cambria Math" panose="02040503050406030204" pitchFamily="18" charset="0"/>
+                          </a:rPr>
+                          <m:t>𝑛</m:t>
+                        </m:r>
+                      </m:e>
+                      <m:sup>
+                        <m:r>
+                          <a:rPr lang="en-US" b="0" i="1" smtClean="0">
+                            <a:latin typeface="Cambria Math" panose="02040503050406030204" pitchFamily="18" charset="0"/>
+                          </a:rPr>
+                          <m:t>2</m:t>
+                        </m:r>
+                      </m:sup>
+                    </m:sSup>
+                    <m:r>
+                      <a:rPr lang="en-US" b="0" i="1" smtClean="0">
+                        <a:latin typeface="Cambria Math" panose="02040503050406030204" pitchFamily="18" charset="0"/>
+                      </a:rPr>
+                      <m:t>−50</m:t>
+                    </m:r>
+                    <m:r>
+                      <a:rPr lang="en-US" b="0" i="1" smtClean="0">
+                        <a:latin typeface="Cambria Math" panose="02040503050406030204" pitchFamily="18" charset="0"/>
+                      </a:rPr>
+                      <m:t>𝑛</m:t>
+                    </m:r>
+                    <m:r>
+                      <a:rPr lang="en-US" b="0" i="1" smtClean="0">
+                        <a:latin typeface="Cambria Math" panose="02040503050406030204" pitchFamily="18" charset="0"/>
+                      </a:rPr>
+                      <m:t>≥0</m:t>
+                    </m:r>
+                  </m:oMath>
+                </a14:m>
+                <a:endParaRPr lang="en-US" dirty="0"/>
+              </a:p>
+              <a:p>
+                <a:pPr marL="457200" lvl="1" indent="0">
+                  <a:buNone/>
+                </a:pPr>
+                <a:r>
+                  <a:rPr lang="en-US" dirty="0"/>
+                  <a:t>                </a:t>
+                </a:r>
+                <a14:m>
+                  <m:oMath xmlns:m="http://schemas.openxmlformats.org/officeDocument/2006/math">
+                    <m:r>
+                      <a:rPr lang="en-US" b="0" i="1" smtClean="0">
+                        <a:latin typeface="Cambria Math" panose="02040503050406030204" pitchFamily="18" charset="0"/>
+                      </a:rPr>
+                      <m:t>≡</m:t>
+                    </m:r>
+                    <m:sSup>
+                      <m:sSupPr>
+                        <m:ctrlPr>
+                          <a:rPr lang="en-US" b="0" i="1" smtClean="0">
+                            <a:latin typeface="Cambria Math" panose="02040503050406030204" pitchFamily="18" charset="0"/>
+                          </a:rPr>
+                        </m:ctrlPr>
+                      </m:sSupPr>
+                      <m:e>
+                        <m:r>
+                          <a:rPr lang="en-US" b="0" i="1" smtClean="0">
+                            <a:latin typeface="Cambria Math" panose="02040503050406030204" pitchFamily="18" charset="0"/>
+                          </a:rPr>
+                          <m:t>𝑛</m:t>
+                        </m:r>
+                      </m:e>
+                      <m:sup>
+                        <m:r>
+                          <a:rPr lang="en-US" b="0" i="1" smtClean="0">
+                            <a:latin typeface="Cambria Math" panose="02040503050406030204" pitchFamily="18" charset="0"/>
+                          </a:rPr>
+                          <m:t>2</m:t>
+                        </m:r>
+                      </m:sup>
+                    </m:sSup>
+                    <m:r>
+                      <a:rPr lang="en-US" b="0" i="1" smtClean="0">
+                        <a:latin typeface="Cambria Math" panose="02040503050406030204" pitchFamily="18" charset="0"/>
+                      </a:rPr>
+                      <m:t>≥50</m:t>
+                    </m:r>
+                    <m:r>
+                      <a:rPr lang="en-US" b="0" i="1" smtClean="0">
+                        <a:latin typeface="Cambria Math" panose="02040503050406030204" pitchFamily="18" charset="0"/>
+                      </a:rPr>
+                      <m:t>𝑛</m:t>
+                    </m:r>
+                  </m:oMath>
+                </a14:m>
+                <a:endParaRPr lang="en-US" dirty="0"/>
+              </a:p>
+              <a:p>
+                <a:pPr marL="457200" lvl="1" indent="0">
+                  <a:buNone/>
+                </a:pPr>
+                <a:r>
+                  <a:rPr lang="en-US" dirty="0"/>
+                  <a:t>                </a:t>
+                </a:r>
+                <a14:m>
+                  <m:oMath xmlns:m="http://schemas.openxmlformats.org/officeDocument/2006/math">
+                    <m:r>
+                      <a:rPr lang="en-US" b="0" i="1" smtClean="0">
+                        <a:latin typeface="Cambria Math" panose="02040503050406030204" pitchFamily="18" charset="0"/>
+                      </a:rPr>
+                      <m:t>≡</m:t>
+                    </m:r>
+                    <m:r>
+                      <a:rPr lang="en-US" b="0" i="1" smtClean="0">
+                        <a:latin typeface="Cambria Math" panose="02040503050406030204" pitchFamily="18" charset="0"/>
+                      </a:rPr>
+                      <m:t>𝑛</m:t>
+                    </m:r>
+                    <m:r>
+                      <a:rPr lang="en-US" b="0" i="1" smtClean="0">
+                        <a:latin typeface="Cambria Math" panose="02040503050406030204" pitchFamily="18" charset="0"/>
+                      </a:rPr>
+                      <m:t>≥50</m:t>
+                    </m:r>
+                  </m:oMath>
+                </a14:m>
+                <a:r>
+                  <a:rPr lang="en-US" dirty="0"/>
+                  <a:t> </a:t>
+                </a:r>
+              </a:p>
+              <a:p>
+                <a:pPr marL="457200" lvl="1" indent="0">
+                  <a:buNone/>
+                </a:pPr>
+                <a:r>
+                  <a:rPr lang="en-US" dirty="0"/>
+                  <a:t>                This is certainly true </a:t>
+                </a:r>
+                <a14:m>
+                  <m:oMath xmlns:m="http://schemas.openxmlformats.org/officeDocument/2006/math">
+                    <m:r>
+                      <a:rPr lang="en-US" b="0" i="1" smtClean="0">
+                        <a:latin typeface="Cambria Math" panose="02040503050406030204" pitchFamily="18" charset="0"/>
+                      </a:rPr>
+                      <m:t>∀</m:t>
+                    </m:r>
+                    <m:r>
+                      <a:rPr lang="en-US" b="0" i="1" smtClean="0">
+                        <a:latin typeface="Cambria Math" panose="02040503050406030204" pitchFamily="18" charset="0"/>
+                      </a:rPr>
+                      <m:t>𝑛</m:t>
+                    </m:r>
+                    <m:r>
+                      <a:rPr lang="en-US" b="0" i="1" smtClean="0">
+                        <a:latin typeface="Cambria Math" panose="02040503050406030204" pitchFamily="18" charset="0"/>
+                      </a:rPr>
+                      <m:t>≥50</m:t>
+                    </m:r>
+                  </m:oMath>
+                </a14:m>
+                <a:r>
+                  <a:rPr lang="en-US" dirty="0"/>
+                  <a:t>.</a:t>
+                </a:r>
+              </a:p>
+              <a:p>
+                <a:pPr marL="457200" lvl="1" indent="0">
+                  <a:buNone/>
+                </a:pPr>
+                <a:r>
+                  <a:rPr lang="en-US" dirty="0"/>
+                  <a:t>                     </a:t>
+                </a:r>
+              </a:p>
+            </p:txBody>
+          </p:sp>
+        </mc:Choice>
+        <mc:Fallback xmlns="">
+          <p:sp>
+            <p:nvSpPr>
+              <p:cNvPr id="3" name="Content Placeholder 2"/>
+              <p:cNvSpPr>
+                <a:spLocks noGrp="1" noRot="1" noChangeAspect="1" noMove="1" noResize="1" noEditPoints="1" noAdjustHandles="1" noChangeArrowheads="1" noChangeShapeType="1" noTextEdit="1"/>
+              </p:cNvSpPr>
+              <p:nvPr>
+                <p:ph idx="1"/>
+              </p:nvPr>
+            </p:nvSpPr>
+            <p:spPr>
+              <a:xfrm>
+                <a:off x="609600" y="1874837"/>
+                <a:ext cx="11430000" cy="4525963"/>
+              </a:xfrm>
+              <a:blipFill>
+                <a:blip r:embed="rId2"/>
+                <a:stretch>
+                  <a:fillRect l="-960" t="-2291"/>
+                </a:stretch>
+              </a:blipFill>
+            </p:spPr>
+            <p:txBody>
+              <a:bodyPr/>
+              <a:lstStyle/>
+              <a:p>
+                <a:r>
+                  <a:rPr lang="en-US">
+                    <a:noFill/>
+                  </a:rPr>
+                  <a:t> </a:t>
+                </a:r>
+              </a:p>
+            </p:txBody>
+          </p:sp>
+        </mc:Fallback>
+      </mc:AlternateContent>
+    </p:spTree>
+    <p:extLst>
+      <p:ext uri="{BB962C8B-B14F-4D97-AF65-F5344CB8AC3E}">
+        <p14:creationId xmlns:p14="http://schemas.microsoft.com/office/powerpoint/2010/main" val="2092280437"/>
+      </p:ext>
+    </p:extLst>
+  </p:cSld>
+  <p:clrMapOvr>
+    <a:masterClrMapping/>
+  </p:clrMapOvr>
+</p:sld>
+</file>
+
+<file path=ppt/slides/slide27.xml><?xml version="1.0" encoding="utf-8"?>
+<p:sld xmlns:a="http://schemas.openxmlformats.org/drawingml/2006/main" xmlns:r="http://schemas.openxmlformats.org/officeDocument/2006/relationships" xmlns:p="http://schemas.openxmlformats.org/presentationml/2006/main">
+  <p:cSld>
+    <p:spTree>
+      <p:nvGrpSpPr>
+        <p:cNvPr id="1" name=""/>
+        <p:cNvGrpSpPr/>
+        <p:nvPr/>
+      </p:nvGrpSpPr>
+      <p:grpSpPr>
+        <a:xfrm>
+          <a:off x="0" y="0"/>
+          <a:ext cx="0" cy="0"/>
+          <a:chOff x="0" y="0"/>
+          <a:chExt cx="0" cy="0"/>
+        </a:xfrm>
+      </p:grpSpPr>
+      <p:sp>
+        <p:nvSpPr>
+          <p:cNvPr id="2" name="Title 1"/>
+          <p:cNvSpPr>
+            <a:spLocks noGrp="1"/>
+          </p:cNvSpPr>
+          <p:nvPr>
+            <p:ph type="title"/>
+          </p:nvPr>
+        </p:nvSpPr>
+        <p:spPr/>
+        <p:txBody>
+          <a:bodyPr/>
+          <a:lstStyle/>
+          <a:p>
+            <a:r>
+              <a:rPr lang="en-US" dirty="0"/>
+              <a:t>Asymptotic Notation Example</a:t>
+            </a:r>
+          </a:p>
+        </p:txBody>
+      </p:sp>
+      <mc:AlternateContent xmlns:mc="http://schemas.openxmlformats.org/markup-compatibility/2006" xmlns:a14="http://schemas.microsoft.com/office/drawing/2010/main">
+        <mc:Choice Requires="a14">
+          <p:sp>
+            <p:nvSpPr>
+              <p:cNvPr id="3" name="Content Placeholder 2"/>
+              <p:cNvSpPr>
+                <a:spLocks noGrp="1"/>
+              </p:cNvSpPr>
+              <p:nvPr>
+                <p:ph idx="1"/>
+              </p:nvPr>
+            </p:nvSpPr>
+            <p:spPr>
+              <a:xfrm>
+                <a:off x="609600" y="1874837"/>
                 <a:ext cx="10972800" cy="4525963"/>
               </a:xfrm>
             </p:spPr>
@@ -17938,7 +18337,7 @@
 </p:sld>
 </file>
 
-<file path=ppt/slides/slide27.xml><?xml version="1.0" encoding="utf-8"?>
+<file path=ppt/slides/slide28.xml><?xml version="1.0" encoding="utf-8"?>
 <p:sld xmlns:a="http://schemas.openxmlformats.org/drawingml/2006/main" xmlns:r="http://schemas.openxmlformats.org/officeDocument/2006/relationships" xmlns:p="http://schemas.openxmlformats.org/presentationml/2006/main">
   <p:cSld>
     <p:spTree>
@@ -18795,7 +19194,7 @@
 </p:sld>
 </file>
 
-<file path=ppt/slides/slide28.xml><?xml version="1.0" encoding="utf-8"?>
+<file path=ppt/slides/slide29.xml><?xml version="1.0" encoding="utf-8"?>
 <p:sld xmlns:a="http://schemas.openxmlformats.org/drawingml/2006/main" xmlns:r="http://schemas.openxmlformats.org/officeDocument/2006/relationships" xmlns:p="http://schemas.openxmlformats.org/presentationml/2006/main">
   <p:cSld>
     <p:spTree>
@@ -19502,540 +19901,6 @@
     <p:extLst>
       <p:ext uri="{BB962C8B-B14F-4D97-AF65-F5344CB8AC3E}">
         <p14:creationId xmlns:p14="http://schemas.microsoft.com/office/powerpoint/2010/main" val="2467466076"/>
-      </p:ext>
-    </p:extLst>
-  </p:cSld>
-  <p:clrMapOvr>
-    <a:masterClrMapping/>
-  </p:clrMapOvr>
-</p:sld>
-</file>
-
-<file path=ppt/slides/slide29.xml><?xml version="1.0" encoding="utf-8"?>
-<p:sld xmlns:a="http://schemas.openxmlformats.org/drawingml/2006/main" xmlns:r="http://schemas.openxmlformats.org/officeDocument/2006/relationships" xmlns:p="http://schemas.openxmlformats.org/presentationml/2006/main">
-  <p:cSld>
-    <p:spTree>
-      <p:nvGrpSpPr>
-        <p:cNvPr id="1" name=""/>
-        <p:cNvGrpSpPr/>
-        <p:nvPr/>
-      </p:nvGrpSpPr>
-      <p:grpSpPr>
-        <a:xfrm>
-          <a:off x="0" y="0"/>
-          <a:ext cx="0" cy="0"/>
-          <a:chOff x="0" y="0"/>
-          <a:chExt cx="0" cy="0"/>
-        </a:xfrm>
-      </p:grpSpPr>
-      <p:sp>
-        <p:nvSpPr>
-          <p:cNvPr id="2" name="Title 1">
-            <a:extLst>
-              <a:ext uri="{FF2B5EF4-FFF2-40B4-BE49-F238E27FC236}">
-                <a16:creationId xmlns:a16="http://schemas.microsoft.com/office/drawing/2014/main" id="{15E08004-4521-2990-7545-99E7189B8476}"/>
-              </a:ext>
-            </a:extLst>
-          </p:cNvPr>
-          <p:cNvSpPr>
-            <a:spLocks noGrp="1"/>
-          </p:cNvSpPr>
-          <p:nvPr>
-            <p:ph type="title"/>
-          </p:nvPr>
-        </p:nvSpPr>
-        <p:spPr/>
-        <p:txBody>
-          <a:bodyPr/>
-          <a:lstStyle/>
-          <a:p>
-            <a:r>
-              <a:rPr lang="en-US" dirty="0"/>
-              <a:t>More Examples</a:t>
-            </a:r>
-          </a:p>
-        </p:txBody>
-      </p:sp>
-      <mc:AlternateContent xmlns:mc="http://schemas.openxmlformats.org/markup-compatibility/2006" xmlns:a14="http://schemas.microsoft.com/office/drawing/2010/main">
-        <mc:Choice Requires="a14">
-          <p:sp>
-            <p:nvSpPr>
-              <p:cNvPr id="3" name="Content Placeholder 2">
-                <a:extLst>
-                  <a:ext uri="{FF2B5EF4-FFF2-40B4-BE49-F238E27FC236}">
-                    <a16:creationId xmlns:a16="http://schemas.microsoft.com/office/drawing/2014/main" id="{9F9D13FC-5562-5001-9E77-3F64F87265DF}"/>
-                  </a:ext>
-                </a:extLst>
-              </p:cNvPr>
-              <p:cNvSpPr>
-                <a:spLocks noGrp="1"/>
-              </p:cNvSpPr>
-              <p:nvPr>
-                <p:ph idx="1"/>
-              </p:nvPr>
-            </p:nvSpPr>
-            <p:spPr/>
-            <p:txBody>
-              <a:bodyPr/>
-              <a:lstStyle/>
-              <a:p>
-                <a:r>
-                  <a:rPr lang="pt-BR" dirty="0"/>
-                  <a:t>Is each of the following True or False?</a:t>
-                </a:r>
-              </a:p>
-              <a:p>
-                <a:pPr lvl="1"/>
-                <a14:m>
-                  <m:oMath xmlns:m="http://schemas.openxmlformats.org/officeDocument/2006/math">
-                    <m:r>
-                      <a:rPr lang="pt-BR" i="1" dirty="0" smtClean="0">
-                        <a:latin typeface="Cambria Math" panose="02040503050406030204" pitchFamily="18" charset="0"/>
-                      </a:rPr>
-                      <m:t>4+3</m:t>
-                    </m:r>
-                    <m:r>
-                      <a:rPr lang="pt-BR" i="1" dirty="0" smtClean="0">
-                        <a:latin typeface="Cambria Math" panose="02040503050406030204" pitchFamily="18" charset="0"/>
-                      </a:rPr>
-                      <m:t>𝑛</m:t>
-                    </m:r>
-                    <m:r>
-                      <a:rPr lang="en-US" b="0" i="1" dirty="0" smtClean="0">
-                        <a:latin typeface="Cambria Math" panose="02040503050406030204" pitchFamily="18" charset="0"/>
-                      </a:rPr>
-                      <m:t>∈</m:t>
-                    </m:r>
-                    <m:r>
-                      <a:rPr lang="pt-BR" i="1" dirty="0" smtClean="0">
-                        <a:latin typeface="Cambria Math" panose="02040503050406030204" pitchFamily="18" charset="0"/>
-                      </a:rPr>
-                      <m:t> </m:t>
-                    </m:r>
-                    <m:r>
-                      <a:rPr lang="pt-BR" i="1" dirty="0" smtClean="0">
-                        <a:latin typeface="Cambria Math" panose="02040503050406030204" pitchFamily="18" charset="0"/>
-                      </a:rPr>
-                      <m:t>𝑂</m:t>
-                    </m:r>
-                    <m:r>
-                      <a:rPr lang="pt-BR" i="1" dirty="0" smtClean="0">
-                        <a:latin typeface="Cambria Math" panose="02040503050406030204" pitchFamily="18" charset="0"/>
-                      </a:rPr>
-                      <m:t>(</m:t>
-                    </m:r>
-                    <m:r>
-                      <a:rPr lang="pt-BR" i="1" dirty="0" smtClean="0">
-                        <a:latin typeface="Cambria Math" panose="02040503050406030204" pitchFamily="18" charset="0"/>
-                      </a:rPr>
-                      <m:t>𝑛</m:t>
-                    </m:r>
-                    <m:r>
-                      <a:rPr lang="pt-BR" i="1" dirty="0" smtClean="0">
-                        <a:latin typeface="Cambria Math" panose="02040503050406030204" pitchFamily="18" charset="0"/>
-                      </a:rPr>
-                      <m:t>)</m:t>
-                    </m:r>
-                  </m:oMath>
-                </a14:m>
-                <a:endParaRPr lang="pt-BR" dirty="0"/>
-              </a:p>
-              <a:p>
-                <a:pPr lvl="1"/>
-                <a14:m>
-                  <m:oMath xmlns:m="http://schemas.openxmlformats.org/officeDocument/2006/math">
-                    <m:r>
-                      <a:rPr lang="pt-BR" i="1" dirty="0" smtClean="0">
-                        <a:latin typeface="Cambria Math" panose="02040503050406030204" pitchFamily="18" charset="0"/>
-                      </a:rPr>
-                      <m:t>𝑛</m:t>
-                    </m:r>
-                    <m:r>
-                      <a:rPr lang="pt-BR" i="1" dirty="0" smtClean="0">
-                        <a:latin typeface="Cambria Math" panose="02040503050406030204" pitchFamily="18" charset="0"/>
-                      </a:rPr>
-                      <m:t>+2</m:t>
-                    </m:r>
-                    <m:func>
-                      <m:funcPr>
-                        <m:ctrlPr>
-                          <a:rPr lang="en-US" b="0" i="1" dirty="0" smtClean="0">
-                            <a:latin typeface="Cambria Math" panose="02040503050406030204" pitchFamily="18" charset="0"/>
-                          </a:rPr>
-                        </m:ctrlPr>
-                      </m:funcPr>
-                      <m:fName>
-                        <m:r>
-                          <m:rPr>
-                            <m:sty m:val="p"/>
-                          </m:rPr>
-                          <a:rPr lang="en-US" b="0" i="0" dirty="0" smtClean="0">
-                            <a:latin typeface="Cambria Math" panose="02040503050406030204" pitchFamily="18" charset="0"/>
-                          </a:rPr>
-                          <m:t>log</m:t>
-                        </m:r>
-                      </m:fName>
-                      <m:e>
-                        <m:r>
-                          <a:rPr lang="en-US" b="0" i="1" dirty="0" smtClean="0">
-                            <a:latin typeface="Cambria Math" panose="02040503050406030204" pitchFamily="18" charset="0"/>
-                          </a:rPr>
-                          <m:t>𝑛</m:t>
-                        </m:r>
-                      </m:e>
-                    </m:func>
-                    <m:r>
-                      <a:rPr lang="pt-BR" i="1" dirty="0" smtClean="0">
-                        <a:latin typeface="Cambria Math" panose="02040503050406030204" pitchFamily="18" charset="0"/>
-                      </a:rPr>
-                      <m:t>∈ </m:t>
-                    </m:r>
-                    <m:r>
-                      <a:rPr lang="pt-BR" i="1" dirty="0" smtClean="0">
-                        <a:latin typeface="Cambria Math" panose="02040503050406030204" pitchFamily="18" charset="0"/>
-                      </a:rPr>
-                      <m:t>𝑂</m:t>
-                    </m:r>
-                    <m:r>
-                      <a:rPr lang="pt-BR" i="1" dirty="0" smtClean="0">
-                        <a:latin typeface="Cambria Math" panose="02040503050406030204" pitchFamily="18" charset="0"/>
-                      </a:rPr>
-                      <m:t>(</m:t>
-                    </m:r>
-                    <m:func>
-                      <m:funcPr>
-                        <m:ctrlPr>
-                          <a:rPr lang="en-US" b="0" i="1" dirty="0" smtClean="0">
-                            <a:latin typeface="Cambria Math" panose="02040503050406030204" pitchFamily="18" charset="0"/>
-                          </a:rPr>
-                        </m:ctrlPr>
-                      </m:funcPr>
-                      <m:fName>
-                        <m:r>
-                          <m:rPr>
-                            <m:sty m:val="p"/>
-                          </m:rPr>
-                          <a:rPr lang="pt-BR" i="0" dirty="0" smtClean="0">
-                            <a:latin typeface="Cambria Math" panose="02040503050406030204" pitchFamily="18" charset="0"/>
-                          </a:rPr>
-                          <m:t>log</m:t>
-                        </m:r>
-                      </m:fName>
-                      <m:e>
-                        <m:r>
-                          <a:rPr lang="en-US" b="0" i="1" dirty="0" smtClean="0">
-                            <a:latin typeface="Cambria Math" panose="02040503050406030204" pitchFamily="18" charset="0"/>
-                          </a:rPr>
-                          <m:t>𝑛</m:t>
-                        </m:r>
-                      </m:e>
-                    </m:func>
-                    <m:r>
-                      <a:rPr lang="pt-BR" i="1" dirty="0" smtClean="0">
-                        <a:latin typeface="Cambria Math" panose="02040503050406030204" pitchFamily="18" charset="0"/>
-                      </a:rPr>
-                      <m:t>)</m:t>
-                    </m:r>
-                  </m:oMath>
-                </a14:m>
-                <a:r>
-                  <a:rPr lang="pt-BR" dirty="0"/>
-                  <a:t> </a:t>
-                </a:r>
-              </a:p>
-              <a:p>
-                <a:pPr lvl="1"/>
-                <a14:m>
-                  <m:oMath xmlns:m="http://schemas.openxmlformats.org/officeDocument/2006/math">
-                    <m:func>
-                      <m:funcPr>
-                        <m:ctrlPr>
-                          <a:rPr lang="en-US" b="0" i="1" dirty="0" smtClean="0">
-                            <a:latin typeface="Cambria Math" panose="02040503050406030204" pitchFamily="18" charset="0"/>
-                          </a:rPr>
-                        </m:ctrlPr>
-                      </m:funcPr>
-                      <m:fName>
-                        <m:r>
-                          <m:rPr>
-                            <m:sty m:val="p"/>
-                          </m:rPr>
-                          <a:rPr lang="pt-BR" i="0" dirty="0" smtClean="0">
-                            <a:latin typeface="Cambria Math" panose="02040503050406030204" pitchFamily="18" charset="0"/>
-                          </a:rPr>
-                          <m:t>log</m:t>
-                        </m:r>
-                      </m:fName>
-                      <m:e>
-                        <m:r>
-                          <a:rPr lang="en-US" b="0" i="1" dirty="0" smtClean="0">
-                            <a:latin typeface="Cambria Math" panose="02040503050406030204" pitchFamily="18" charset="0"/>
-                          </a:rPr>
-                          <m:t>𝑛</m:t>
-                        </m:r>
-                      </m:e>
-                    </m:func>
-                    <m:r>
-                      <a:rPr lang="pt-BR" i="1" dirty="0" smtClean="0">
-                        <a:latin typeface="Cambria Math" panose="02040503050406030204" pitchFamily="18" charset="0"/>
-                      </a:rPr>
-                      <m:t>+2</m:t>
-                    </m:r>
-                    <m:r>
-                      <a:rPr lang="en-US" b="0" i="1" dirty="0" smtClean="0">
-                        <a:latin typeface="Cambria Math" panose="02040503050406030204" pitchFamily="18" charset="0"/>
-                      </a:rPr>
-                      <m:t>∈</m:t>
-                    </m:r>
-                    <m:r>
-                      <a:rPr lang="pt-BR" i="1" dirty="0" smtClean="0">
-                        <a:latin typeface="Cambria Math" panose="02040503050406030204" pitchFamily="18" charset="0"/>
-                      </a:rPr>
-                      <m:t> </m:t>
-                    </m:r>
-                    <m:r>
-                      <a:rPr lang="pt-BR" i="1" dirty="0" smtClean="0">
-                        <a:latin typeface="Cambria Math" panose="02040503050406030204" pitchFamily="18" charset="0"/>
-                      </a:rPr>
-                      <m:t>𝑂</m:t>
-                    </m:r>
-                    <m:r>
-                      <a:rPr lang="pt-BR" i="1" dirty="0" smtClean="0">
-                        <a:latin typeface="Cambria Math" panose="02040503050406030204" pitchFamily="18" charset="0"/>
-                      </a:rPr>
-                      <m:t>(1)</m:t>
-                    </m:r>
-                  </m:oMath>
-                </a14:m>
-                <a:r>
-                  <a:rPr lang="pt-BR" dirty="0"/>
-                  <a:t> </a:t>
-                </a:r>
-              </a:p>
-              <a:p>
-                <a:pPr lvl="1"/>
-                <a14:m>
-                  <m:oMath xmlns:m="http://schemas.openxmlformats.org/officeDocument/2006/math">
-                    <m:sSup>
-                      <m:sSupPr>
-                        <m:ctrlPr>
-                          <a:rPr lang="en-US" b="0" i="1" dirty="0" smtClean="0">
-                            <a:latin typeface="Cambria Math" panose="02040503050406030204" pitchFamily="18" charset="0"/>
-                          </a:rPr>
-                        </m:ctrlPr>
-                      </m:sSupPr>
-                      <m:e>
-                        <m:r>
-                          <a:rPr lang="pt-BR" i="1" dirty="0" smtClean="0">
-                            <a:latin typeface="Cambria Math" panose="02040503050406030204" pitchFamily="18" charset="0"/>
-                          </a:rPr>
-                          <m:t>𝑛</m:t>
-                        </m:r>
-                      </m:e>
-                      <m:sup>
-                        <m:r>
-                          <a:rPr lang="en-US" b="0" i="1" dirty="0" smtClean="0">
-                            <a:latin typeface="Cambria Math" panose="02040503050406030204" pitchFamily="18" charset="0"/>
-                          </a:rPr>
-                          <m:t>50</m:t>
-                        </m:r>
-                      </m:sup>
-                    </m:sSup>
-                    <m:r>
-                      <a:rPr lang="en-US" b="0" i="1" dirty="0" smtClean="0">
-                        <a:latin typeface="Cambria Math" panose="02040503050406030204" pitchFamily="18" charset="0"/>
-                      </a:rPr>
-                      <m:t>∈</m:t>
-                    </m:r>
-                    <m:r>
-                      <a:rPr lang="pt-BR" i="1" dirty="0" smtClean="0">
-                        <a:latin typeface="Cambria Math" panose="02040503050406030204" pitchFamily="18" charset="0"/>
-                      </a:rPr>
-                      <m:t> </m:t>
-                    </m:r>
-                    <m:r>
-                      <a:rPr lang="pt-BR" i="1" dirty="0" smtClean="0">
-                        <a:latin typeface="Cambria Math" panose="02040503050406030204" pitchFamily="18" charset="0"/>
-                      </a:rPr>
-                      <m:t>𝑂</m:t>
-                    </m:r>
-                    <m:r>
-                      <a:rPr lang="pt-BR" i="1" dirty="0" smtClean="0">
-                        <a:latin typeface="Cambria Math" panose="02040503050406030204" pitchFamily="18" charset="0"/>
-                      </a:rPr>
-                      <m:t>(</m:t>
-                    </m:r>
-                    <m:sSup>
-                      <m:sSupPr>
-                        <m:ctrlPr>
-                          <a:rPr lang="en-US" b="0" i="1" dirty="0" smtClean="0">
-                            <a:latin typeface="Cambria Math" panose="02040503050406030204" pitchFamily="18" charset="0"/>
-                          </a:rPr>
-                        </m:ctrlPr>
-                      </m:sSupPr>
-                      <m:e>
-                        <m:r>
-                          <a:rPr lang="pt-BR" i="1" dirty="0" smtClean="0">
-                            <a:latin typeface="Cambria Math" panose="02040503050406030204" pitchFamily="18" charset="0"/>
-                          </a:rPr>
-                          <m:t>1.1</m:t>
-                        </m:r>
-                      </m:e>
-                      <m:sup>
-                        <m:r>
-                          <a:rPr lang="en-US" b="0" i="1" dirty="0" smtClean="0">
-                            <a:latin typeface="Cambria Math" panose="02040503050406030204" pitchFamily="18" charset="0"/>
-                          </a:rPr>
-                          <m:t>𝑛</m:t>
-                        </m:r>
-                      </m:sup>
-                    </m:sSup>
-                    <m:r>
-                      <a:rPr lang="pt-BR" i="1" dirty="0" smtClean="0">
-                        <a:latin typeface="Cambria Math" panose="02040503050406030204" pitchFamily="18" charset="0"/>
-                      </a:rPr>
-                      <m:t>)</m:t>
-                    </m:r>
-                  </m:oMath>
-                </a14:m>
-                <a:endParaRPr lang="pt-BR" dirty="0"/>
-              </a:p>
-              <a:p>
-                <a:pPr lvl="1"/>
-                <a14:m>
-                  <m:oMath xmlns:m="http://schemas.openxmlformats.org/officeDocument/2006/math">
-                    <m:sSup>
-                      <m:sSupPr>
-                        <m:ctrlPr>
-                          <a:rPr lang="en-US" b="0" i="1" smtClean="0">
-                            <a:latin typeface="Cambria Math" panose="02040503050406030204" pitchFamily="18" charset="0"/>
-                          </a:rPr>
-                        </m:ctrlPr>
-                      </m:sSupPr>
-                      <m:e>
-                        <m:r>
-                          <a:rPr lang="en-US" b="0" i="1" smtClean="0">
-                            <a:latin typeface="Cambria Math" panose="02040503050406030204" pitchFamily="18" charset="0"/>
-                          </a:rPr>
-                          <m:t>3</m:t>
-                        </m:r>
-                      </m:e>
-                      <m:sup>
-                        <m:r>
-                          <a:rPr lang="en-US" b="0" i="1" smtClean="0">
-                            <a:latin typeface="Cambria Math" panose="02040503050406030204" pitchFamily="18" charset="0"/>
-                          </a:rPr>
-                          <m:t>𝑛</m:t>
-                        </m:r>
-                      </m:sup>
-                    </m:sSup>
-                    <m:r>
-                      <a:rPr lang="en-US" b="0" i="1" smtClean="0">
-                        <a:latin typeface="Cambria Math" panose="02040503050406030204" pitchFamily="18" charset="0"/>
-                      </a:rPr>
-                      <m:t>∈</m:t>
-                    </m:r>
-                    <m:r>
-                      <m:rPr>
-                        <m:sty m:val="p"/>
-                      </m:rPr>
-                      <a:rPr lang="en-US" b="0" i="0" smtClean="0">
-                        <a:latin typeface="Cambria Math" panose="02040503050406030204" pitchFamily="18" charset="0"/>
-                      </a:rPr>
-                      <m:t>Θ</m:t>
-                    </m:r>
-                    <m:r>
-                      <a:rPr lang="en-US" b="0" i="1" smtClean="0">
-                        <a:latin typeface="Cambria Math" panose="02040503050406030204" pitchFamily="18" charset="0"/>
-                      </a:rPr>
-                      <m:t>(</m:t>
-                    </m:r>
-                    <m:sSup>
-                      <m:sSupPr>
-                        <m:ctrlPr>
-                          <a:rPr lang="en-US" b="0" i="1" smtClean="0">
-                            <a:latin typeface="Cambria Math" panose="02040503050406030204" pitchFamily="18" charset="0"/>
-                          </a:rPr>
-                        </m:ctrlPr>
-                      </m:sSupPr>
-                      <m:e>
-                        <m:r>
-                          <a:rPr lang="en-US" b="0" i="1" smtClean="0">
-                            <a:latin typeface="Cambria Math" panose="02040503050406030204" pitchFamily="18" charset="0"/>
-                          </a:rPr>
-                          <m:t>2</m:t>
-                        </m:r>
-                      </m:e>
-                      <m:sup>
-                        <m:r>
-                          <a:rPr lang="en-US" b="0" i="1" smtClean="0">
-                            <a:latin typeface="Cambria Math" panose="02040503050406030204" pitchFamily="18" charset="0"/>
-                          </a:rPr>
-                          <m:t>𝑛</m:t>
-                        </m:r>
-                      </m:sup>
-                    </m:sSup>
-                    <m:r>
-                      <a:rPr lang="en-US" b="0" i="1" smtClean="0">
-                        <a:latin typeface="Cambria Math" panose="02040503050406030204" pitchFamily="18" charset="0"/>
-                      </a:rPr>
-                      <m:t>)</m:t>
-                    </m:r>
-                  </m:oMath>
-                </a14:m>
-                <a:r>
-                  <a:rPr lang="pt-BR" dirty="0"/>
-                  <a:t> </a:t>
-                </a:r>
-                <a:endParaRPr lang="en-US" dirty="0"/>
-              </a:p>
-            </p:txBody>
-          </p:sp>
-        </mc:Choice>
-        <mc:Fallback xmlns="">
-          <p:sp>
-            <p:nvSpPr>
-              <p:cNvPr id="3" name="Content Placeholder 2">
-                <a:extLst>
-                  <a:ext uri="{FF2B5EF4-FFF2-40B4-BE49-F238E27FC236}">
-                    <a16:creationId xmlns:a16="http://schemas.microsoft.com/office/drawing/2014/main" id="{9F9D13FC-5562-5001-9E77-3F64F87265DF}"/>
-                  </a:ext>
-                </a:extLst>
-              </p:cNvPr>
-              <p:cNvSpPr>
-                <a:spLocks noGrp="1" noRot="1" noChangeAspect="1" noMove="1" noResize="1" noEditPoints="1" noAdjustHandles="1" noChangeArrowheads="1" noChangeShapeType="1" noTextEdit="1"/>
-              </p:cNvSpPr>
-              <p:nvPr>
-                <p:ph idx="1"/>
-              </p:nvPr>
-            </p:nvSpPr>
-            <p:spPr>
-              <a:blipFill>
-                <a:blip r:embed="rId2"/>
-                <a:stretch>
-                  <a:fillRect l="-1043" t="-2241"/>
-                </a:stretch>
-              </a:blipFill>
-            </p:spPr>
-            <p:txBody>
-              <a:bodyPr/>
-              <a:lstStyle/>
-              <a:p>
-                <a:r>
-                  <a:rPr lang="en-US">
-                    <a:noFill/>
-                  </a:rPr>
-                  <a:t> </a:t>
-                </a:r>
-              </a:p>
-            </p:txBody>
-          </p:sp>
-        </mc:Fallback>
-      </mc:AlternateContent>
-    </p:spTree>
-    <p:extLst>
-      <p:ext uri="{BB962C8B-B14F-4D97-AF65-F5344CB8AC3E}">
-        <p14:creationId xmlns:p14="http://schemas.microsoft.com/office/powerpoint/2010/main" val="214276736"/>
       </p:ext>
     </p:extLst>
   </p:cSld>
@@ -20201,6 +20066,540 @@
           <p:cNvPr id="2" name="Title 1">
             <a:extLst>
               <a:ext uri="{FF2B5EF4-FFF2-40B4-BE49-F238E27FC236}">
+                <a16:creationId xmlns:a16="http://schemas.microsoft.com/office/drawing/2014/main" id="{15E08004-4521-2990-7545-99E7189B8476}"/>
+              </a:ext>
+            </a:extLst>
+          </p:cNvPr>
+          <p:cNvSpPr>
+            <a:spLocks noGrp="1"/>
+          </p:cNvSpPr>
+          <p:nvPr>
+            <p:ph type="title"/>
+          </p:nvPr>
+        </p:nvSpPr>
+        <p:spPr/>
+        <p:txBody>
+          <a:bodyPr/>
+          <a:lstStyle/>
+          <a:p>
+            <a:r>
+              <a:rPr lang="en-US" dirty="0"/>
+              <a:t>More Examples</a:t>
+            </a:r>
+          </a:p>
+        </p:txBody>
+      </p:sp>
+      <mc:AlternateContent xmlns:mc="http://schemas.openxmlformats.org/markup-compatibility/2006" xmlns:a14="http://schemas.microsoft.com/office/drawing/2010/main">
+        <mc:Choice Requires="a14">
+          <p:sp>
+            <p:nvSpPr>
+              <p:cNvPr id="3" name="Content Placeholder 2">
+                <a:extLst>
+                  <a:ext uri="{FF2B5EF4-FFF2-40B4-BE49-F238E27FC236}">
+                    <a16:creationId xmlns:a16="http://schemas.microsoft.com/office/drawing/2014/main" id="{9F9D13FC-5562-5001-9E77-3F64F87265DF}"/>
+                  </a:ext>
+                </a:extLst>
+              </p:cNvPr>
+              <p:cNvSpPr>
+                <a:spLocks noGrp="1"/>
+              </p:cNvSpPr>
+              <p:nvPr>
+                <p:ph idx="1"/>
+              </p:nvPr>
+            </p:nvSpPr>
+            <p:spPr/>
+            <p:txBody>
+              <a:bodyPr/>
+              <a:lstStyle/>
+              <a:p>
+                <a:r>
+                  <a:rPr lang="pt-BR" dirty="0"/>
+                  <a:t>Is each of the following True or False?</a:t>
+                </a:r>
+              </a:p>
+              <a:p>
+                <a:pPr lvl="1"/>
+                <a14:m>
+                  <m:oMath xmlns:m="http://schemas.openxmlformats.org/officeDocument/2006/math">
+                    <m:r>
+                      <a:rPr lang="pt-BR" i="1" dirty="0" smtClean="0">
+                        <a:latin typeface="Cambria Math" panose="02040503050406030204" pitchFamily="18" charset="0"/>
+                      </a:rPr>
+                      <m:t>4+3</m:t>
+                    </m:r>
+                    <m:r>
+                      <a:rPr lang="pt-BR" i="1" dirty="0" smtClean="0">
+                        <a:latin typeface="Cambria Math" panose="02040503050406030204" pitchFamily="18" charset="0"/>
+                      </a:rPr>
+                      <m:t>𝑛</m:t>
+                    </m:r>
+                    <m:r>
+                      <a:rPr lang="en-US" b="0" i="1" dirty="0" smtClean="0">
+                        <a:latin typeface="Cambria Math" panose="02040503050406030204" pitchFamily="18" charset="0"/>
+                      </a:rPr>
+                      <m:t>∈</m:t>
+                    </m:r>
+                    <m:r>
+                      <a:rPr lang="pt-BR" i="1" dirty="0" smtClean="0">
+                        <a:latin typeface="Cambria Math" panose="02040503050406030204" pitchFamily="18" charset="0"/>
+                      </a:rPr>
+                      <m:t> </m:t>
+                    </m:r>
+                    <m:r>
+                      <a:rPr lang="pt-BR" i="1" dirty="0" smtClean="0">
+                        <a:latin typeface="Cambria Math" panose="02040503050406030204" pitchFamily="18" charset="0"/>
+                      </a:rPr>
+                      <m:t>𝑂</m:t>
+                    </m:r>
+                    <m:r>
+                      <a:rPr lang="pt-BR" i="1" dirty="0" smtClean="0">
+                        <a:latin typeface="Cambria Math" panose="02040503050406030204" pitchFamily="18" charset="0"/>
+                      </a:rPr>
+                      <m:t>(</m:t>
+                    </m:r>
+                    <m:r>
+                      <a:rPr lang="pt-BR" i="1" dirty="0" smtClean="0">
+                        <a:latin typeface="Cambria Math" panose="02040503050406030204" pitchFamily="18" charset="0"/>
+                      </a:rPr>
+                      <m:t>𝑛</m:t>
+                    </m:r>
+                    <m:r>
+                      <a:rPr lang="pt-BR" i="1" dirty="0" smtClean="0">
+                        <a:latin typeface="Cambria Math" panose="02040503050406030204" pitchFamily="18" charset="0"/>
+                      </a:rPr>
+                      <m:t>)</m:t>
+                    </m:r>
+                  </m:oMath>
+                </a14:m>
+                <a:endParaRPr lang="pt-BR" dirty="0"/>
+              </a:p>
+              <a:p>
+                <a:pPr lvl="1"/>
+                <a14:m>
+                  <m:oMath xmlns:m="http://schemas.openxmlformats.org/officeDocument/2006/math">
+                    <m:r>
+                      <a:rPr lang="pt-BR" i="1" dirty="0" smtClean="0">
+                        <a:latin typeface="Cambria Math" panose="02040503050406030204" pitchFamily="18" charset="0"/>
+                      </a:rPr>
+                      <m:t>𝑛</m:t>
+                    </m:r>
+                    <m:r>
+                      <a:rPr lang="pt-BR" i="1" dirty="0" smtClean="0">
+                        <a:latin typeface="Cambria Math" panose="02040503050406030204" pitchFamily="18" charset="0"/>
+                      </a:rPr>
+                      <m:t>+2</m:t>
+                    </m:r>
+                    <m:func>
+                      <m:funcPr>
+                        <m:ctrlPr>
+                          <a:rPr lang="en-US" b="0" i="1" dirty="0" smtClean="0">
+                            <a:latin typeface="Cambria Math" panose="02040503050406030204" pitchFamily="18" charset="0"/>
+                          </a:rPr>
+                        </m:ctrlPr>
+                      </m:funcPr>
+                      <m:fName>
+                        <m:r>
+                          <m:rPr>
+                            <m:sty m:val="p"/>
+                          </m:rPr>
+                          <a:rPr lang="en-US" b="0" i="0" dirty="0" smtClean="0">
+                            <a:latin typeface="Cambria Math" panose="02040503050406030204" pitchFamily="18" charset="0"/>
+                          </a:rPr>
+                          <m:t>log</m:t>
+                        </m:r>
+                      </m:fName>
+                      <m:e>
+                        <m:r>
+                          <a:rPr lang="en-US" b="0" i="1" dirty="0" smtClean="0">
+                            <a:latin typeface="Cambria Math" panose="02040503050406030204" pitchFamily="18" charset="0"/>
+                          </a:rPr>
+                          <m:t>𝑛</m:t>
+                        </m:r>
+                      </m:e>
+                    </m:func>
+                    <m:r>
+                      <a:rPr lang="pt-BR" i="1" dirty="0" smtClean="0">
+                        <a:latin typeface="Cambria Math" panose="02040503050406030204" pitchFamily="18" charset="0"/>
+                      </a:rPr>
+                      <m:t>∈ </m:t>
+                    </m:r>
+                    <m:r>
+                      <a:rPr lang="pt-BR" i="1" dirty="0" smtClean="0">
+                        <a:latin typeface="Cambria Math" panose="02040503050406030204" pitchFamily="18" charset="0"/>
+                      </a:rPr>
+                      <m:t>𝑂</m:t>
+                    </m:r>
+                    <m:r>
+                      <a:rPr lang="pt-BR" i="1" dirty="0" smtClean="0">
+                        <a:latin typeface="Cambria Math" panose="02040503050406030204" pitchFamily="18" charset="0"/>
+                      </a:rPr>
+                      <m:t>(</m:t>
+                    </m:r>
+                    <m:func>
+                      <m:funcPr>
+                        <m:ctrlPr>
+                          <a:rPr lang="en-US" b="0" i="1" dirty="0" smtClean="0">
+                            <a:latin typeface="Cambria Math" panose="02040503050406030204" pitchFamily="18" charset="0"/>
+                          </a:rPr>
+                        </m:ctrlPr>
+                      </m:funcPr>
+                      <m:fName>
+                        <m:r>
+                          <m:rPr>
+                            <m:sty m:val="p"/>
+                          </m:rPr>
+                          <a:rPr lang="pt-BR" i="0" dirty="0" smtClean="0">
+                            <a:latin typeface="Cambria Math" panose="02040503050406030204" pitchFamily="18" charset="0"/>
+                          </a:rPr>
+                          <m:t>log</m:t>
+                        </m:r>
+                      </m:fName>
+                      <m:e>
+                        <m:r>
+                          <a:rPr lang="en-US" b="0" i="1" dirty="0" smtClean="0">
+                            <a:latin typeface="Cambria Math" panose="02040503050406030204" pitchFamily="18" charset="0"/>
+                          </a:rPr>
+                          <m:t>𝑛</m:t>
+                        </m:r>
+                      </m:e>
+                    </m:func>
+                    <m:r>
+                      <a:rPr lang="pt-BR" i="1" dirty="0" smtClean="0">
+                        <a:latin typeface="Cambria Math" panose="02040503050406030204" pitchFamily="18" charset="0"/>
+                      </a:rPr>
+                      <m:t>)</m:t>
+                    </m:r>
+                  </m:oMath>
+                </a14:m>
+                <a:r>
+                  <a:rPr lang="pt-BR" dirty="0"/>
+                  <a:t> </a:t>
+                </a:r>
+              </a:p>
+              <a:p>
+                <a:pPr lvl="1"/>
+                <a14:m>
+                  <m:oMath xmlns:m="http://schemas.openxmlformats.org/officeDocument/2006/math">
+                    <m:func>
+                      <m:funcPr>
+                        <m:ctrlPr>
+                          <a:rPr lang="en-US" b="0" i="1" dirty="0" smtClean="0">
+                            <a:latin typeface="Cambria Math" panose="02040503050406030204" pitchFamily="18" charset="0"/>
+                          </a:rPr>
+                        </m:ctrlPr>
+                      </m:funcPr>
+                      <m:fName>
+                        <m:r>
+                          <m:rPr>
+                            <m:sty m:val="p"/>
+                          </m:rPr>
+                          <a:rPr lang="pt-BR" i="0" dirty="0" smtClean="0">
+                            <a:latin typeface="Cambria Math" panose="02040503050406030204" pitchFamily="18" charset="0"/>
+                          </a:rPr>
+                          <m:t>log</m:t>
+                        </m:r>
+                      </m:fName>
+                      <m:e>
+                        <m:r>
+                          <a:rPr lang="en-US" b="0" i="1" dirty="0" smtClean="0">
+                            <a:latin typeface="Cambria Math" panose="02040503050406030204" pitchFamily="18" charset="0"/>
+                          </a:rPr>
+                          <m:t>𝑛</m:t>
+                        </m:r>
+                      </m:e>
+                    </m:func>
+                    <m:r>
+                      <a:rPr lang="pt-BR" i="1" dirty="0" smtClean="0">
+                        <a:latin typeface="Cambria Math" panose="02040503050406030204" pitchFamily="18" charset="0"/>
+                      </a:rPr>
+                      <m:t>+2</m:t>
+                    </m:r>
+                    <m:r>
+                      <a:rPr lang="en-US" b="0" i="1" dirty="0" smtClean="0">
+                        <a:latin typeface="Cambria Math" panose="02040503050406030204" pitchFamily="18" charset="0"/>
+                      </a:rPr>
+                      <m:t>∈</m:t>
+                    </m:r>
+                    <m:r>
+                      <a:rPr lang="pt-BR" i="1" dirty="0" smtClean="0">
+                        <a:latin typeface="Cambria Math" panose="02040503050406030204" pitchFamily="18" charset="0"/>
+                      </a:rPr>
+                      <m:t> </m:t>
+                    </m:r>
+                    <m:r>
+                      <a:rPr lang="pt-BR" i="1" dirty="0" smtClean="0">
+                        <a:latin typeface="Cambria Math" panose="02040503050406030204" pitchFamily="18" charset="0"/>
+                      </a:rPr>
+                      <m:t>𝑂</m:t>
+                    </m:r>
+                    <m:r>
+                      <a:rPr lang="pt-BR" i="1" dirty="0" smtClean="0">
+                        <a:latin typeface="Cambria Math" panose="02040503050406030204" pitchFamily="18" charset="0"/>
+                      </a:rPr>
+                      <m:t>(1)</m:t>
+                    </m:r>
+                  </m:oMath>
+                </a14:m>
+                <a:r>
+                  <a:rPr lang="pt-BR" dirty="0"/>
+                  <a:t> </a:t>
+                </a:r>
+              </a:p>
+              <a:p>
+                <a:pPr lvl="1"/>
+                <a14:m>
+                  <m:oMath xmlns:m="http://schemas.openxmlformats.org/officeDocument/2006/math">
+                    <m:sSup>
+                      <m:sSupPr>
+                        <m:ctrlPr>
+                          <a:rPr lang="en-US" b="0" i="1" dirty="0" smtClean="0">
+                            <a:latin typeface="Cambria Math" panose="02040503050406030204" pitchFamily="18" charset="0"/>
+                          </a:rPr>
+                        </m:ctrlPr>
+                      </m:sSupPr>
+                      <m:e>
+                        <m:r>
+                          <a:rPr lang="pt-BR" i="1" dirty="0" smtClean="0">
+                            <a:latin typeface="Cambria Math" panose="02040503050406030204" pitchFamily="18" charset="0"/>
+                          </a:rPr>
+                          <m:t>𝑛</m:t>
+                        </m:r>
+                      </m:e>
+                      <m:sup>
+                        <m:r>
+                          <a:rPr lang="en-US" b="0" i="1" dirty="0" smtClean="0">
+                            <a:latin typeface="Cambria Math" panose="02040503050406030204" pitchFamily="18" charset="0"/>
+                          </a:rPr>
+                          <m:t>50</m:t>
+                        </m:r>
+                      </m:sup>
+                    </m:sSup>
+                    <m:r>
+                      <a:rPr lang="en-US" b="0" i="1" dirty="0" smtClean="0">
+                        <a:latin typeface="Cambria Math" panose="02040503050406030204" pitchFamily="18" charset="0"/>
+                      </a:rPr>
+                      <m:t>∈</m:t>
+                    </m:r>
+                    <m:r>
+                      <a:rPr lang="pt-BR" i="1" dirty="0" smtClean="0">
+                        <a:latin typeface="Cambria Math" panose="02040503050406030204" pitchFamily="18" charset="0"/>
+                      </a:rPr>
+                      <m:t> </m:t>
+                    </m:r>
+                    <m:r>
+                      <a:rPr lang="pt-BR" i="1" dirty="0" smtClean="0">
+                        <a:latin typeface="Cambria Math" panose="02040503050406030204" pitchFamily="18" charset="0"/>
+                      </a:rPr>
+                      <m:t>𝑂</m:t>
+                    </m:r>
+                    <m:r>
+                      <a:rPr lang="pt-BR" i="1" dirty="0" smtClean="0">
+                        <a:latin typeface="Cambria Math" panose="02040503050406030204" pitchFamily="18" charset="0"/>
+                      </a:rPr>
+                      <m:t>(</m:t>
+                    </m:r>
+                    <m:sSup>
+                      <m:sSupPr>
+                        <m:ctrlPr>
+                          <a:rPr lang="en-US" b="0" i="1" dirty="0" smtClean="0">
+                            <a:latin typeface="Cambria Math" panose="02040503050406030204" pitchFamily="18" charset="0"/>
+                          </a:rPr>
+                        </m:ctrlPr>
+                      </m:sSupPr>
+                      <m:e>
+                        <m:r>
+                          <a:rPr lang="pt-BR" i="1" dirty="0" smtClean="0">
+                            <a:latin typeface="Cambria Math" panose="02040503050406030204" pitchFamily="18" charset="0"/>
+                          </a:rPr>
+                          <m:t>1.1</m:t>
+                        </m:r>
+                      </m:e>
+                      <m:sup>
+                        <m:r>
+                          <a:rPr lang="en-US" b="0" i="1" dirty="0" smtClean="0">
+                            <a:latin typeface="Cambria Math" panose="02040503050406030204" pitchFamily="18" charset="0"/>
+                          </a:rPr>
+                          <m:t>𝑛</m:t>
+                        </m:r>
+                      </m:sup>
+                    </m:sSup>
+                    <m:r>
+                      <a:rPr lang="pt-BR" i="1" dirty="0" smtClean="0">
+                        <a:latin typeface="Cambria Math" panose="02040503050406030204" pitchFamily="18" charset="0"/>
+                      </a:rPr>
+                      <m:t>)</m:t>
+                    </m:r>
+                  </m:oMath>
+                </a14:m>
+                <a:endParaRPr lang="pt-BR" dirty="0"/>
+              </a:p>
+              <a:p>
+                <a:pPr lvl="1"/>
+                <a14:m>
+                  <m:oMath xmlns:m="http://schemas.openxmlformats.org/officeDocument/2006/math">
+                    <m:sSup>
+                      <m:sSupPr>
+                        <m:ctrlPr>
+                          <a:rPr lang="en-US" b="0" i="1" smtClean="0">
+                            <a:latin typeface="Cambria Math" panose="02040503050406030204" pitchFamily="18" charset="0"/>
+                          </a:rPr>
+                        </m:ctrlPr>
+                      </m:sSupPr>
+                      <m:e>
+                        <m:r>
+                          <a:rPr lang="en-US" b="0" i="1" smtClean="0">
+                            <a:latin typeface="Cambria Math" panose="02040503050406030204" pitchFamily="18" charset="0"/>
+                          </a:rPr>
+                          <m:t>3</m:t>
+                        </m:r>
+                      </m:e>
+                      <m:sup>
+                        <m:r>
+                          <a:rPr lang="en-US" b="0" i="1" smtClean="0">
+                            <a:latin typeface="Cambria Math" panose="02040503050406030204" pitchFamily="18" charset="0"/>
+                          </a:rPr>
+                          <m:t>𝑛</m:t>
+                        </m:r>
+                      </m:sup>
+                    </m:sSup>
+                    <m:r>
+                      <a:rPr lang="en-US" b="0" i="1" smtClean="0">
+                        <a:latin typeface="Cambria Math" panose="02040503050406030204" pitchFamily="18" charset="0"/>
+                      </a:rPr>
+                      <m:t>∈</m:t>
+                    </m:r>
+                    <m:r>
+                      <m:rPr>
+                        <m:sty m:val="p"/>
+                      </m:rPr>
+                      <a:rPr lang="en-US" b="0" i="0" smtClean="0">
+                        <a:latin typeface="Cambria Math" panose="02040503050406030204" pitchFamily="18" charset="0"/>
+                      </a:rPr>
+                      <m:t>Θ</m:t>
+                    </m:r>
+                    <m:r>
+                      <a:rPr lang="en-US" b="0" i="1" smtClean="0">
+                        <a:latin typeface="Cambria Math" panose="02040503050406030204" pitchFamily="18" charset="0"/>
+                      </a:rPr>
+                      <m:t>(</m:t>
+                    </m:r>
+                    <m:sSup>
+                      <m:sSupPr>
+                        <m:ctrlPr>
+                          <a:rPr lang="en-US" b="0" i="1" smtClean="0">
+                            <a:latin typeface="Cambria Math" panose="02040503050406030204" pitchFamily="18" charset="0"/>
+                          </a:rPr>
+                        </m:ctrlPr>
+                      </m:sSupPr>
+                      <m:e>
+                        <m:r>
+                          <a:rPr lang="en-US" b="0" i="1" smtClean="0">
+                            <a:latin typeface="Cambria Math" panose="02040503050406030204" pitchFamily="18" charset="0"/>
+                          </a:rPr>
+                          <m:t>2</m:t>
+                        </m:r>
+                      </m:e>
+                      <m:sup>
+                        <m:r>
+                          <a:rPr lang="en-US" b="0" i="1" smtClean="0">
+                            <a:latin typeface="Cambria Math" panose="02040503050406030204" pitchFamily="18" charset="0"/>
+                          </a:rPr>
+                          <m:t>𝑛</m:t>
+                        </m:r>
+                      </m:sup>
+                    </m:sSup>
+                    <m:r>
+                      <a:rPr lang="en-US" b="0" i="1" smtClean="0">
+                        <a:latin typeface="Cambria Math" panose="02040503050406030204" pitchFamily="18" charset="0"/>
+                      </a:rPr>
+                      <m:t>)</m:t>
+                    </m:r>
+                  </m:oMath>
+                </a14:m>
+                <a:r>
+                  <a:rPr lang="pt-BR" dirty="0"/>
+                  <a:t> </a:t>
+                </a:r>
+                <a:endParaRPr lang="en-US" dirty="0"/>
+              </a:p>
+            </p:txBody>
+          </p:sp>
+        </mc:Choice>
+        <mc:Fallback xmlns="">
+          <p:sp>
+            <p:nvSpPr>
+              <p:cNvPr id="3" name="Content Placeholder 2">
+                <a:extLst>
+                  <a:ext uri="{FF2B5EF4-FFF2-40B4-BE49-F238E27FC236}">
+                    <a16:creationId xmlns:a16="http://schemas.microsoft.com/office/drawing/2014/main" id="{9F9D13FC-5562-5001-9E77-3F64F87265DF}"/>
+                  </a:ext>
+                </a:extLst>
+              </p:cNvPr>
+              <p:cNvSpPr>
+                <a:spLocks noGrp="1" noRot="1" noChangeAspect="1" noMove="1" noResize="1" noEditPoints="1" noAdjustHandles="1" noChangeArrowheads="1" noChangeShapeType="1" noTextEdit="1"/>
+              </p:cNvSpPr>
+              <p:nvPr>
+                <p:ph idx="1"/>
+              </p:nvPr>
+            </p:nvSpPr>
+            <p:spPr>
+              <a:blipFill>
+                <a:blip r:embed="rId2"/>
+                <a:stretch>
+                  <a:fillRect l="-1043" t="-2241"/>
+                </a:stretch>
+              </a:blipFill>
+            </p:spPr>
+            <p:txBody>
+              <a:bodyPr/>
+              <a:lstStyle/>
+              <a:p>
+                <a:r>
+                  <a:rPr lang="en-US">
+                    <a:noFill/>
+                  </a:rPr>
+                  <a:t> </a:t>
+                </a:r>
+              </a:p>
+            </p:txBody>
+          </p:sp>
+        </mc:Fallback>
+      </mc:AlternateContent>
+    </p:spTree>
+    <p:extLst>
+      <p:ext uri="{BB962C8B-B14F-4D97-AF65-F5344CB8AC3E}">
+        <p14:creationId xmlns:p14="http://schemas.microsoft.com/office/powerpoint/2010/main" val="214276736"/>
+      </p:ext>
+    </p:extLst>
+  </p:cSld>
+  <p:clrMapOvr>
+    <a:masterClrMapping/>
+  </p:clrMapOvr>
+</p:sld>
+</file>
+
+<file path=ppt/slides/slide31.xml><?xml version="1.0" encoding="utf-8"?>
+<p:sld xmlns:a="http://schemas.openxmlformats.org/drawingml/2006/main" xmlns:r="http://schemas.openxmlformats.org/officeDocument/2006/relationships" xmlns:p="http://schemas.openxmlformats.org/presentationml/2006/main">
+  <p:cSld>
+    <p:spTree>
+      <p:nvGrpSpPr>
+        <p:cNvPr id="1" name=""/>
+        <p:cNvGrpSpPr/>
+        <p:nvPr/>
+      </p:nvGrpSpPr>
+      <p:grpSpPr>
+        <a:xfrm>
+          <a:off x="0" y="0"/>
+          <a:ext cx="0" cy="0"/>
+          <a:chOff x="0" y="0"/>
+          <a:chExt cx="0" cy="0"/>
+        </a:xfrm>
+      </p:grpSpPr>
+      <p:sp>
+        <p:nvSpPr>
+          <p:cNvPr id="2" name="Title 1">
+            <a:extLst>
+              <a:ext uri="{FF2B5EF4-FFF2-40B4-BE49-F238E27FC236}">
                 <a16:creationId xmlns:a16="http://schemas.microsoft.com/office/drawing/2014/main" id="{FA966FAC-3CF1-21C8-D24E-C2A513888CBB}"/>
               </a:ext>
             </a:extLst>
@@ -20683,7 +21082,7 @@
 </p:sld>
 </file>
 
-<file path=ppt/slides/slide31.xml><?xml version="1.0" encoding="utf-8"?>
+<file path=ppt/slides/slide32.xml><?xml version="1.0" encoding="utf-8"?>
 <p:sld xmlns:a="http://schemas.openxmlformats.org/drawingml/2006/main" xmlns:r="http://schemas.openxmlformats.org/officeDocument/2006/relationships" xmlns:p="http://schemas.openxmlformats.org/presentationml/2006/main">
   <p:cSld>
     <p:spTree>
@@ -20817,7 +21216,7 @@
 </p:sld>
 </file>
 
-<file path=ppt/slides/slide32.xml><?xml version="1.0" encoding="utf-8"?>
+<file path=ppt/slides/slide33.xml><?xml version="1.0" encoding="utf-8"?>
 <p:sld xmlns:a="http://schemas.openxmlformats.org/drawingml/2006/main" xmlns:r="http://schemas.openxmlformats.org/officeDocument/2006/relationships" xmlns:p="http://schemas.openxmlformats.org/presentationml/2006/main">
   <p:cSld>
     <p:spTree>
@@ -21948,155 +22347,246 @@
           </a:p>
         </p:txBody>
       </p:sp>
-      <p:sp>
-        <p:nvSpPr>
-          <p:cNvPr id="4" name="TextBox 3">
-            <a:extLst>
-              <a:ext uri="{FF2B5EF4-FFF2-40B4-BE49-F238E27FC236}">
-                <a16:creationId xmlns:a16="http://schemas.microsoft.com/office/drawing/2014/main" id="{415FE405-21FA-86BC-EF0B-7959FD174D9C}"/>
-              </a:ext>
-            </a:extLst>
-          </p:cNvPr>
-          <p:cNvSpPr txBox="1"/>
-          <p:nvPr/>
-        </p:nvSpPr>
-        <p:spPr>
-          <a:xfrm>
-            <a:off x="6096000" y="1223466"/>
-            <a:ext cx="5816657" cy="4893647"/>
-          </a:xfrm>
-          <a:prstGeom prst="rect">
-            <a:avLst/>
-          </a:prstGeom>
-          <a:noFill/>
-        </p:spPr>
-        <p:txBody>
-          <a:bodyPr wrap="none" rtlCol="0">
-            <a:spAutoFit/>
-          </a:bodyPr>
-          <a:lstStyle/>
-          <a:p>
-            <a:r>
-              <a:rPr lang="en-US" sz="2400" dirty="0"/>
-              <a:t>Questions to ask:</a:t>
-            </a:r>
-          </a:p>
-          <a:p>
-            <a:pPr marL="285750" indent="-285750">
-              <a:buFont typeface="Arial" panose="020B0604020202020204" pitchFamily="34" charset="0"/>
-              <a:buChar char="•"/>
-            </a:pPr>
-            <a:r>
-              <a:rPr lang="en-US" sz="2400" dirty="0"/>
-              <a:t>What are the units of the input size?</a:t>
-            </a:r>
-          </a:p>
-          <a:p>
-            <a:pPr marL="742950" lvl="1" indent="-285750">
-              <a:buFont typeface="Arial" panose="020B0604020202020204" pitchFamily="34" charset="0"/>
-              <a:buChar char="•"/>
-            </a:pPr>
-            <a:r>
-              <a:rPr lang="en-US" sz="2400" dirty="0"/>
-              <a:t>Size of the list</a:t>
-            </a:r>
-          </a:p>
-          <a:p>
-            <a:pPr marL="285750" indent="-285750">
-              <a:buFont typeface="Arial" panose="020B0604020202020204" pitchFamily="34" charset="0"/>
-              <a:buChar char="•"/>
-            </a:pPr>
-            <a:r>
-              <a:rPr lang="en-US" sz="2400" dirty="0"/>
-              <a:t>What are the operations we’re counting?</a:t>
-            </a:r>
-          </a:p>
-          <a:p>
-            <a:pPr marL="742950" lvl="1" indent="-285750">
-              <a:buFont typeface="Arial" panose="020B0604020202020204" pitchFamily="34" charset="0"/>
-              <a:buChar char="•"/>
-            </a:pPr>
-            <a:r>
-              <a:rPr lang="en-US" sz="2400" dirty="0"/>
-              <a:t>Arithmetic on non-loop variables</a:t>
-            </a:r>
-          </a:p>
-          <a:p>
-            <a:pPr marL="285750" indent="-285750">
-              <a:buFont typeface="Arial" panose="020B0604020202020204" pitchFamily="34" charset="0"/>
-              <a:buChar char="•"/>
-            </a:pPr>
-            <a:r>
-              <a:rPr lang="en-US" sz="2400" dirty="0"/>
-              <a:t>For each line:</a:t>
-            </a:r>
-          </a:p>
-          <a:p>
-            <a:pPr marL="742950" lvl="1" indent="-285750">
-              <a:buFont typeface="Arial" panose="020B0604020202020204" pitchFamily="34" charset="0"/>
-              <a:buChar char="•"/>
-            </a:pPr>
-            <a:r>
-              <a:rPr lang="en-US" sz="2400" dirty="0"/>
-              <a:t>How many times will it run?</a:t>
-            </a:r>
-          </a:p>
-          <a:p>
-            <a:pPr marL="742950" lvl="1" indent="-285750">
-              <a:buFont typeface="Arial" panose="020B0604020202020204" pitchFamily="34" charset="0"/>
-              <a:buChar char="•"/>
-            </a:pPr>
-            <a:r>
-              <a:rPr lang="en-US" sz="2400" dirty="0"/>
-              <a:t>How long does it take to run?</a:t>
-            </a:r>
-          </a:p>
-          <a:p>
-            <a:pPr marL="742950" lvl="1" indent="-285750">
-              <a:buFont typeface="Arial" panose="020B0604020202020204" pitchFamily="34" charset="0"/>
-              <a:buChar char="•"/>
-            </a:pPr>
-            <a:r>
-              <a:rPr lang="en-US" sz="2400" dirty="0"/>
-              <a:t>Does this change with different inputs?</a:t>
-            </a:r>
-          </a:p>
-          <a:p>
-            <a:pPr marL="285750" indent="-285750">
-              <a:buFont typeface="Arial" panose="020B0604020202020204" pitchFamily="34" charset="0"/>
-              <a:buChar char="•"/>
-            </a:pPr>
-            <a:r>
-              <a:rPr lang="en-US" sz="2400" dirty="0"/>
-              <a:t>Answer:</a:t>
-            </a:r>
-          </a:p>
-          <a:p>
-            <a:pPr marL="742950" lvl="1" indent="-285750">
-              <a:buFont typeface="Arial" panose="020B0604020202020204" pitchFamily="34" charset="0"/>
-              <a:buChar char="•"/>
-            </a:pPr>
-            <a:r>
-              <a:rPr lang="en-US" sz="2400" dirty="0"/>
-              <a:t>1+1+1+1+n+n=2n+4</a:t>
-            </a:r>
-          </a:p>
-          <a:p>
-            <a:pPr marL="742950" lvl="1" indent="-285750">
-              <a:buFont typeface="Arial" panose="020B0604020202020204" pitchFamily="34" charset="0"/>
-              <a:buChar char="•"/>
-            </a:pPr>
-            <a:endParaRPr lang="en-US" sz="2400" dirty="0"/>
-          </a:p>
-          <a:p>
-            <a:pPr marL="285750" indent="-285750">
-              <a:buFont typeface="Arial" panose="020B0604020202020204" pitchFamily="34" charset="0"/>
-              <a:buChar char="•"/>
-            </a:pPr>
-            <a:endParaRPr lang="en-US" sz="2400" dirty="0"/>
-          </a:p>
-        </p:txBody>
-      </p:sp>
+      <mc:AlternateContent xmlns:mc="http://schemas.openxmlformats.org/markup-compatibility/2006">
+        <mc:Choice xmlns:a14="http://schemas.microsoft.com/office/drawing/2010/main" Requires="a14">
+          <p:sp>
+            <p:nvSpPr>
+              <p:cNvPr id="4" name="TextBox 3">
+                <a:extLst>
+                  <a:ext uri="{FF2B5EF4-FFF2-40B4-BE49-F238E27FC236}">
+                    <a16:creationId xmlns:a16="http://schemas.microsoft.com/office/drawing/2014/main" id="{415FE405-21FA-86BC-EF0B-7959FD174D9C}"/>
+                  </a:ext>
+                </a:extLst>
+              </p:cNvPr>
+              <p:cNvSpPr txBox="1"/>
+              <p:nvPr/>
+            </p:nvSpPr>
+            <p:spPr>
+              <a:xfrm>
+                <a:off x="6096000" y="1223466"/>
+                <a:ext cx="5816657" cy="5262979"/>
+              </a:xfrm>
+              <a:prstGeom prst="rect">
+                <a:avLst/>
+              </a:prstGeom>
+              <a:noFill/>
+            </p:spPr>
+            <p:txBody>
+              <a:bodyPr wrap="none" rtlCol="0">
+                <a:spAutoFit/>
+              </a:bodyPr>
+              <a:lstStyle/>
+              <a:p>
+                <a:r>
+                  <a:rPr lang="en-US" sz="2400" dirty="0"/>
+                  <a:t>Questions to ask:</a:t>
+                </a:r>
+              </a:p>
+              <a:p>
+                <a:pPr marL="285750" indent="-285750">
+                  <a:buFont typeface="Arial" panose="020B0604020202020204" pitchFamily="34" charset="0"/>
+                  <a:buChar char="•"/>
+                </a:pPr>
+                <a:r>
+                  <a:rPr lang="en-US" sz="2400" dirty="0"/>
+                  <a:t>What are the units of the input size?</a:t>
+                </a:r>
+              </a:p>
+              <a:p>
+                <a:pPr marL="742950" lvl="1" indent="-285750">
+                  <a:buFont typeface="Arial" panose="020B0604020202020204" pitchFamily="34" charset="0"/>
+                  <a:buChar char="•"/>
+                </a:pPr>
+                <a:r>
+                  <a:rPr lang="en-US" sz="2400" dirty="0"/>
+                  <a:t>Number of things in the list</a:t>
+                </a:r>
+              </a:p>
+              <a:p>
+                <a:pPr marL="285750" indent="-285750">
+                  <a:buFont typeface="Arial" panose="020B0604020202020204" pitchFamily="34" charset="0"/>
+                  <a:buChar char="•"/>
+                </a:pPr>
+                <a:r>
+                  <a:rPr lang="en-US" sz="2400" dirty="0"/>
+                  <a:t>What are the operations we’re counting?</a:t>
+                </a:r>
+              </a:p>
+              <a:p>
+                <a:pPr marL="742950" lvl="1" indent="-285750">
+                  <a:buFont typeface="Arial" panose="020B0604020202020204" pitchFamily="34" charset="0"/>
+                  <a:buChar char="•"/>
+                </a:pPr>
+                <a:r>
+                  <a:rPr lang="en-US" sz="2400" dirty="0"/>
+                  <a:t>arithmetic (+-*%) except for </a:t>
+                </a:r>
+                <a:r>
+                  <a:rPr lang="en-US" sz="2400" dirty="0" err="1"/>
+                  <a:t>i</a:t>
+                </a:r>
+                <a:r>
+                  <a:rPr lang="en-US" sz="2400" dirty="0"/>
+                  <a:t>++</a:t>
+                </a:r>
+              </a:p>
+              <a:p>
+                <a:pPr marL="285750" indent="-285750">
+                  <a:buFont typeface="Arial" panose="020B0604020202020204" pitchFamily="34" charset="0"/>
+                  <a:buChar char="•"/>
+                </a:pPr>
+                <a:r>
+                  <a:rPr lang="en-US" sz="2400" dirty="0"/>
+                  <a:t>For each line:</a:t>
+                </a:r>
+              </a:p>
+              <a:p>
+                <a:pPr marL="742950" lvl="1" indent="-285750">
+                  <a:buFont typeface="Arial" panose="020B0604020202020204" pitchFamily="34" charset="0"/>
+                  <a:buChar char="•"/>
+                </a:pPr>
+                <a:r>
+                  <a:rPr lang="en-US" sz="2400" dirty="0"/>
+                  <a:t>How many times will it run?</a:t>
+                </a:r>
+              </a:p>
+              <a:p>
+                <a:pPr marL="742950" lvl="1" indent="-285750">
+                  <a:buFont typeface="Arial" panose="020B0604020202020204" pitchFamily="34" charset="0"/>
+                  <a:buChar char="•"/>
+                </a:pPr>
+                <a:r>
+                  <a:rPr lang="en-US" sz="2400" dirty="0"/>
+                  <a:t>How long does it take to run?</a:t>
+                </a:r>
+              </a:p>
+              <a:p>
+                <a:pPr marL="742950" lvl="1" indent="-285750">
+                  <a:buFont typeface="Arial" panose="020B0604020202020204" pitchFamily="34" charset="0"/>
+                  <a:buChar char="•"/>
+                </a:pPr>
+                <a:r>
+                  <a:rPr lang="en-US" sz="2400" dirty="0"/>
+                  <a:t>Does this change with different inputs?</a:t>
+                </a:r>
+              </a:p>
+              <a:p>
+                <a:pPr marL="285750" indent="-285750">
+                  <a:buFont typeface="Arial" panose="020B0604020202020204" pitchFamily="34" charset="0"/>
+                  <a:buChar char="•"/>
+                </a:pPr>
+                <a:r>
+                  <a:rPr lang="en-US" sz="2400" dirty="0"/>
+                  <a:t>Answer:</a:t>
+                </a:r>
+              </a:p>
+              <a:p>
+                <a:pPr marL="742950" lvl="1" indent="-285750">
+                  <a:buFont typeface="Arial" panose="020B0604020202020204" pitchFamily="34" charset="0"/>
+                  <a:buChar char="•"/>
+                </a:pPr>
+                <a:r>
+                  <a:rPr lang="en-US" sz="2400" dirty="0"/>
+                  <a:t>1+1+1+n+1+n=4+2n</a:t>
+                </a:r>
+              </a:p>
+              <a:p>
+                <a:pPr marL="742950" lvl="1" indent="-285750">
+                  <a:buFont typeface="Arial" panose="020B0604020202020204" pitchFamily="34" charset="0"/>
+                  <a:buChar char="•"/>
+                </a:pPr>
+                <a14:m>
+                  <m:oMath xmlns:m="http://schemas.openxmlformats.org/officeDocument/2006/math">
+                    <m:r>
+                      <a:rPr lang="en-US" sz="2400" b="0" i="1" smtClean="0">
+                        <a:latin typeface="Cambria Math" panose="02040503050406030204" pitchFamily="18" charset="0"/>
+                      </a:rPr>
+                      <m:t>𝑂</m:t>
+                    </m:r>
+                    <m:r>
+                      <a:rPr lang="en-US" sz="2400" b="0" i="1" smtClean="0">
+                        <a:latin typeface="Cambria Math" panose="02040503050406030204" pitchFamily="18" charset="0"/>
+                      </a:rPr>
+                      <m:t>(</m:t>
+                    </m:r>
+                    <m:r>
+                      <a:rPr lang="en-US" sz="2400" b="0" i="1" smtClean="0">
+                        <a:latin typeface="Cambria Math" panose="02040503050406030204" pitchFamily="18" charset="0"/>
+                      </a:rPr>
+                      <m:t>𝑛</m:t>
+                    </m:r>
+                    <m:r>
+                      <a:rPr lang="en-US" sz="2400" b="0" i="1" smtClean="0">
+                        <a:latin typeface="Cambria Math" panose="02040503050406030204" pitchFamily="18" charset="0"/>
+                      </a:rPr>
+                      <m:t>)</m:t>
+                    </m:r>
+                  </m:oMath>
+                </a14:m>
+                <a:endParaRPr lang="en-US" sz="2400" dirty="0"/>
+              </a:p>
+              <a:p>
+                <a:pPr marL="742950" lvl="1" indent="-285750">
+                  <a:buFont typeface="Arial" panose="020B0604020202020204" pitchFamily="34" charset="0"/>
+                  <a:buChar char="•"/>
+                </a:pPr>
+                <a:endParaRPr lang="en-US" sz="2400" dirty="0"/>
+              </a:p>
+              <a:p>
+                <a:pPr marL="285750" indent="-285750">
+                  <a:buFont typeface="Arial" panose="020B0604020202020204" pitchFamily="34" charset="0"/>
+                  <a:buChar char="•"/>
+                </a:pPr>
+                <a:endParaRPr lang="en-US" sz="2400" dirty="0"/>
+              </a:p>
+            </p:txBody>
+          </p:sp>
+        </mc:Choice>
+        <mc:Fallback>
+          <p:sp>
+            <p:nvSpPr>
+              <p:cNvPr id="4" name="TextBox 3">
+                <a:extLst>
+                  <a:ext uri="{FF2B5EF4-FFF2-40B4-BE49-F238E27FC236}">
+                    <a16:creationId xmlns:a16="http://schemas.microsoft.com/office/drawing/2014/main" id="{415FE405-21FA-86BC-EF0B-7959FD174D9C}"/>
+                  </a:ext>
+                </a:extLst>
+              </p:cNvPr>
+              <p:cNvSpPr txBox="1">
+                <a:spLocks noRot="1" noChangeAspect="1" noMove="1" noResize="1" noEditPoints="1" noAdjustHandles="1" noChangeArrowheads="1" noChangeShapeType="1" noTextEdit="1"/>
+              </p:cNvSpPr>
+              <p:nvPr/>
+            </p:nvSpPr>
+            <p:spPr>
+              <a:xfrm>
+                <a:off x="6096000" y="1223466"/>
+                <a:ext cx="5816657" cy="5262979"/>
+              </a:xfrm>
+              <a:prstGeom prst="rect">
+                <a:avLst/>
+              </a:prstGeom>
+              <a:blipFill>
+                <a:blip r:embed="rId2"/>
+                <a:stretch>
+                  <a:fillRect l="-1572" t="-927" r="-524"/>
+                </a:stretch>
+              </a:blipFill>
+            </p:spPr>
+            <p:txBody>
+              <a:bodyPr/>
+              <a:lstStyle/>
+              <a:p>
+                <a:r>
+                  <a:rPr lang="en-US">
+                    <a:noFill/>
+                  </a:rPr>
+                  <a:t> </a:t>
+                </a:r>
+              </a:p>
+            </p:txBody>
+          </p:sp>
+        </mc:Fallback>
+      </mc:AlternateContent>
     </p:spTree>
     <p:extLst>
       <p:ext uri="{BB962C8B-B14F-4D97-AF65-F5344CB8AC3E}">
@@ -23314,7 +23804,7 @@
             </a:r>
             <a:r>
               <a:rPr lang="en-US" dirty="0"/>
-              <a:t>++){ // n times</a:t>
+              <a:t>++){ // n</a:t>
             </a:r>
           </a:p>
           <a:p>
@@ -23364,7 +23854,7 @@
             </a:r>
             <a:r>
               <a:rPr lang="en-US" dirty="0"/>
-              <a:t>){ // n times</a:t>
+              <a:t>){ // n iterations per outer</a:t>
             </a:r>
           </a:p>
           <a:p>
@@ -23373,7 +23863,7 @@
             </a:pPr>
             <a:r>
               <a:rPr lang="en-US" dirty="0"/>
-              <a:t>            print (“Hi, I’m annoying”); // 1</a:t>
+              <a:t>            print (“Hi, I’m annoying”); // 1 time</a:t>
             </a:r>
           </a:p>
           <a:p>
@@ -23405,8 +23895,8 @@
           </a:p>
         </p:txBody>
       </p:sp>
-      <mc:AlternateContent xmlns:mc="http://schemas.openxmlformats.org/markup-compatibility/2006" xmlns:a14="http://schemas.microsoft.com/office/drawing/2010/main">
-        <mc:Choice Requires="a14">
+      <mc:AlternateContent xmlns:mc="http://schemas.openxmlformats.org/markup-compatibility/2006">
+        <mc:Choice xmlns:a14="http://schemas.microsoft.com/office/drawing/2010/main" Requires="a14">
           <p:sp>
             <p:nvSpPr>
               <p:cNvPr id="4" name="TextBox 3">
@@ -23421,7 +23911,7 @@
             </p:nvSpPr>
             <p:spPr>
               <a:xfrm>
-                <a:off x="6096000" y="1223466"/>
+                <a:off x="7729220" y="1044654"/>
                 <a:ext cx="5595058" cy="4154984"/>
               </a:xfrm>
               <a:prstGeom prst="rect">
@@ -23457,7 +23947,7 @@
                 </a:pPr>
                 <a:r>
                   <a:rPr lang="en-US" sz="2400" dirty="0"/>
-                  <a:t># items</a:t>
+                  <a:t>Size of the list</a:t>
                 </a:r>
               </a:p>
               <a:p>
@@ -23477,7 +23967,17 @@
                 </a:pPr>
                 <a:r>
                   <a:rPr lang="en-US" sz="2400" dirty="0"/>
-                  <a:t>Adding or printing</a:t>
+                  <a:t>printing</a:t>
+                </a:r>
+              </a:p>
+              <a:p>
+                <a:pPr marL="285750" indent="-285750">
+                  <a:buFont typeface="Arial" panose="020B0604020202020204" pitchFamily="34" charset="0"/>
+                  <a:buChar char="•"/>
+                </a:pPr>
+                <a:r>
+                  <a:rPr lang="en-US" sz="2400" dirty="0"/>
+                  <a:t>For each line:</a:t>
                 </a:r>
               </a:p>
               <a:p>
@@ -23487,95 +23987,82 @@
                 </a:pPr>
                 <a:r>
                   <a:rPr lang="en-US" sz="2400" dirty="0"/>
-                  <a:t>Printing: </a:t>
-                </a:r>
-                <a14:m>
-                  <m:oMath xmlns:m="http://schemas.openxmlformats.org/officeDocument/2006/math">
-                    <m:r>
-                      <a:rPr lang="en-US" sz="2400" b="0" i="1" smtClean="0">
-                        <a:latin typeface="Cambria Math" panose="02040503050406030204" pitchFamily="18" charset="0"/>
-                      </a:rPr>
-                      <m:t>𝑂</m:t>
-                    </m:r>
-                    <m:d>
-                      <m:dPr>
-                        <m:ctrlPr>
-                          <a:rPr lang="en-US" sz="2400" b="0" i="1" smtClean="0">
-                            <a:latin typeface="Cambria Math" panose="02040503050406030204" pitchFamily="18" charset="0"/>
-                          </a:rPr>
-                        </m:ctrlPr>
-                      </m:dPr>
-                      <m:e>
-                        <m:sSup>
-                          <m:sSupPr>
-                            <m:ctrlPr>
-                              <a:rPr lang="en-US" sz="2400" b="0" i="1" smtClean="0">
-                                <a:latin typeface="Cambria Math" panose="02040503050406030204" pitchFamily="18" charset="0"/>
-                              </a:rPr>
-                            </m:ctrlPr>
-                          </m:sSupPr>
-                          <m:e>
-                            <m:r>
-                              <a:rPr lang="en-US" sz="2400" b="0" i="1" smtClean="0">
-                                <a:latin typeface="Cambria Math" panose="02040503050406030204" pitchFamily="18" charset="0"/>
-                              </a:rPr>
-                              <m:t>𝑛</m:t>
-                            </m:r>
-                          </m:e>
-                          <m:sup>
-                            <m:r>
-                              <a:rPr lang="en-US" sz="2400" b="0" i="1" smtClean="0">
-                                <a:latin typeface="Cambria Math" panose="02040503050406030204" pitchFamily="18" charset="0"/>
-                              </a:rPr>
-                              <m:t>2</m:t>
-                            </m:r>
-                          </m:sup>
-                        </m:sSup>
-                      </m:e>
-                    </m:d>
-                  </m:oMath>
-                </a14:m>
-                <a:endParaRPr lang="en-US" sz="2400" dirty="0"/>
+                  <a:t>How many times will it run?</a:t>
+                </a:r>
+              </a:p>
+              <a:p>
+                <a:pPr marL="742950" lvl="1" indent="-285750">
+                  <a:buFont typeface="Arial" panose="020B0604020202020204" pitchFamily="34" charset="0"/>
+                  <a:buChar char="•"/>
+                </a:pPr>
+                <a:r>
+                  <a:rPr lang="en-US" sz="2400" dirty="0"/>
+                  <a:t>How long does it take to run?</a:t>
+                </a:r>
+              </a:p>
+              <a:p>
+                <a:pPr marL="742950" lvl="1" indent="-285750">
+                  <a:buFont typeface="Arial" panose="020B0604020202020204" pitchFamily="34" charset="0"/>
+                  <a:buChar char="•"/>
+                </a:pPr>
+                <a:r>
+                  <a:rPr lang="en-US" sz="2400" dirty="0"/>
+                  <a:t>Does this change with the input size?</a:t>
+                </a:r>
               </a:p>
               <a:p>
                 <a:pPr marL="285750" indent="-285750">
                   <a:buFont typeface="Arial" panose="020B0604020202020204" pitchFamily="34" charset="0"/>
                   <a:buChar char="•"/>
                 </a:pPr>
-                <a:r>
-                  <a:rPr lang="en-US" sz="2400" dirty="0"/>
-                  <a:t>For each line:</a:t>
-                </a:r>
-              </a:p>
-              <a:p>
-                <a:pPr marL="742950" lvl="1" indent="-285750">
-                  <a:buFont typeface="Arial" panose="020B0604020202020204" pitchFamily="34" charset="0"/>
-                  <a:buChar char="•"/>
-                </a:pPr>
-                <a:r>
-                  <a:rPr lang="en-US" sz="2400" dirty="0"/>
-                  <a:t>How many times will it run?</a:t>
-                </a:r>
-              </a:p>
-              <a:p>
-                <a:pPr marL="742950" lvl="1" indent="-285750">
-                  <a:buFont typeface="Arial" panose="020B0604020202020204" pitchFamily="34" charset="0"/>
-                  <a:buChar char="•"/>
-                </a:pPr>
-                <a:r>
-                  <a:rPr lang="en-US" sz="2400" dirty="0"/>
-                  <a:t>How long does it take to run?</a:t>
-                </a:r>
-              </a:p>
-              <a:p>
-                <a:pPr marL="742950" lvl="1" indent="-285750">
-                  <a:buFont typeface="Arial" panose="020B0604020202020204" pitchFamily="34" charset="0"/>
-                  <a:buChar char="•"/>
-                </a:pPr>
-                <a:r>
-                  <a:rPr lang="en-US" sz="2400" dirty="0"/>
-                  <a:t>Does this change with the input size?</a:t>
-                </a:r>
+                <a14:m>
+                  <m:oMath xmlns:m="http://schemas.openxmlformats.org/officeDocument/2006/math">
+                    <m:r>
+                      <a:rPr lang="en-US" sz="2400" b="0" i="1" smtClean="0">
+                        <a:latin typeface="Cambria Math" panose="02040503050406030204" pitchFamily="18" charset="0"/>
+                      </a:rPr>
+                      <m:t>𝑂</m:t>
+                    </m:r>
+                    <m:r>
+                      <a:rPr lang="en-US" sz="2400" b="0" i="1" smtClean="0">
+                        <a:latin typeface="Cambria Math" panose="02040503050406030204" pitchFamily="18" charset="0"/>
+                      </a:rPr>
+                      <m:t>(</m:t>
+                    </m:r>
+                    <m:sSup>
+                      <m:sSupPr>
+                        <m:ctrlPr>
+                          <a:rPr lang="en-US" sz="2400" b="0" i="1" smtClean="0">
+                            <a:latin typeface="Cambria Math" panose="02040503050406030204" pitchFamily="18" charset="0"/>
+                          </a:rPr>
+                        </m:ctrlPr>
+                      </m:sSupPr>
+                      <m:e>
+                        <m:r>
+                          <a:rPr lang="en-US" sz="2400" b="0" i="1" smtClean="0">
+                            <a:latin typeface="Cambria Math" panose="02040503050406030204" pitchFamily="18" charset="0"/>
+                          </a:rPr>
+                          <m:t>𝑛</m:t>
+                        </m:r>
+                      </m:e>
+                      <m:sup>
+                        <m:r>
+                          <a:rPr lang="en-US" sz="2400" b="0" i="1" smtClean="0">
+                            <a:latin typeface="Cambria Math" panose="02040503050406030204" pitchFamily="18" charset="0"/>
+                          </a:rPr>
+                          <m:t>2</m:t>
+                        </m:r>
+                      </m:sup>
+                    </m:sSup>
+                    <m:r>
+                      <a:rPr lang="en-US" sz="2400" b="0" i="1" smtClean="0">
+                        <a:latin typeface="Cambria Math" panose="02040503050406030204" pitchFamily="18" charset="0"/>
+                      </a:rPr>
+                      <m:t>)</m:t>
+                    </m:r>
+                  </m:oMath>
+                </a14:m>
+                <a:endParaRPr lang="en-US" sz="2400" dirty="0"/>
               </a:p>
               <a:p>
                 <a:pPr marL="285750" indent="-285750">
@@ -23587,13 +24074,13 @@
             </p:txBody>
           </p:sp>
         </mc:Choice>
-        <mc:Fallback xmlns="">
+        <mc:Fallback>
           <p:sp>
             <p:nvSpPr>
               <p:cNvPr id="4" name="TextBox 3">
                 <a:extLst>
                   <a:ext uri="{FF2B5EF4-FFF2-40B4-BE49-F238E27FC236}">
-                    <a16:creationId xmlns:a16="http://schemas.microsoft.com/office/drawing/2014/main" id="{AD6C7F58-306D-E658-69EC-00881D5C09AB}"/>
+                    <a16:creationId xmlns:a16="http://schemas.microsoft.com/office/drawing/2014/main" id="{EF431723-5CC5-DB8E-EA72-4108117A5CDA}"/>
                   </a:ext>
                 </a:extLst>
               </p:cNvPr>
@@ -23604,7 +24091,7 @@
             </p:nvSpPr>
             <p:spPr>
               <a:xfrm>
-                <a:off x="6096000" y="1223466"/>
+                <a:off x="7729220" y="1044654"/>
                 <a:ext cx="5595058" cy="4154984"/>
               </a:xfrm>
               <a:prstGeom prst="rect">
@@ -23613,7 +24100,7 @@
               <a:blipFill>
                 <a:blip r:embed="rId2"/>
                 <a:stretch>
-                  <a:fillRect l="-1634" t="-1175" r="-654"/>
+                  <a:fillRect l="-1743" t="-1173" r="-654"/>
                 </a:stretch>
               </a:blipFill>
             </p:spPr>
